--- a/pres.pptx
+++ b/pres.pptx
@@ -3,16 +3,17 @@
 <p:presentation xmlns:a="http://schemas.openxmlformats.org/drawingml/2006/main" xmlns:p="http://schemas.openxmlformats.org/presentationml/2006/main" xmlns:r="http://schemas.openxmlformats.org/officeDocument/2006/relationships" xmlns:p14="http://schemas.microsoft.com/office/powerpoint/2010/main" xmlns:p15="http://schemas.microsoft.com/office/powerpoint/2012/main" xmlns:mc="http://schemas.openxmlformats.org/markup-compatibility/2006">
   <p:sldMasterIdLst>
     <p:sldMasterId id="2147483648" r:id="rId2"/>
+    <p:sldMasterId id="2147483661" r:id="rId3"/>
   </p:sldMasterIdLst>
   <p:sldIdLst>
-    <p:sldId id="256" r:id="rId3"/>
-    <p:sldId id="257" r:id="rId4"/>
-    <p:sldId id="258" r:id="rId5"/>
-    <p:sldId id="259" r:id="rId6"/>
-    <p:sldId id="260" r:id="rId7"/>
-    <p:sldId id="261" r:id="rId8"/>
-    <p:sldId id="262" r:id="rId9"/>
-    <p:sldId id="263" r:id="rId10"/>
+    <p:sldId id="256" r:id="rId4"/>
+    <p:sldId id="257" r:id="rId5"/>
+    <p:sldId id="258" r:id="rId6"/>
+    <p:sldId id="259" r:id="rId7"/>
+    <p:sldId id="260" r:id="rId8"/>
+    <p:sldId id="261" r:id="rId9"/>
+    <p:sldId id="262" r:id="rId10"/>
+    <p:sldId id="263" r:id="rId11"/>
   </p:sldIdLst>
   <p:sldSz cx="10080625" cy="7559675"/>
   <p:notesSz cx="7559675" cy="10691812"/>
@@ -60,7 +61,7 @@
       </p:grpSpPr>
       <p:sp>
         <p:nvSpPr>
-          <p:cNvPr id="26" name="PlaceHolder 1"/>
+          <p:cNvPr id="23" name="PlaceHolder 1"/>
           <p:cNvSpPr>
             <a:spLocks noGrp="1"/>
           </p:cNvSpPr>
@@ -71,7 +72,7 @@
         <p:spPr>
           <a:xfrm>
             <a:off x="504000" y="301320"/>
-            <a:ext cx="9071640" cy="1262160"/>
+            <a:ext cx="9071280" cy="1261800"/>
           </a:xfrm>
           <a:prstGeom prst="rect">
             <a:avLst/>
@@ -81,23 +82,23 @@
           <a:bodyPr lIns="0" rIns="0" tIns="0" bIns="0" anchor="ctr"/>
           <a:p>
             <a:pPr algn="ctr"/>
-            <a:endParaRPr b="0" lang="fr-FR" sz="4400" spc="-1" strike="noStrike">
-              <a:solidFill>
-                <a:srgbClr val="000000"/>
-              </a:solidFill>
-              <a:uFill>
-                <a:solidFill>
-                  <a:srgbClr val="ffffff"/>
-                </a:solidFill>
-              </a:uFill>
-              <a:latin typeface="Arial"/>
-            </a:endParaRPr>
-          </a:p>
-        </p:txBody>
-      </p:sp>
-      <p:sp>
-        <p:nvSpPr>
-          <p:cNvPr id="27" name="PlaceHolder 2"/>
+            <a:endParaRPr b="0" lang="en-US" sz="4400" spc="-1" strike="noStrike">
+              <a:solidFill>
+                <a:srgbClr val="000000"/>
+              </a:solidFill>
+              <a:uFill>
+                <a:solidFill>
+                  <a:srgbClr val="ffffff"/>
+                </a:solidFill>
+              </a:uFill>
+              <a:latin typeface="Arial"/>
+            </a:endParaRPr>
+          </a:p>
+        </p:txBody>
+      </p:sp>
+      <p:sp>
+        <p:nvSpPr>
+          <p:cNvPr id="24" name="PlaceHolder 2"/>
           <p:cNvSpPr>
             <a:spLocks noGrp="1"/>
           </p:cNvSpPr>
@@ -108,7 +109,7 @@
         <p:spPr>
           <a:xfrm>
             <a:off x="504000" y="1769040"/>
-            <a:ext cx="9071640" cy="2091240"/>
+            <a:ext cx="9071280" cy="2090880"/>
           </a:xfrm>
           <a:prstGeom prst="rect">
             <a:avLst/>
@@ -117,23 +118,23 @@
         <p:txBody>
           <a:bodyPr lIns="0" rIns="0" tIns="0" bIns="0"/>
           <a:p>
-            <a:endParaRPr b="0" lang="fr-FR" sz="3200" spc="-1" strike="noStrike">
-              <a:solidFill>
-                <a:srgbClr val="000000"/>
-              </a:solidFill>
-              <a:uFill>
-                <a:solidFill>
-                  <a:srgbClr val="ffffff"/>
-                </a:solidFill>
-              </a:uFill>
-              <a:latin typeface="Arial"/>
-            </a:endParaRPr>
-          </a:p>
-        </p:txBody>
-      </p:sp>
-      <p:sp>
-        <p:nvSpPr>
-          <p:cNvPr id="28" name="PlaceHolder 3"/>
+            <a:endParaRPr b="0" lang="en-US" sz="3200" spc="-1" strike="noStrike">
+              <a:solidFill>
+                <a:srgbClr val="000000"/>
+              </a:solidFill>
+              <a:uFill>
+                <a:solidFill>
+                  <a:srgbClr val="ffffff"/>
+                </a:solidFill>
+              </a:uFill>
+              <a:latin typeface="Arial"/>
+            </a:endParaRPr>
+          </a:p>
+        </p:txBody>
+      </p:sp>
+      <p:sp>
+        <p:nvSpPr>
+          <p:cNvPr id="25" name="PlaceHolder 3"/>
           <p:cNvSpPr>
             <a:spLocks noGrp="1"/>
           </p:cNvSpPr>
@@ -143,8 +144,8 @@
         </p:nvSpPr>
         <p:spPr>
           <a:xfrm>
-            <a:off x="504000" y="4059360"/>
-            <a:ext cx="9071640" cy="2091240"/>
+            <a:off x="504000" y="4059000"/>
+            <a:ext cx="9071280" cy="2090880"/>
           </a:xfrm>
           <a:prstGeom prst="rect">
             <a:avLst/>
@@ -153,7 +154,7 @@
         <p:txBody>
           <a:bodyPr lIns="0" rIns="0" tIns="0" bIns="0"/>
           <a:p>
-            <a:endParaRPr b="0" lang="fr-FR" sz="3200" spc="-1" strike="noStrike">
+            <a:endParaRPr b="0" lang="en-US" sz="3200" spc="-1" strike="noStrike">
               <a:solidFill>
                 <a:srgbClr val="000000"/>
               </a:solidFill>
@@ -191,7 +192,7 @@
       </p:grpSpPr>
       <p:sp>
         <p:nvSpPr>
-          <p:cNvPr id="29" name="PlaceHolder 1"/>
+          <p:cNvPr id="26" name="PlaceHolder 1"/>
           <p:cNvSpPr>
             <a:spLocks noGrp="1"/>
           </p:cNvSpPr>
@@ -202,7 +203,7 @@
         <p:spPr>
           <a:xfrm>
             <a:off x="504000" y="301320"/>
-            <a:ext cx="9071640" cy="1262160"/>
+            <a:ext cx="9071280" cy="1261800"/>
           </a:xfrm>
           <a:prstGeom prst="rect">
             <a:avLst/>
@@ -212,23 +213,23 @@
           <a:bodyPr lIns="0" rIns="0" tIns="0" bIns="0" anchor="ctr"/>
           <a:p>
             <a:pPr algn="ctr"/>
-            <a:endParaRPr b="0" lang="fr-FR" sz="4400" spc="-1" strike="noStrike">
-              <a:solidFill>
-                <a:srgbClr val="000000"/>
-              </a:solidFill>
-              <a:uFill>
-                <a:solidFill>
-                  <a:srgbClr val="ffffff"/>
-                </a:solidFill>
-              </a:uFill>
-              <a:latin typeface="Arial"/>
-            </a:endParaRPr>
-          </a:p>
-        </p:txBody>
-      </p:sp>
-      <p:sp>
-        <p:nvSpPr>
-          <p:cNvPr id="30" name="PlaceHolder 2"/>
+            <a:endParaRPr b="0" lang="en-US" sz="4400" spc="-1" strike="noStrike">
+              <a:solidFill>
+                <a:srgbClr val="000000"/>
+              </a:solidFill>
+              <a:uFill>
+                <a:solidFill>
+                  <a:srgbClr val="ffffff"/>
+                </a:solidFill>
+              </a:uFill>
+              <a:latin typeface="Arial"/>
+            </a:endParaRPr>
+          </a:p>
+        </p:txBody>
+      </p:sp>
+      <p:sp>
+        <p:nvSpPr>
+          <p:cNvPr id="27" name="PlaceHolder 2"/>
           <p:cNvSpPr>
             <a:spLocks noGrp="1"/>
           </p:cNvSpPr>
@@ -239,7 +240,7 @@
         <p:spPr>
           <a:xfrm>
             <a:off x="504000" y="1769040"/>
-            <a:ext cx="4426920" cy="2091240"/>
+            <a:ext cx="4426560" cy="2090880"/>
           </a:xfrm>
           <a:prstGeom prst="rect">
             <a:avLst/>
@@ -248,23 +249,23 @@
         <p:txBody>
           <a:bodyPr lIns="0" rIns="0" tIns="0" bIns="0"/>
           <a:p>
-            <a:endParaRPr b="0" lang="fr-FR" sz="3200" spc="-1" strike="noStrike">
-              <a:solidFill>
-                <a:srgbClr val="000000"/>
-              </a:solidFill>
-              <a:uFill>
-                <a:solidFill>
-                  <a:srgbClr val="ffffff"/>
-                </a:solidFill>
-              </a:uFill>
-              <a:latin typeface="Arial"/>
-            </a:endParaRPr>
-          </a:p>
-        </p:txBody>
-      </p:sp>
-      <p:sp>
-        <p:nvSpPr>
-          <p:cNvPr id="31" name="PlaceHolder 3"/>
+            <a:endParaRPr b="0" lang="en-US" sz="3200" spc="-1" strike="noStrike">
+              <a:solidFill>
+                <a:srgbClr val="000000"/>
+              </a:solidFill>
+              <a:uFill>
+                <a:solidFill>
+                  <a:srgbClr val="ffffff"/>
+                </a:solidFill>
+              </a:uFill>
+              <a:latin typeface="Arial"/>
+            </a:endParaRPr>
+          </a:p>
+        </p:txBody>
+      </p:sp>
+      <p:sp>
+        <p:nvSpPr>
+          <p:cNvPr id="28" name="PlaceHolder 3"/>
           <p:cNvSpPr>
             <a:spLocks noGrp="1"/>
           </p:cNvSpPr>
@@ -274,8 +275,8 @@
         </p:nvSpPr>
         <p:spPr>
           <a:xfrm>
-            <a:off x="5152680" y="1769040"/>
-            <a:ext cx="4426920" cy="2091240"/>
+            <a:off x="5152320" y="1769040"/>
+            <a:ext cx="4426560" cy="2090880"/>
           </a:xfrm>
           <a:prstGeom prst="rect">
             <a:avLst/>
@@ -284,23 +285,23 @@
         <p:txBody>
           <a:bodyPr lIns="0" rIns="0" tIns="0" bIns="0"/>
           <a:p>
-            <a:endParaRPr b="0" lang="fr-FR" sz="3200" spc="-1" strike="noStrike">
-              <a:solidFill>
-                <a:srgbClr val="000000"/>
-              </a:solidFill>
-              <a:uFill>
-                <a:solidFill>
-                  <a:srgbClr val="ffffff"/>
-                </a:solidFill>
-              </a:uFill>
-              <a:latin typeface="Arial"/>
-            </a:endParaRPr>
-          </a:p>
-        </p:txBody>
-      </p:sp>
-      <p:sp>
-        <p:nvSpPr>
-          <p:cNvPr id="32" name="PlaceHolder 4"/>
+            <a:endParaRPr b="0" lang="en-US" sz="3200" spc="-1" strike="noStrike">
+              <a:solidFill>
+                <a:srgbClr val="000000"/>
+              </a:solidFill>
+              <a:uFill>
+                <a:solidFill>
+                  <a:srgbClr val="ffffff"/>
+                </a:solidFill>
+              </a:uFill>
+              <a:latin typeface="Arial"/>
+            </a:endParaRPr>
+          </a:p>
+        </p:txBody>
+      </p:sp>
+      <p:sp>
+        <p:nvSpPr>
+          <p:cNvPr id="29" name="PlaceHolder 4"/>
           <p:cNvSpPr>
             <a:spLocks noGrp="1"/>
           </p:cNvSpPr>
@@ -310,8 +311,8 @@
         </p:nvSpPr>
         <p:spPr>
           <a:xfrm>
-            <a:off x="5152680" y="4059360"/>
-            <a:ext cx="4426920" cy="2091240"/>
+            <a:off x="5152320" y="4059000"/>
+            <a:ext cx="4426560" cy="2090880"/>
           </a:xfrm>
           <a:prstGeom prst="rect">
             <a:avLst/>
@@ -320,23 +321,23 @@
         <p:txBody>
           <a:bodyPr lIns="0" rIns="0" tIns="0" bIns="0"/>
           <a:p>
-            <a:endParaRPr b="0" lang="fr-FR" sz="3200" spc="-1" strike="noStrike">
-              <a:solidFill>
-                <a:srgbClr val="000000"/>
-              </a:solidFill>
-              <a:uFill>
-                <a:solidFill>
-                  <a:srgbClr val="ffffff"/>
-                </a:solidFill>
-              </a:uFill>
-              <a:latin typeface="Arial"/>
-            </a:endParaRPr>
-          </a:p>
-        </p:txBody>
-      </p:sp>
-      <p:sp>
-        <p:nvSpPr>
-          <p:cNvPr id="33" name="PlaceHolder 5"/>
+            <a:endParaRPr b="0" lang="en-US" sz="3200" spc="-1" strike="noStrike">
+              <a:solidFill>
+                <a:srgbClr val="000000"/>
+              </a:solidFill>
+              <a:uFill>
+                <a:solidFill>
+                  <a:srgbClr val="ffffff"/>
+                </a:solidFill>
+              </a:uFill>
+              <a:latin typeface="Arial"/>
+            </a:endParaRPr>
+          </a:p>
+        </p:txBody>
+      </p:sp>
+      <p:sp>
+        <p:nvSpPr>
+          <p:cNvPr id="30" name="PlaceHolder 5"/>
           <p:cNvSpPr>
             <a:spLocks noGrp="1"/>
           </p:cNvSpPr>
@@ -346,8 +347,8 @@
         </p:nvSpPr>
         <p:spPr>
           <a:xfrm>
-            <a:off x="504000" y="4059360"/>
-            <a:ext cx="4426920" cy="2091240"/>
+            <a:off x="504000" y="4059000"/>
+            <a:ext cx="4426560" cy="2090880"/>
           </a:xfrm>
           <a:prstGeom prst="rect">
             <a:avLst/>
@@ -356,7 +357,7 @@
         <p:txBody>
           <a:bodyPr lIns="0" rIns="0" tIns="0" bIns="0"/>
           <a:p>
-            <a:endParaRPr b="0" lang="fr-FR" sz="3200" spc="-1" strike="noStrike">
+            <a:endParaRPr b="0" lang="en-US" sz="3200" spc="-1" strike="noStrike">
               <a:solidFill>
                 <a:srgbClr val="000000"/>
               </a:solidFill>
@@ -394,7 +395,7 @@
       </p:grpSpPr>
       <p:sp>
         <p:nvSpPr>
-          <p:cNvPr id="34" name="PlaceHolder 1"/>
+          <p:cNvPr id="31" name="PlaceHolder 1"/>
           <p:cNvSpPr>
             <a:spLocks noGrp="1"/>
           </p:cNvSpPr>
@@ -405,7 +406,7 @@
         <p:spPr>
           <a:xfrm>
             <a:off x="504000" y="301320"/>
-            <a:ext cx="9071640" cy="1262160"/>
+            <a:ext cx="9071280" cy="1261800"/>
           </a:xfrm>
           <a:prstGeom prst="rect">
             <a:avLst/>
@@ -415,23 +416,23 @@
           <a:bodyPr lIns="0" rIns="0" tIns="0" bIns="0" anchor="ctr"/>
           <a:p>
             <a:pPr algn="ctr"/>
-            <a:endParaRPr b="0" lang="fr-FR" sz="4400" spc="-1" strike="noStrike">
-              <a:solidFill>
-                <a:srgbClr val="000000"/>
-              </a:solidFill>
-              <a:uFill>
-                <a:solidFill>
-                  <a:srgbClr val="ffffff"/>
-                </a:solidFill>
-              </a:uFill>
-              <a:latin typeface="Arial"/>
-            </a:endParaRPr>
-          </a:p>
-        </p:txBody>
-      </p:sp>
-      <p:sp>
-        <p:nvSpPr>
-          <p:cNvPr id="35" name="PlaceHolder 2"/>
+            <a:endParaRPr b="0" lang="en-US" sz="4400" spc="-1" strike="noStrike">
+              <a:solidFill>
+                <a:srgbClr val="000000"/>
+              </a:solidFill>
+              <a:uFill>
+                <a:solidFill>
+                  <a:srgbClr val="ffffff"/>
+                </a:solidFill>
+              </a:uFill>
+              <a:latin typeface="Arial"/>
+            </a:endParaRPr>
+          </a:p>
+        </p:txBody>
+      </p:sp>
+      <p:sp>
+        <p:nvSpPr>
+          <p:cNvPr id="32" name="PlaceHolder 2"/>
           <p:cNvSpPr>
             <a:spLocks noGrp="1"/>
           </p:cNvSpPr>
@@ -442,7 +443,7 @@
         <p:spPr>
           <a:xfrm>
             <a:off x="504000" y="1769040"/>
-            <a:ext cx="9071640" cy="4384440"/>
+            <a:ext cx="9071280" cy="4384080"/>
           </a:xfrm>
           <a:prstGeom prst="rect">
             <a:avLst/>
@@ -451,23 +452,23 @@
         <p:txBody>
           <a:bodyPr lIns="0" rIns="0" tIns="0" bIns="0"/>
           <a:p>
-            <a:endParaRPr b="0" lang="fr-FR" sz="3200" spc="-1" strike="noStrike">
-              <a:solidFill>
-                <a:srgbClr val="000000"/>
-              </a:solidFill>
-              <a:uFill>
-                <a:solidFill>
-                  <a:srgbClr val="ffffff"/>
-                </a:solidFill>
-              </a:uFill>
-              <a:latin typeface="Arial"/>
-            </a:endParaRPr>
-          </a:p>
-        </p:txBody>
-      </p:sp>
-      <p:sp>
-        <p:nvSpPr>
-          <p:cNvPr id="36" name="PlaceHolder 3"/>
+            <a:endParaRPr b="0" lang="en-US" sz="3200" spc="-1" strike="noStrike">
+              <a:solidFill>
+                <a:srgbClr val="000000"/>
+              </a:solidFill>
+              <a:uFill>
+                <a:solidFill>
+                  <a:srgbClr val="ffffff"/>
+                </a:solidFill>
+              </a:uFill>
+              <a:latin typeface="Arial"/>
+            </a:endParaRPr>
+          </a:p>
+        </p:txBody>
+      </p:sp>
+      <p:sp>
+        <p:nvSpPr>
+          <p:cNvPr id="33" name="PlaceHolder 3"/>
           <p:cNvSpPr>
             <a:spLocks noGrp="1"/>
           </p:cNvSpPr>
@@ -478,7 +479,7 @@
         <p:spPr>
           <a:xfrm>
             <a:off x="504000" y="1769040"/>
-            <a:ext cx="9071640" cy="4384440"/>
+            <a:ext cx="9071280" cy="4384080"/>
           </a:xfrm>
           <a:prstGeom prst="rect">
             <a:avLst/>
@@ -487,7 +488,7 @@
         <p:txBody>
           <a:bodyPr lIns="0" rIns="0" tIns="0" bIns="0"/>
           <a:p>
-            <a:endParaRPr b="0" lang="fr-FR" sz="3200" spc="-1" strike="noStrike">
+            <a:endParaRPr b="0" lang="en-US" sz="3200" spc="-1" strike="noStrike">
               <a:solidFill>
                 <a:srgbClr val="000000"/>
               </a:solidFill>
@@ -503,7 +504,7 @@
       </p:sp>
       <p:pic>
         <p:nvPicPr>
-          <p:cNvPr id="37" name="" descr=""/>
+          <p:cNvPr id="34" name="" descr=""/>
           <p:cNvPicPr/>
           <p:nvPr/>
         </p:nvPicPr>
@@ -513,8 +514,8 @@
         </p:blipFill>
         <p:spPr>
           <a:xfrm>
-            <a:off x="2292120" y="1768680"/>
-            <a:ext cx="5495040" cy="4384440"/>
+            <a:off x="2292120" y="1769040"/>
+            <a:ext cx="5494680" cy="4384080"/>
           </a:xfrm>
           <a:prstGeom prst="rect">
             <a:avLst/>
@@ -526,7 +527,7 @@
       </p:pic>
       <p:pic>
         <p:nvPicPr>
-          <p:cNvPr id="38" name="" descr=""/>
+          <p:cNvPr id="35" name="" descr=""/>
           <p:cNvPicPr/>
           <p:nvPr/>
         </p:nvPicPr>
@@ -536,8 +537,8 @@
         </p:blipFill>
         <p:spPr>
           <a:xfrm>
-            <a:off x="2292120" y="1768680"/>
-            <a:ext cx="5495040" cy="4384440"/>
+            <a:off x="2292120" y="1769040"/>
+            <a:ext cx="5494680" cy="4384080"/>
           </a:xfrm>
           <a:prstGeom prst="rect">
             <a:avLst/>
@@ -547,6 +548,635 @@
           </a:ln>
         </p:spPr>
       </p:pic>
+    </p:spTree>
+  </p:cSld>
+</p:sldLayout>
+</file>
+
+<file path=ppt/slideLayouts/slideLayout13.xml><?xml version="1.0" encoding="utf-8"?>
+<p:sldLayout xmlns:a="http://schemas.openxmlformats.org/drawingml/2006/main" xmlns:p="http://schemas.openxmlformats.org/presentationml/2006/main" xmlns:r="http://schemas.openxmlformats.org/officeDocument/2006/relationships" xmlns:p14="http://schemas.microsoft.com/office/powerpoint/2010/main" xmlns:p15="http://schemas.microsoft.com/office/powerpoint/2012/main" xmlns:mc="http://schemas.openxmlformats.org/markup-compatibility/2006" type="blank" preserve="1">
+  <p:cSld name="Blank Slide">
+    <p:spTree>
+      <p:nvGrpSpPr>
+        <p:cNvPr id="1" name=""/>
+        <p:cNvGrpSpPr/>
+        <p:nvPr/>
+      </p:nvGrpSpPr>
+      <p:grpSpPr>
+        <a:xfrm>
+          <a:off x="0" y="0"/>
+          <a:ext cx="0" cy="0"/>
+          <a:chOff x="0" y="0"/>
+          <a:chExt cx="0" cy="0"/>
+        </a:xfrm>
+      </p:grpSpPr>
+    </p:spTree>
+  </p:cSld>
+</p:sldLayout>
+</file>
+
+<file path=ppt/slideLayouts/slideLayout14.xml><?xml version="1.0" encoding="utf-8"?>
+<p:sldLayout xmlns:a="http://schemas.openxmlformats.org/drawingml/2006/main" xmlns:p="http://schemas.openxmlformats.org/presentationml/2006/main" xmlns:r="http://schemas.openxmlformats.org/officeDocument/2006/relationships" xmlns:p14="http://schemas.microsoft.com/office/powerpoint/2010/main" xmlns:p15="http://schemas.microsoft.com/office/powerpoint/2012/main" xmlns:mc="http://schemas.openxmlformats.org/markup-compatibility/2006" type="tx" preserve="1">
+  <p:cSld name="Title Slide">
+    <p:spTree>
+      <p:nvGrpSpPr>
+        <p:cNvPr id="1" name=""/>
+        <p:cNvGrpSpPr/>
+        <p:nvPr/>
+      </p:nvGrpSpPr>
+      <p:grpSpPr>
+        <a:xfrm>
+          <a:off x="0" y="0"/>
+          <a:ext cx="0" cy="0"/>
+          <a:chOff x="0" y="0"/>
+          <a:chExt cx="0" cy="0"/>
+        </a:xfrm>
+      </p:grpSpPr>
+      <p:sp>
+        <p:nvSpPr>
+          <p:cNvPr id="38" name="PlaceHolder 1"/>
+          <p:cNvSpPr>
+            <a:spLocks noGrp="1"/>
+          </p:cNvSpPr>
+          <p:nvPr>
+            <p:ph type="title"/>
+          </p:nvPr>
+        </p:nvSpPr>
+        <p:spPr>
+          <a:xfrm>
+            <a:off x="504000" y="301320"/>
+            <a:ext cx="9071280" cy="1261800"/>
+          </a:xfrm>
+          <a:prstGeom prst="rect">
+            <a:avLst/>
+          </a:prstGeom>
+        </p:spPr>
+        <p:txBody>
+          <a:bodyPr lIns="0" rIns="0" tIns="0" bIns="0" anchor="ctr"/>
+          <a:p>
+            <a:pPr algn="ctr"/>
+            <a:endParaRPr b="0" lang="en-US" sz="4400" spc="-1" strike="noStrike">
+              <a:solidFill>
+                <a:srgbClr val="000000"/>
+              </a:solidFill>
+              <a:uFill>
+                <a:solidFill>
+                  <a:srgbClr val="ffffff"/>
+                </a:solidFill>
+              </a:uFill>
+              <a:latin typeface="Arial"/>
+            </a:endParaRPr>
+          </a:p>
+        </p:txBody>
+      </p:sp>
+      <p:sp>
+        <p:nvSpPr>
+          <p:cNvPr id="39" name="PlaceHolder 2"/>
+          <p:cNvSpPr>
+            <a:spLocks noGrp="1"/>
+          </p:cNvSpPr>
+          <p:nvPr>
+            <p:ph type="subTitle"/>
+          </p:nvPr>
+        </p:nvSpPr>
+        <p:spPr>
+          <a:xfrm>
+            <a:off x="504000" y="1769040"/>
+            <a:ext cx="9071280" cy="4384080"/>
+          </a:xfrm>
+          <a:prstGeom prst="rect">
+            <a:avLst/>
+          </a:prstGeom>
+        </p:spPr>
+        <p:txBody>
+          <a:bodyPr lIns="0" rIns="0" tIns="0" bIns="0" anchor="ctr"/>
+          <a:p>
+            <a:pPr algn="ctr"/>
+            <a:endParaRPr b="0" lang="en-US" sz="3200" spc="-1" strike="noStrike">
+              <a:solidFill>
+                <a:srgbClr val="000000"/>
+              </a:solidFill>
+              <a:uFill>
+                <a:solidFill>
+                  <a:srgbClr val="ffffff"/>
+                </a:solidFill>
+              </a:uFill>
+              <a:latin typeface="Arial"/>
+            </a:endParaRPr>
+          </a:p>
+        </p:txBody>
+      </p:sp>
+    </p:spTree>
+  </p:cSld>
+</p:sldLayout>
+</file>
+
+<file path=ppt/slideLayouts/slideLayout15.xml><?xml version="1.0" encoding="utf-8"?>
+<p:sldLayout xmlns:a="http://schemas.openxmlformats.org/drawingml/2006/main" xmlns:p="http://schemas.openxmlformats.org/presentationml/2006/main" xmlns:r="http://schemas.openxmlformats.org/officeDocument/2006/relationships" xmlns:p14="http://schemas.microsoft.com/office/powerpoint/2010/main" xmlns:p15="http://schemas.microsoft.com/office/powerpoint/2012/main" xmlns:mc="http://schemas.openxmlformats.org/markup-compatibility/2006" type="obj" preserve="1">
+  <p:cSld name="Title, Content">
+    <p:spTree>
+      <p:nvGrpSpPr>
+        <p:cNvPr id="1" name=""/>
+        <p:cNvGrpSpPr/>
+        <p:nvPr/>
+      </p:nvGrpSpPr>
+      <p:grpSpPr>
+        <a:xfrm>
+          <a:off x="0" y="0"/>
+          <a:ext cx="0" cy="0"/>
+          <a:chOff x="0" y="0"/>
+          <a:chExt cx="0" cy="0"/>
+        </a:xfrm>
+      </p:grpSpPr>
+      <p:sp>
+        <p:nvSpPr>
+          <p:cNvPr id="40" name="PlaceHolder 1"/>
+          <p:cNvSpPr>
+            <a:spLocks noGrp="1"/>
+          </p:cNvSpPr>
+          <p:nvPr>
+            <p:ph type="title"/>
+          </p:nvPr>
+        </p:nvSpPr>
+        <p:spPr>
+          <a:xfrm>
+            <a:off x="504000" y="301320"/>
+            <a:ext cx="9071280" cy="1261800"/>
+          </a:xfrm>
+          <a:prstGeom prst="rect">
+            <a:avLst/>
+          </a:prstGeom>
+        </p:spPr>
+        <p:txBody>
+          <a:bodyPr lIns="0" rIns="0" tIns="0" bIns="0" anchor="ctr"/>
+          <a:p>
+            <a:pPr algn="ctr"/>
+            <a:endParaRPr b="0" lang="en-US" sz="4400" spc="-1" strike="noStrike">
+              <a:solidFill>
+                <a:srgbClr val="000000"/>
+              </a:solidFill>
+              <a:uFill>
+                <a:solidFill>
+                  <a:srgbClr val="ffffff"/>
+                </a:solidFill>
+              </a:uFill>
+              <a:latin typeface="Arial"/>
+            </a:endParaRPr>
+          </a:p>
+        </p:txBody>
+      </p:sp>
+      <p:sp>
+        <p:nvSpPr>
+          <p:cNvPr id="41" name="PlaceHolder 2"/>
+          <p:cNvSpPr>
+            <a:spLocks noGrp="1"/>
+          </p:cNvSpPr>
+          <p:nvPr>
+            <p:ph type="body"/>
+          </p:nvPr>
+        </p:nvSpPr>
+        <p:spPr>
+          <a:xfrm>
+            <a:off x="504000" y="1769040"/>
+            <a:ext cx="9071280" cy="4384080"/>
+          </a:xfrm>
+          <a:prstGeom prst="rect">
+            <a:avLst/>
+          </a:prstGeom>
+        </p:spPr>
+        <p:txBody>
+          <a:bodyPr lIns="0" rIns="0" tIns="0" bIns="0"/>
+          <a:p>
+            <a:endParaRPr b="0" lang="en-US" sz="3200" spc="-1" strike="noStrike">
+              <a:solidFill>
+                <a:srgbClr val="000000"/>
+              </a:solidFill>
+              <a:uFill>
+                <a:solidFill>
+                  <a:srgbClr val="ffffff"/>
+                </a:solidFill>
+              </a:uFill>
+              <a:latin typeface="Arial"/>
+            </a:endParaRPr>
+          </a:p>
+        </p:txBody>
+      </p:sp>
+    </p:spTree>
+  </p:cSld>
+</p:sldLayout>
+</file>
+
+<file path=ppt/slideLayouts/slideLayout16.xml><?xml version="1.0" encoding="utf-8"?>
+<p:sldLayout xmlns:a="http://schemas.openxmlformats.org/drawingml/2006/main" xmlns:p="http://schemas.openxmlformats.org/presentationml/2006/main" xmlns:r="http://schemas.openxmlformats.org/officeDocument/2006/relationships" xmlns:p14="http://schemas.microsoft.com/office/powerpoint/2010/main" xmlns:p15="http://schemas.microsoft.com/office/powerpoint/2012/main" xmlns:mc="http://schemas.openxmlformats.org/markup-compatibility/2006" type="twoObj" preserve="1">
+  <p:cSld name="Title, 2 Content">
+    <p:spTree>
+      <p:nvGrpSpPr>
+        <p:cNvPr id="1" name=""/>
+        <p:cNvGrpSpPr/>
+        <p:nvPr/>
+      </p:nvGrpSpPr>
+      <p:grpSpPr>
+        <a:xfrm>
+          <a:off x="0" y="0"/>
+          <a:ext cx="0" cy="0"/>
+          <a:chOff x="0" y="0"/>
+          <a:chExt cx="0" cy="0"/>
+        </a:xfrm>
+      </p:grpSpPr>
+      <p:sp>
+        <p:nvSpPr>
+          <p:cNvPr id="42" name="PlaceHolder 1"/>
+          <p:cNvSpPr>
+            <a:spLocks noGrp="1"/>
+          </p:cNvSpPr>
+          <p:nvPr>
+            <p:ph type="title"/>
+          </p:nvPr>
+        </p:nvSpPr>
+        <p:spPr>
+          <a:xfrm>
+            <a:off x="504000" y="301320"/>
+            <a:ext cx="9071280" cy="1261800"/>
+          </a:xfrm>
+          <a:prstGeom prst="rect">
+            <a:avLst/>
+          </a:prstGeom>
+        </p:spPr>
+        <p:txBody>
+          <a:bodyPr lIns="0" rIns="0" tIns="0" bIns="0" anchor="ctr"/>
+          <a:p>
+            <a:pPr algn="ctr"/>
+            <a:endParaRPr b="0" lang="en-US" sz="4400" spc="-1" strike="noStrike">
+              <a:solidFill>
+                <a:srgbClr val="000000"/>
+              </a:solidFill>
+              <a:uFill>
+                <a:solidFill>
+                  <a:srgbClr val="ffffff"/>
+                </a:solidFill>
+              </a:uFill>
+              <a:latin typeface="Arial"/>
+            </a:endParaRPr>
+          </a:p>
+        </p:txBody>
+      </p:sp>
+      <p:sp>
+        <p:nvSpPr>
+          <p:cNvPr id="43" name="PlaceHolder 2"/>
+          <p:cNvSpPr>
+            <a:spLocks noGrp="1"/>
+          </p:cNvSpPr>
+          <p:nvPr>
+            <p:ph type="body"/>
+          </p:nvPr>
+        </p:nvSpPr>
+        <p:spPr>
+          <a:xfrm>
+            <a:off x="504000" y="1769040"/>
+            <a:ext cx="4426560" cy="4384080"/>
+          </a:xfrm>
+          <a:prstGeom prst="rect">
+            <a:avLst/>
+          </a:prstGeom>
+        </p:spPr>
+        <p:txBody>
+          <a:bodyPr lIns="0" rIns="0" tIns="0" bIns="0"/>
+          <a:p>
+            <a:endParaRPr b="0" lang="en-US" sz="3200" spc="-1" strike="noStrike">
+              <a:solidFill>
+                <a:srgbClr val="000000"/>
+              </a:solidFill>
+              <a:uFill>
+                <a:solidFill>
+                  <a:srgbClr val="ffffff"/>
+                </a:solidFill>
+              </a:uFill>
+              <a:latin typeface="Arial"/>
+            </a:endParaRPr>
+          </a:p>
+        </p:txBody>
+      </p:sp>
+      <p:sp>
+        <p:nvSpPr>
+          <p:cNvPr id="44" name="PlaceHolder 3"/>
+          <p:cNvSpPr>
+            <a:spLocks noGrp="1"/>
+          </p:cNvSpPr>
+          <p:nvPr>
+            <p:ph type="body"/>
+          </p:nvPr>
+        </p:nvSpPr>
+        <p:spPr>
+          <a:xfrm>
+            <a:off x="5152320" y="1769040"/>
+            <a:ext cx="4426560" cy="4384080"/>
+          </a:xfrm>
+          <a:prstGeom prst="rect">
+            <a:avLst/>
+          </a:prstGeom>
+        </p:spPr>
+        <p:txBody>
+          <a:bodyPr lIns="0" rIns="0" tIns="0" bIns="0"/>
+          <a:p>
+            <a:endParaRPr b="0" lang="en-US" sz="3200" spc="-1" strike="noStrike">
+              <a:solidFill>
+                <a:srgbClr val="000000"/>
+              </a:solidFill>
+              <a:uFill>
+                <a:solidFill>
+                  <a:srgbClr val="ffffff"/>
+                </a:solidFill>
+              </a:uFill>
+              <a:latin typeface="Arial"/>
+            </a:endParaRPr>
+          </a:p>
+        </p:txBody>
+      </p:sp>
+    </p:spTree>
+  </p:cSld>
+</p:sldLayout>
+</file>
+
+<file path=ppt/slideLayouts/slideLayout17.xml><?xml version="1.0" encoding="utf-8"?>
+<p:sldLayout xmlns:a="http://schemas.openxmlformats.org/drawingml/2006/main" xmlns:p="http://schemas.openxmlformats.org/presentationml/2006/main" xmlns:r="http://schemas.openxmlformats.org/officeDocument/2006/relationships" xmlns:p14="http://schemas.microsoft.com/office/powerpoint/2010/main" xmlns:p15="http://schemas.microsoft.com/office/powerpoint/2012/main" xmlns:mc="http://schemas.openxmlformats.org/markup-compatibility/2006" type="titleOnly" preserve="1">
+  <p:cSld name="Title Only">
+    <p:spTree>
+      <p:nvGrpSpPr>
+        <p:cNvPr id="1" name=""/>
+        <p:cNvGrpSpPr/>
+        <p:nvPr/>
+      </p:nvGrpSpPr>
+      <p:grpSpPr>
+        <a:xfrm>
+          <a:off x="0" y="0"/>
+          <a:ext cx="0" cy="0"/>
+          <a:chOff x="0" y="0"/>
+          <a:chExt cx="0" cy="0"/>
+        </a:xfrm>
+      </p:grpSpPr>
+      <p:sp>
+        <p:nvSpPr>
+          <p:cNvPr id="45" name="PlaceHolder 1"/>
+          <p:cNvSpPr>
+            <a:spLocks noGrp="1"/>
+          </p:cNvSpPr>
+          <p:nvPr>
+            <p:ph type="title"/>
+          </p:nvPr>
+        </p:nvSpPr>
+        <p:spPr>
+          <a:xfrm>
+            <a:off x="504000" y="301320"/>
+            <a:ext cx="9071280" cy="1261800"/>
+          </a:xfrm>
+          <a:prstGeom prst="rect">
+            <a:avLst/>
+          </a:prstGeom>
+        </p:spPr>
+        <p:txBody>
+          <a:bodyPr lIns="0" rIns="0" tIns="0" bIns="0" anchor="ctr"/>
+          <a:p>
+            <a:pPr algn="ctr"/>
+            <a:endParaRPr b="0" lang="en-US" sz="4400" spc="-1" strike="noStrike">
+              <a:solidFill>
+                <a:srgbClr val="000000"/>
+              </a:solidFill>
+              <a:uFill>
+                <a:solidFill>
+                  <a:srgbClr val="ffffff"/>
+                </a:solidFill>
+              </a:uFill>
+              <a:latin typeface="Arial"/>
+            </a:endParaRPr>
+          </a:p>
+        </p:txBody>
+      </p:sp>
+    </p:spTree>
+  </p:cSld>
+</p:sldLayout>
+</file>
+
+<file path=ppt/slideLayouts/slideLayout18.xml><?xml version="1.0" encoding="utf-8"?>
+<p:sldLayout xmlns:a="http://schemas.openxmlformats.org/drawingml/2006/main" xmlns:p="http://schemas.openxmlformats.org/presentationml/2006/main" xmlns:r="http://schemas.openxmlformats.org/officeDocument/2006/relationships" xmlns:p14="http://schemas.microsoft.com/office/powerpoint/2010/main" xmlns:p15="http://schemas.microsoft.com/office/powerpoint/2012/main" xmlns:mc="http://schemas.openxmlformats.org/markup-compatibility/2006" type="objOnly" preserve="1">
+  <p:cSld name="Centered Text">
+    <p:spTree>
+      <p:nvGrpSpPr>
+        <p:cNvPr id="1" name=""/>
+        <p:cNvGrpSpPr/>
+        <p:nvPr/>
+      </p:nvGrpSpPr>
+      <p:grpSpPr>
+        <a:xfrm>
+          <a:off x="0" y="0"/>
+          <a:ext cx="0" cy="0"/>
+          <a:chOff x="0" y="0"/>
+          <a:chExt cx="0" cy="0"/>
+        </a:xfrm>
+      </p:grpSpPr>
+      <p:sp>
+        <p:nvSpPr>
+          <p:cNvPr id="46" name="PlaceHolder 1"/>
+          <p:cNvSpPr>
+            <a:spLocks noGrp="1"/>
+          </p:cNvSpPr>
+          <p:nvPr>
+            <p:ph type="subTitle"/>
+          </p:nvPr>
+        </p:nvSpPr>
+        <p:spPr>
+          <a:xfrm>
+            <a:off x="504000" y="301320"/>
+            <a:ext cx="9071280" cy="5850360"/>
+          </a:xfrm>
+          <a:prstGeom prst="rect">
+            <a:avLst/>
+          </a:prstGeom>
+        </p:spPr>
+        <p:txBody>
+          <a:bodyPr lIns="0" rIns="0" tIns="0" bIns="0" anchor="ctr"/>
+          <a:p>
+            <a:pPr algn="ctr"/>
+            <a:endParaRPr b="0" lang="en-US" sz="3200" spc="-1" strike="noStrike">
+              <a:solidFill>
+                <a:srgbClr val="000000"/>
+              </a:solidFill>
+              <a:uFill>
+                <a:solidFill>
+                  <a:srgbClr val="ffffff"/>
+                </a:solidFill>
+              </a:uFill>
+              <a:latin typeface="Arial"/>
+            </a:endParaRPr>
+          </a:p>
+        </p:txBody>
+      </p:sp>
+    </p:spTree>
+  </p:cSld>
+</p:sldLayout>
+</file>
+
+<file path=ppt/slideLayouts/slideLayout19.xml><?xml version="1.0" encoding="utf-8"?>
+<p:sldLayout xmlns:a="http://schemas.openxmlformats.org/drawingml/2006/main" xmlns:p="http://schemas.openxmlformats.org/presentationml/2006/main" xmlns:r="http://schemas.openxmlformats.org/officeDocument/2006/relationships" xmlns:p14="http://schemas.microsoft.com/office/powerpoint/2010/main" xmlns:p15="http://schemas.microsoft.com/office/powerpoint/2012/main" xmlns:mc="http://schemas.openxmlformats.org/markup-compatibility/2006" type="twoObjAndObj" preserve="1">
+  <p:cSld name="Title, 2 Content and Content">
+    <p:spTree>
+      <p:nvGrpSpPr>
+        <p:cNvPr id="1" name=""/>
+        <p:cNvGrpSpPr/>
+        <p:nvPr/>
+      </p:nvGrpSpPr>
+      <p:grpSpPr>
+        <a:xfrm>
+          <a:off x="0" y="0"/>
+          <a:ext cx="0" cy="0"/>
+          <a:chOff x="0" y="0"/>
+          <a:chExt cx="0" cy="0"/>
+        </a:xfrm>
+      </p:grpSpPr>
+      <p:sp>
+        <p:nvSpPr>
+          <p:cNvPr id="47" name="PlaceHolder 1"/>
+          <p:cNvSpPr>
+            <a:spLocks noGrp="1"/>
+          </p:cNvSpPr>
+          <p:nvPr>
+            <p:ph type="title"/>
+          </p:nvPr>
+        </p:nvSpPr>
+        <p:spPr>
+          <a:xfrm>
+            <a:off x="504000" y="301320"/>
+            <a:ext cx="9071280" cy="1261800"/>
+          </a:xfrm>
+          <a:prstGeom prst="rect">
+            <a:avLst/>
+          </a:prstGeom>
+        </p:spPr>
+        <p:txBody>
+          <a:bodyPr lIns="0" rIns="0" tIns="0" bIns="0" anchor="ctr"/>
+          <a:p>
+            <a:pPr algn="ctr"/>
+            <a:endParaRPr b="0" lang="en-US" sz="4400" spc="-1" strike="noStrike">
+              <a:solidFill>
+                <a:srgbClr val="000000"/>
+              </a:solidFill>
+              <a:uFill>
+                <a:solidFill>
+                  <a:srgbClr val="ffffff"/>
+                </a:solidFill>
+              </a:uFill>
+              <a:latin typeface="Arial"/>
+            </a:endParaRPr>
+          </a:p>
+        </p:txBody>
+      </p:sp>
+      <p:sp>
+        <p:nvSpPr>
+          <p:cNvPr id="48" name="PlaceHolder 2"/>
+          <p:cNvSpPr>
+            <a:spLocks noGrp="1"/>
+          </p:cNvSpPr>
+          <p:nvPr>
+            <p:ph type="body"/>
+          </p:nvPr>
+        </p:nvSpPr>
+        <p:spPr>
+          <a:xfrm>
+            <a:off x="504000" y="1769040"/>
+            <a:ext cx="4426560" cy="2090880"/>
+          </a:xfrm>
+          <a:prstGeom prst="rect">
+            <a:avLst/>
+          </a:prstGeom>
+        </p:spPr>
+        <p:txBody>
+          <a:bodyPr lIns="0" rIns="0" tIns="0" bIns="0"/>
+          <a:p>
+            <a:endParaRPr b="0" lang="en-US" sz="3200" spc="-1" strike="noStrike">
+              <a:solidFill>
+                <a:srgbClr val="000000"/>
+              </a:solidFill>
+              <a:uFill>
+                <a:solidFill>
+                  <a:srgbClr val="ffffff"/>
+                </a:solidFill>
+              </a:uFill>
+              <a:latin typeface="Arial"/>
+            </a:endParaRPr>
+          </a:p>
+        </p:txBody>
+      </p:sp>
+      <p:sp>
+        <p:nvSpPr>
+          <p:cNvPr id="49" name="PlaceHolder 3"/>
+          <p:cNvSpPr>
+            <a:spLocks noGrp="1"/>
+          </p:cNvSpPr>
+          <p:nvPr>
+            <p:ph type="body"/>
+          </p:nvPr>
+        </p:nvSpPr>
+        <p:spPr>
+          <a:xfrm>
+            <a:off x="504000" y="4059000"/>
+            <a:ext cx="4426560" cy="2090880"/>
+          </a:xfrm>
+          <a:prstGeom prst="rect">
+            <a:avLst/>
+          </a:prstGeom>
+        </p:spPr>
+        <p:txBody>
+          <a:bodyPr lIns="0" rIns="0" tIns="0" bIns="0"/>
+          <a:p>
+            <a:endParaRPr b="0" lang="en-US" sz="3200" spc="-1" strike="noStrike">
+              <a:solidFill>
+                <a:srgbClr val="000000"/>
+              </a:solidFill>
+              <a:uFill>
+                <a:solidFill>
+                  <a:srgbClr val="ffffff"/>
+                </a:solidFill>
+              </a:uFill>
+              <a:latin typeface="Arial"/>
+            </a:endParaRPr>
+          </a:p>
+        </p:txBody>
+      </p:sp>
+      <p:sp>
+        <p:nvSpPr>
+          <p:cNvPr id="50" name="PlaceHolder 4"/>
+          <p:cNvSpPr>
+            <a:spLocks noGrp="1"/>
+          </p:cNvSpPr>
+          <p:nvPr>
+            <p:ph type="body"/>
+          </p:nvPr>
+        </p:nvSpPr>
+        <p:spPr>
+          <a:xfrm>
+            <a:off x="5152320" y="1769040"/>
+            <a:ext cx="4426560" cy="4384080"/>
+          </a:xfrm>
+          <a:prstGeom prst="rect">
+            <a:avLst/>
+          </a:prstGeom>
+        </p:spPr>
+        <p:txBody>
+          <a:bodyPr lIns="0" rIns="0" tIns="0" bIns="0"/>
+          <a:p>
+            <a:endParaRPr b="0" lang="en-US" sz="3200" spc="-1" strike="noStrike">
+              <a:solidFill>
+                <a:srgbClr val="000000"/>
+              </a:solidFill>
+              <a:uFill>
+                <a:solidFill>
+                  <a:srgbClr val="ffffff"/>
+                </a:solidFill>
+              </a:uFill>
+              <a:latin typeface="Arial"/>
+            </a:endParaRPr>
+          </a:p>
+        </p:txBody>
+      </p:sp>
     </p:spTree>
   </p:cSld>
 </p:sldLayout>
@@ -571,7 +1201,7 @@
       </p:grpSpPr>
       <p:sp>
         <p:nvSpPr>
-          <p:cNvPr id="5" name="PlaceHolder 1"/>
+          <p:cNvPr id="2" name="PlaceHolder 1"/>
           <p:cNvSpPr>
             <a:spLocks noGrp="1"/>
           </p:cNvSpPr>
@@ -582,7 +1212,7 @@
         <p:spPr>
           <a:xfrm>
             <a:off x="504000" y="301320"/>
-            <a:ext cx="9071640" cy="1262160"/>
+            <a:ext cx="9071280" cy="1261800"/>
           </a:xfrm>
           <a:prstGeom prst="rect">
             <a:avLst/>
@@ -592,23 +1222,23 @@
           <a:bodyPr lIns="0" rIns="0" tIns="0" bIns="0" anchor="ctr"/>
           <a:p>
             <a:pPr algn="ctr"/>
-            <a:endParaRPr b="0" lang="fr-FR" sz="4400" spc="-1" strike="noStrike">
-              <a:solidFill>
-                <a:srgbClr val="000000"/>
-              </a:solidFill>
-              <a:uFill>
-                <a:solidFill>
-                  <a:srgbClr val="ffffff"/>
-                </a:solidFill>
-              </a:uFill>
-              <a:latin typeface="Arial"/>
-            </a:endParaRPr>
-          </a:p>
-        </p:txBody>
-      </p:sp>
-      <p:sp>
-        <p:nvSpPr>
-          <p:cNvPr id="6" name="PlaceHolder 2"/>
+            <a:endParaRPr b="0" lang="en-US" sz="4400" spc="-1" strike="noStrike">
+              <a:solidFill>
+                <a:srgbClr val="000000"/>
+              </a:solidFill>
+              <a:uFill>
+                <a:solidFill>
+                  <a:srgbClr val="ffffff"/>
+                </a:solidFill>
+              </a:uFill>
+              <a:latin typeface="Arial"/>
+            </a:endParaRPr>
+          </a:p>
+        </p:txBody>
+      </p:sp>
+      <p:sp>
+        <p:nvSpPr>
+          <p:cNvPr id="3" name="PlaceHolder 2"/>
           <p:cNvSpPr>
             <a:spLocks noGrp="1"/>
           </p:cNvSpPr>
@@ -619,7 +1249,7 @@
         <p:spPr>
           <a:xfrm>
             <a:off x="504000" y="1769040"/>
-            <a:ext cx="9071640" cy="4384440"/>
+            <a:ext cx="9071280" cy="4384080"/>
           </a:xfrm>
           <a:prstGeom prst="rect">
             <a:avLst/>
@@ -629,20 +1259,865 @@
           <a:bodyPr lIns="0" rIns="0" tIns="0" bIns="0" anchor="ctr"/>
           <a:p>
             <a:pPr algn="ctr"/>
-            <a:endParaRPr b="0" lang="fr-FR" sz="3200" spc="-1" strike="noStrike">
-              <a:solidFill>
-                <a:srgbClr val="000000"/>
-              </a:solidFill>
-              <a:uFill>
-                <a:solidFill>
-                  <a:srgbClr val="ffffff"/>
-                </a:solidFill>
-              </a:uFill>
-              <a:latin typeface="Arial"/>
-            </a:endParaRPr>
-          </a:p>
-        </p:txBody>
-      </p:sp>
+            <a:endParaRPr b="0" lang="en-US" sz="3200" spc="-1" strike="noStrike">
+              <a:solidFill>
+                <a:srgbClr val="000000"/>
+              </a:solidFill>
+              <a:uFill>
+                <a:solidFill>
+                  <a:srgbClr val="ffffff"/>
+                </a:solidFill>
+              </a:uFill>
+              <a:latin typeface="Arial"/>
+            </a:endParaRPr>
+          </a:p>
+        </p:txBody>
+      </p:sp>
+    </p:spTree>
+  </p:cSld>
+</p:sldLayout>
+</file>
+
+<file path=ppt/slideLayouts/slideLayout20.xml><?xml version="1.0" encoding="utf-8"?>
+<p:sldLayout xmlns:a="http://schemas.openxmlformats.org/drawingml/2006/main" xmlns:p="http://schemas.openxmlformats.org/presentationml/2006/main" xmlns:r="http://schemas.openxmlformats.org/officeDocument/2006/relationships" xmlns:p14="http://schemas.microsoft.com/office/powerpoint/2010/main" xmlns:p15="http://schemas.microsoft.com/office/powerpoint/2012/main" xmlns:mc="http://schemas.openxmlformats.org/markup-compatibility/2006" type="objAndTwoObj" preserve="1">
+  <p:cSld name="Title Content and 2 Content">
+    <p:spTree>
+      <p:nvGrpSpPr>
+        <p:cNvPr id="1" name=""/>
+        <p:cNvGrpSpPr/>
+        <p:nvPr/>
+      </p:nvGrpSpPr>
+      <p:grpSpPr>
+        <a:xfrm>
+          <a:off x="0" y="0"/>
+          <a:ext cx="0" cy="0"/>
+          <a:chOff x="0" y="0"/>
+          <a:chExt cx="0" cy="0"/>
+        </a:xfrm>
+      </p:grpSpPr>
+      <p:sp>
+        <p:nvSpPr>
+          <p:cNvPr id="51" name="PlaceHolder 1"/>
+          <p:cNvSpPr>
+            <a:spLocks noGrp="1"/>
+          </p:cNvSpPr>
+          <p:nvPr>
+            <p:ph type="title"/>
+          </p:nvPr>
+        </p:nvSpPr>
+        <p:spPr>
+          <a:xfrm>
+            <a:off x="504000" y="301320"/>
+            <a:ext cx="9071280" cy="1261800"/>
+          </a:xfrm>
+          <a:prstGeom prst="rect">
+            <a:avLst/>
+          </a:prstGeom>
+        </p:spPr>
+        <p:txBody>
+          <a:bodyPr lIns="0" rIns="0" tIns="0" bIns="0" anchor="ctr"/>
+          <a:p>
+            <a:pPr algn="ctr"/>
+            <a:endParaRPr b="0" lang="en-US" sz="4400" spc="-1" strike="noStrike">
+              <a:solidFill>
+                <a:srgbClr val="000000"/>
+              </a:solidFill>
+              <a:uFill>
+                <a:solidFill>
+                  <a:srgbClr val="ffffff"/>
+                </a:solidFill>
+              </a:uFill>
+              <a:latin typeface="Arial"/>
+            </a:endParaRPr>
+          </a:p>
+        </p:txBody>
+      </p:sp>
+      <p:sp>
+        <p:nvSpPr>
+          <p:cNvPr id="52" name="PlaceHolder 2"/>
+          <p:cNvSpPr>
+            <a:spLocks noGrp="1"/>
+          </p:cNvSpPr>
+          <p:nvPr>
+            <p:ph type="body"/>
+          </p:nvPr>
+        </p:nvSpPr>
+        <p:spPr>
+          <a:xfrm>
+            <a:off x="504000" y="1769040"/>
+            <a:ext cx="4426560" cy="4384080"/>
+          </a:xfrm>
+          <a:prstGeom prst="rect">
+            <a:avLst/>
+          </a:prstGeom>
+        </p:spPr>
+        <p:txBody>
+          <a:bodyPr lIns="0" rIns="0" tIns="0" bIns="0"/>
+          <a:p>
+            <a:endParaRPr b="0" lang="en-US" sz="3200" spc="-1" strike="noStrike">
+              <a:solidFill>
+                <a:srgbClr val="000000"/>
+              </a:solidFill>
+              <a:uFill>
+                <a:solidFill>
+                  <a:srgbClr val="ffffff"/>
+                </a:solidFill>
+              </a:uFill>
+              <a:latin typeface="Arial"/>
+            </a:endParaRPr>
+          </a:p>
+        </p:txBody>
+      </p:sp>
+      <p:sp>
+        <p:nvSpPr>
+          <p:cNvPr id="53" name="PlaceHolder 3"/>
+          <p:cNvSpPr>
+            <a:spLocks noGrp="1"/>
+          </p:cNvSpPr>
+          <p:nvPr>
+            <p:ph type="body"/>
+          </p:nvPr>
+        </p:nvSpPr>
+        <p:spPr>
+          <a:xfrm>
+            <a:off x="5152320" y="1769040"/>
+            <a:ext cx="4426560" cy="2090880"/>
+          </a:xfrm>
+          <a:prstGeom prst="rect">
+            <a:avLst/>
+          </a:prstGeom>
+        </p:spPr>
+        <p:txBody>
+          <a:bodyPr lIns="0" rIns="0" tIns="0" bIns="0"/>
+          <a:p>
+            <a:endParaRPr b="0" lang="en-US" sz="3200" spc="-1" strike="noStrike">
+              <a:solidFill>
+                <a:srgbClr val="000000"/>
+              </a:solidFill>
+              <a:uFill>
+                <a:solidFill>
+                  <a:srgbClr val="ffffff"/>
+                </a:solidFill>
+              </a:uFill>
+              <a:latin typeface="Arial"/>
+            </a:endParaRPr>
+          </a:p>
+        </p:txBody>
+      </p:sp>
+      <p:sp>
+        <p:nvSpPr>
+          <p:cNvPr id="54" name="PlaceHolder 4"/>
+          <p:cNvSpPr>
+            <a:spLocks noGrp="1"/>
+          </p:cNvSpPr>
+          <p:nvPr>
+            <p:ph type="body"/>
+          </p:nvPr>
+        </p:nvSpPr>
+        <p:spPr>
+          <a:xfrm>
+            <a:off x="5152320" y="4059000"/>
+            <a:ext cx="4426560" cy="2090880"/>
+          </a:xfrm>
+          <a:prstGeom prst="rect">
+            <a:avLst/>
+          </a:prstGeom>
+        </p:spPr>
+        <p:txBody>
+          <a:bodyPr lIns="0" rIns="0" tIns="0" bIns="0"/>
+          <a:p>
+            <a:endParaRPr b="0" lang="en-US" sz="3200" spc="-1" strike="noStrike">
+              <a:solidFill>
+                <a:srgbClr val="000000"/>
+              </a:solidFill>
+              <a:uFill>
+                <a:solidFill>
+                  <a:srgbClr val="ffffff"/>
+                </a:solidFill>
+              </a:uFill>
+              <a:latin typeface="Arial"/>
+            </a:endParaRPr>
+          </a:p>
+        </p:txBody>
+      </p:sp>
+    </p:spTree>
+  </p:cSld>
+</p:sldLayout>
+</file>
+
+<file path=ppt/slideLayouts/slideLayout21.xml><?xml version="1.0" encoding="utf-8"?>
+<p:sldLayout xmlns:a="http://schemas.openxmlformats.org/drawingml/2006/main" xmlns:p="http://schemas.openxmlformats.org/presentationml/2006/main" xmlns:r="http://schemas.openxmlformats.org/officeDocument/2006/relationships" xmlns:p14="http://schemas.microsoft.com/office/powerpoint/2010/main" xmlns:p15="http://schemas.microsoft.com/office/powerpoint/2012/main" xmlns:mc="http://schemas.openxmlformats.org/markup-compatibility/2006" type="twoObjOverTx" preserve="1">
+  <p:cSld name="Title, 2 Content over Content">
+    <p:spTree>
+      <p:nvGrpSpPr>
+        <p:cNvPr id="1" name=""/>
+        <p:cNvGrpSpPr/>
+        <p:nvPr/>
+      </p:nvGrpSpPr>
+      <p:grpSpPr>
+        <a:xfrm>
+          <a:off x="0" y="0"/>
+          <a:ext cx="0" cy="0"/>
+          <a:chOff x="0" y="0"/>
+          <a:chExt cx="0" cy="0"/>
+        </a:xfrm>
+      </p:grpSpPr>
+      <p:sp>
+        <p:nvSpPr>
+          <p:cNvPr id="55" name="PlaceHolder 1"/>
+          <p:cNvSpPr>
+            <a:spLocks noGrp="1"/>
+          </p:cNvSpPr>
+          <p:nvPr>
+            <p:ph type="title"/>
+          </p:nvPr>
+        </p:nvSpPr>
+        <p:spPr>
+          <a:xfrm>
+            <a:off x="504000" y="301320"/>
+            <a:ext cx="9071280" cy="1261800"/>
+          </a:xfrm>
+          <a:prstGeom prst="rect">
+            <a:avLst/>
+          </a:prstGeom>
+        </p:spPr>
+        <p:txBody>
+          <a:bodyPr lIns="0" rIns="0" tIns="0" bIns="0" anchor="ctr"/>
+          <a:p>
+            <a:pPr algn="ctr"/>
+            <a:endParaRPr b="0" lang="en-US" sz="4400" spc="-1" strike="noStrike">
+              <a:solidFill>
+                <a:srgbClr val="000000"/>
+              </a:solidFill>
+              <a:uFill>
+                <a:solidFill>
+                  <a:srgbClr val="ffffff"/>
+                </a:solidFill>
+              </a:uFill>
+              <a:latin typeface="Arial"/>
+            </a:endParaRPr>
+          </a:p>
+        </p:txBody>
+      </p:sp>
+      <p:sp>
+        <p:nvSpPr>
+          <p:cNvPr id="56" name="PlaceHolder 2"/>
+          <p:cNvSpPr>
+            <a:spLocks noGrp="1"/>
+          </p:cNvSpPr>
+          <p:nvPr>
+            <p:ph type="body"/>
+          </p:nvPr>
+        </p:nvSpPr>
+        <p:spPr>
+          <a:xfrm>
+            <a:off x="504000" y="1769040"/>
+            <a:ext cx="4426560" cy="2090880"/>
+          </a:xfrm>
+          <a:prstGeom prst="rect">
+            <a:avLst/>
+          </a:prstGeom>
+        </p:spPr>
+        <p:txBody>
+          <a:bodyPr lIns="0" rIns="0" tIns="0" bIns="0"/>
+          <a:p>
+            <a:endParaRPr b="0" lang="en-US" sz="3200" spc="-1" strike="noStrike">
+              <a:solidFill>
+                <a:srgbClr val="000000"/>
+              </a:solidFill>
+              <a:uFill>
+                <a:solidFill>
+                  <a:srgbClr val="ffffff"/>
+                </a:solidFill>
+              </a:uFill>
+              <a:latin typeface="Arial"/>
+            </a:endParaRPr>
+          </a:p>
+        </p:txBody>
+      </p:sp>
+      <p:sp>
+        <p:nvSpPr>
+          <p:cNvPr id="57" name="PlaceHolder 3"/>
+          <p:cNvSpPr>
+            <a:spLocks noGrp="1"/>
+          </p:cNvSpPr>
+          <p:nvPr>
+            <p:ph type="body"/>
+          </p:nvPr>
+        </p:nvSpPr>
+        <p:spPr>
+          <a:xfrm>
+            <a:off x="5152320" y="1769040"/>
+            <a:ext cx="4426560" cy="2090880"/>
+          </a:xfrm>
+          <a:prstGeom prst="rect">
+            <a:avLst/>
+          </a:prstGeom>
+        </p:spPr>
+        <p:txBody>
+          <a:bodyPr lIns="0" rIns="0" tIns="0" bIns="0"/>
+          <a:p>
+            <a:endParaRPr b="0" lang="en-US" sz="3200" spc="-1" strike="noStrike">
+              <a:solidFill>
+                <a:srgbClr val="000000"/>
+              </a:solidFill>
+              <a:uFill>
+                <a:solidFill>
+                  <a:srgbClr val="ffffff"/>
+                </a:solidFill>
+              </a:uFill>
+              <a:latin typeface="Arial"/>
+            </a:endParaRPr>
+          </a:p>
+        </p:txBody>
+      </p:sp>
+      <p:sp>
+        <p:nvSpPr>
+          <p:cNvPr id="58" name="PlaceHolder 4"/>
+          <p:cNvSpPr>
+            <a:spLocks noGrp="1"/>
+          </p:cNvSpPr>
+          <p:nvPr>
+            <p:ph type="body"/>
+          </p:nvPr>
+        </p:nvSpPr>
+        <p:spPr>
+          <a:xfrm>
+            <a:off x="504000" y="4059000"/>
+            <a:ext cx="9071280" cy="2090880"/>
+          </a:xfrm>
+          <a:prstGeom prst="rect">
+            <a:avLst/>
+          </a:prstGeom>
+        </p:spPr>
+        <p:txBody>
+          <a:bodyPr lIns="0" rIns="0" tIns="0" bIns="0"/>
+          <a:p>
+            <a:endParaRPr b="0" lang="en-US" sz="3200" spc="-1" strike="noStrike">
+              <a:solidFill>
+                <a:srgbClr val="000000"/>
+              </a:solidFill>
+              <a:uFill>
+                <a:solidFill>
+                  <a:srgbClr val="ffffff"/>
+                </a:solidFill>
+              </a:uFill>
+              <a:latin typeface="Arial"/>
+            </a:endParaRPr>
+          </a:p>
+        </p:txBody>
+      </p:sp>
+    </p:spTree>
+  </p:cSld>
+</p:sldLayout>
+</file>
+
+<file path=ppt/slideLayouts/slideLayout22.xml><?xml version="1.0" encoding="utf-8"?>
+<p:sldLayout xmlns:a="http://schemas.openxmlformats.org/drawingml/2006/main" xmlns:p="http://schemas.openxmlformats.org/presentationml/2006/main" xmlns:r="http://schemas.openxmlformats.org/officeDocument/2006/relationships" xmlns:p14="http://schemas.microsoft.com/office/powerpoint/2010/main" xmlns:p15="http://schemas.microsoft.com/office/powerpoint/2012/main" xmlns:mc="http://schemas.openxmlformats.org/markup-compatibility/2006" type="objOverTx" preserve="1">
+  <p:cSld name="Title, Content over Content">
+    <p:spTree>
+      <p:nvGrpSpPr>
+        <p:cNvPr id="1" name=""/>
+        <p:cNvGrpSpPr/>
+        <p:nvPr/>
+      </p:nvGrpSpPr>
+      <p:grpSpPr>
+        <a:xfrm>
+          <a:off x="0" y="0"/>
+          <a:ext cx="0" cy="0"/>
+          <a:chOff x="0" y="0"/>
+          <a:chExt cx="0" cy="0"/>
+        </a:xfrm>
+      </p:grpSpPr>
+      <p:sp>
+        <p:nvSpPr>
+          <p:cNvPr id="59" name="PlaceHolder 1"/>
+          <p:cNvSpPr>
+            <a:spLocks noGrp="1"/>
+          </p:cNvSpPr>
+          <p:nvPr>
+            <p:ph type="title"/>
+          </p:nvPr>
+        </p:nvSpPr>
+        <p:spPr>
+          <a:xfrm>
+            <a:off x="504000" y="301320"/>
+            <a:ext cx="9071280" cy="1261800"/>
+          </a:xfrm>
+          <a:prstGeom prst="rect">
+            <a:avLst/>
+          </a:prstGeom>
+        </p:spPr>
+        <p:txBody>
+          <a:bodyPr lIns="0" rIns="0" tIns="0" bIns="0" anchor="ctr"/>
+          <a:p>
+            <a:pPr algn="ctr"/>
+            <a:endParaRPr b="0" lang="en-US" sz="4400" spc="-1" strike="noStrike">
+              <a:solidFill>
+                <a:srgbClr val="000000"/>
+              </a:solidFill>
+              <a:uFill>
+                <a:solidFill>
+                  <a:srgbClr val="ffffff"/>
+                </a:solidFill>
+              </a:uFill>
+              <a:latin typeface="Arial"/>
+            </a:endParaRPr>
+          </a:p>
+        </p:txBody>
+      </p:sp>
+      <p:sp>
+        <p:nvSpPr>
+          <p:cNvPr id="60" name="PlaceHolder 2"/>
+          <p:cNvSpPr>
+            <a:spLocks noGrp="1"/>
+          </p:cNvSpPr>
+          <p:nvPr>
+            <p:ph type="body"/>
+          </p:nvPr>
+        </p:nvSpPr>
+        <p:spPr>
+          <a:xfrm>
+            <a:off x="504000" y="1769040"/>
+            <a:ext cx="9071280" cy="2090880"/>
+          </a:xfrm>
+          <a:prstGeom prst="rect">
+            <a:avLst/>
+          </a:prstGeom>
+        </p:spPr>
+        <p:txBody>
+          <a:bodyPr lIns="0" rIns="0" tIns="0" bIns="0"/>
+          <a:p>
+            <a:endParaRPr b="0" lang="en-US" sz="3200" spc="-1" strike="noStrike">
+              <a:solidFill>
+                <a:srgbClr val="000000"/>
+              </a:solidFill>
+              <a:uFill>
+                <a:solidFill>
+                  <a:srgbClr val="ffffff"/>
+                </a:solidFill>
+              </a:uFill>
+              <a:latin typeface="Arial"/>
+            </a:endParaRPr>
+          </a:p>
+        </p:txBody>
+      </p:sp>
+      <p:sp>
+        <p:nvSpPr>
+          <p:cNvPr id="61" name="PlaceHolder 3"/>
+          <p:cNvSpPr>
+            <a:spLocks noGrp="1"/>
+          </p:cNvSpPr>
+          <p:nvPr>
+            <p:ph type="body"/>
+          </p:nvPr>
+        </p:nvSpPr>
+        <p:spPr>
+          <a:xfrm>
+            <a:off x="504000" y="4059000"/>
+            <a:ext cx="9071280" cy="2090880"/>
+          </a:xfrm>
+          <a:prstGeom prst="rect">
+            <a:avLst/>
+          </a:prstGeom>
+        </p:spPr>
+        <p:txBody>
+          <a:bodyPr lIns="0" rIns="0" tIns="0" bIns="0"/>
+          <a:p>
+            <a:endParaRPr b="0" lang="en-US" sz="3200" spc="-1" strike="noStrike">
+              <a:solidFill>
+                <a:srgbClr val="000000"/>
+              </a:solidFill>
+              <a:uFill>
+                <a:solidFill>
+                  <a:srgbClr val="ffffff"/>
+                </a:solidFill>
+              </a:uFill>
+              <a:latin typeface="Arial"/>
+            </a:endParaRPr>
+          </a:p>
+        </p:txBody>
+      </p:sp>
+    </p:spTree>
+  </p:cSld>
+</p:sldLayout>
+</file>
+
+<file path=ppt/slideLayouts/slideLayout23.xml><?xml version="1.0" encoding="utf-8"?>
+<p:sldLayout xmlns:a="http://schemas.openxmlformats.org/drawingml/2006/main" xmlns:p="http://schemas.openxmlformats.org/presentationml/2006/main" xmlns:r="http://schemas.openxmlformats.org/officeDocument/2006/relationships" xmlns:p14="http://schemas.microsoft.com/office/powerpoint/2010/main" xmlns:p15="http://schemas.microsoft.com/office/powerpoint/2012/main" xmlns:mc="http://schemas.openxmlformats.org/markup-compatibility/2006" type="fourObj" preserve="1">
+  <p:cSld name="Title, 4 Content">
+    <p:spTree>
+      <p:nvGrpSpPr>
+        <p:cNvPr id="1" name=""/>
+        <p:cNvGrpSpPr/>
+        <p:nvPr/>
+      </p:nvGrpSpPr>
+      <p:grpSpPr>
+        <a:xfrm>
+          <a:off x="0" y="0"/>
+          <a:ext cx="0" cy="0"/>
+          <a:chOff x="0" y="0"/>
+          <a:chExt cx="0" cy="0"/>
+        </a:xfrm>
+      </p:grpSpPr>
+      <p:sp>
+        <p:nvSpPr>
+          <p:cNvPr id="62" name="PlaceHolder 1"/>
+          <p:cNvSpPr>
+            <a:spLocks noGrp="1"/>
+          </p:cNvSpPr>
+          <p:nvPr>
+            <p:ph type="title"/>
+          </p:nvPr>
+        </p:nvSpPr>
+        <p:spPr>
+          <a:xfrm>
+            <a:off x="504000" y="301320"/>
+            <a:ext cx="9071280" cy="1261800"/>
+          </a:xfrm>
+          <a:prstGeom prst="rect">
+            <a:avLst/>
+          </a:prstGeom>
+        </p:spPr>
+        <p:txBody>
+          <a:bodyPr lIns="0" rIns="0" tIns="0" bIns="0" anchor="ctr"/>
+          <a:p>
+            <a:pPr algn="ctr"/>
+            <a:endParaRPr b="0" lang="en-US" sz="4400" spc="-1" strike="noStrike">
+              <a:solidFill>
+                <a:srgbClr val="000000"/>
+              </a:solidFill>
+              <a:uFill>
+                <a:solidFill>
+                  <a:srgbClr val="ffffff"/>
+                </a:solidFill>
+              </a:uFill>
+              <a:latin typeface="Arial"/>
+            </a:endParaRPr>
+          </a:p>
+        </p:txBody>
+      </p:sp>
+      <p:sp>
+        <p:nvSpPr>
+          <p:cNvPr id="63" name="PlaceHolder 2"/>
+          <p:cNvSpPr>
+            <a:spLocks noGrp="1"/>
+          </p:cNvSpPr>
+          <p:nvPr>
+            <p:ph type="body"/>
+          </p:nvPr>
+        </p:nvSpPr>
+        <p:spPr>
+          <a:xfrm>
+            <a:off x="504000" y="1769040"/>
+            <a:ext cx="4426560" cy="2090880"/>
+          </a:xfrm>
+          <a:prstGeom prst="rect">
+            <a:avLst/>
+          </a:prstGeom>
+        </p:spPr>
+        <p:txBody>
+          <a:bodyPr lIns="0" rIns="0" tIns="0" bIns="0"/>
+          <a:p>
+            <a:endParaRPr b="0" lang="en-US" sz="3200" spc="-1" strike="noStrike">
+              <a:solidFill>
+                <a:srgbClr val="000000"/>
+              </a:solidFill>
+              <a:uFill>
+                <a:solidFill>
+                  <a:srgbClr val="ffffff"/>
+                </a:solidFill>
+              </a:uFill>
+              <a:latin typeface="Arial"/>
+            </a:endParaRPr>
+          </a:p>
+        </p:txBody>
+      </p:sp>
+      <p:sp>
+        <p:nvSpPr>
+          <p:cNvPr id="64" name="PlaceHolder 3"/>
+          <p:cNvSpPr>
+            <a:spLocks noGrp="1"/>
+          </p:cNvSpPr>
+          <p:nvPr>
+            <p:ph type="body"/>
+          </p:nvPr>
+        </p:nvSpPr>
+        <p:spPr>
+          <a:xfrm>
+            <a:off x="5152320" y="1769040"/>
+            <a:ext cx="4426560" cy="2090880"/>
+          </a:xfrm>
+          <a:prstGeom prst="rect">
+            <a:avLst/>
+          </a:prstGeom>
+        </p:spPr>
+        <p:txBody>
+          <a:bodyPr lIns="0" rIns="0" tIns="0" bIns="0"/>
+          <a:p>
+            <a:endParaRPr b="0" lang="en-US" sz="3200" spc="-1" strike="noStrike">
+              <a:solidFill>
+                <a:srgbClr val="000000"/>
+              </a:solidFill>
+              <a:uFill>
+                <a:solidFill>
+                  <a:srgbClr val="ffffff"/>
+                </a:solidFill>
+              </a:uFill>
+              <a:latin typeface="Arial"/>
+            </a:endParaRPr>
+          </a:p>
+        </p:txBody>
+      </p:sp>
+      <p:sp>
+        <p:nvSpPr>
+          <p:cNvPr id="65" name="PlaceHolder 4"/>
+          <p:cNvSpPr>
+            <a:spLocks noGrp="1"/>
+          </p:cNvSpPr>
+          <p:nvPr>
+            <p:ph type="body"/>
+          </p:nvPr>
+        </p:nvSpPr>
+        <p:spPr>
+          <a:xfrm>
+            <a:off x="5152320" y="4059000"/>
+            <a:ext cx="4426560" cy="2090880"/>
+          </a:xfrm>
+          <a:prstGeom prst="rect">
+            <a:avLst/>
+          </a:prstGeom>
+        </p:spPr>
+        <p:txBody>
+          <a:bodyPr lIns="0" rIns="0" tIns="0" bIns="0"/>
+          <a:p>
+            <a:endParaRPr b="0" lang="en-US" sz="3200" spc="-1" strike="noStrike">
+              <a:solidFill>
+                <a:srgbClr val="000000"/>
+              </a:solidFill>
+              <a:uFill>
+                <a:solidFill>
+                  <a:srgbClr val="ffffff"/>
+                </a:solidFill>
+              </a:uFill>
+              <a:latin typeface="Arial"/>
+            </a:endParaRPr>
+          </a:p>
+        </p:txBody>
+      </p:sp>
+      <p:sp>
+        <p:nvSpPr>
+          <p:cNvPr id="66" name="PlaceHolder 5"/>
+          <p:cNvSpPr>
+            <a:spLocks noGrp="1"/>
+          </p:cNvSpPr>
+          <p:nvPr>
+            <p:ph type="body"/>
+          </p:nvPr>
+        </p:nvSpPr>
+        <p:spPr>
+          <a:xfrm>
+            <a:off x="504000" y="4059000"/>
+            <a:ext cx="4426560" cy="2090880"/>
+          </a:xfrm>
+          <a:prstGeom prst="rect">
+            <a:avLst/>
+          </a:prstGeom>
+        </p:spPr>
+        <p:txBody>
+          <a:bodyPr lIns="0" rIns="0" tIns="0" bIns="0"/>
+          <a:p>
+            <a:endParaRPr b="0" lang="en-US" sz="3200" spc="-1" strike="noStrike">
+              <a:solidFill>
+                <a:srgbClr val="000000"/>
+              </a:solidFill>
+              <a:uFill>
+                <a:solidFill>
+                  <a:srgbClr val="ffffff"/>
+                </a:solidFill>
+              </a:uFill>
+              <a:latin typeface="Arial"/>
+            </a:endParaRPr>
+          </a:p>
+        </p:txBody>
+      </p:sp>
+    </p:spTree>
+  </p:cSld>
+</p:sldLayout>
+</file>
+
+<file path=ppt/slideLayouts/slideLayout24.xml><?xml version="1.0" encoding="utf-8"?>
+<p:sldLayout xmlns:a="http://schemas.openxmlformats.org/drawingml/2006/main" xmlns:p="http://schemas.openxmlformats.org/presentationml/2006/main" xmlns:r="http://schemas.openxmlformats.org/officeDocument/2006/relationships" xmlns:p14="http://schemas.microsoft.com/office/powerpoint/2010/main" xmlns:p15="http://schemas.microsoft.com/office/powerpoint/2012/main" xmlns:mc="http://schemas.openxmlformats.org/markup-compatibility/2006" type="blank" preserve="1">
+  <p:cSld name="Title, 6 Content">
+    <p:spTree>
+      <p:nvGrpSpPr>
+        <p:cNvPr id="1" name=""/>
+        <p:cNvGrpSpPr/>
+        <p:nvPr/>
+      </p:nvGrpSpPr>
+      <p:grpSpPr>
+        <a:xfrm>
+          <a:off x="0" y="0"/>
+          <a:ext cx="0" cy="0"/>
+          <a:chOff x="0" y="0"/>
+          <a:chExt cx="0" cy="0"/>
+        </a:xfrm>
+      </p:grpSpPr>
+      <p:sp>
+        <p:nvSpPr>
+          <p:cNvPr id="67" name="PlaceHolder 1"/>
+          <p:cNvSpPr>
+            <a:spLocks noGrp="1"/>
+          </p:cNvSpPr>
+          <p:nvPr>
+            <p:ph type="title"/>
+          </p:nvPr>
+        </p:nvSpPr>
+        <p:spPr>
+          <a:xfrm>
+            <a:off x="504000" y="301320"/>
+            <a:ext cx="9071280" cy="1261800"/>
+          </a:xfrm>
+          <a:prstGeom prst="rect">
+            <a:avLst/>
+          </a:prstGeom>
+        </p:spPr>
+        <p:txBody>
+          <a:bodyPr lIns="0" rIns="0" tIns="0" bIns="0" anchor="ctr"/>
+          <a:p>
+            <a:pPr algn="ctr"/>
+            <a:endParaRPr b="0" lang="en-US" sz="4400" spc="-1" strike="noStrike">
+              <a:solidFill>
+                <a:srgbClr val="000000"/>
+              </a:solidFill>
+              <a:uFill>
+                <a:solidFill>
+                  <a:srgbClr val="ffffff"/>
+                </a:solidFill>
+              </a:uFill>
+              <a:latin typeface="Arial"/>
+            </a:endParaRPr>
+          </a:p>
+        </p:txBody>
+      </p:sp>
+      <p:sp>
+        <p:nvSpPr>
+          <p:cNvPr id="68" name="PlaceHolder 2"/>
+          <p:cNvSpPr>
+            <a:spLocks noGrp="1"/>
+          </p:cNvSpPr>
+          <p:nvPr>
+            <p:ph type="body"/>
+          </p:nvPr>
+        </p:nvSpPr>
+        <p:spPr>
+          <a:xfrm>
+            <a:off x="504000" y="1769040"/>
+            <a:ext cx="9071280" cy="4384080"/>
+          </a:xfrm>
+          <a:prstGeom prst="rect">
+            <a:avLst/>
+          </a:prstGeom>
+        </p:spPr>
+        <p:txBody>
+          <a:bodyPr lIns="0" rIns="0" tIns="0" bIns="0"/>
+          <a:p>
+            <a:endParaRPr b="0" lang="en-US" sz="3200" spc="-1" strike="noStrike">
+              <a:solidFill>
+                <a:srgbClr val="000000"/>
+              </a:solidFill>
+              <a:uFill>
+                <a:solidFill>
+                  <a:srgbClr val="ffffff"/>
+                </a:solidFill>
+              </a:uFill>
+              <a:latin typeface="Arial"/>
+            </a:endParaRPr>
+          </a:p>
+        </p:txBody>
+      </p:sp>
+      <p:sp>
+        <p:nvSpPr>
+          <p:cNvPr id="69" name="PlaceHolder 3"/>
+          <p:cNvSpPr>
+            <a:spLocks noGrp="1"/>
+          </p:cNvSpPr>
+          <p:nvPr>
+            <p:ph type="body"/>
+          </p:nvPr>
+        </p:nvSpPr>
+        <p:spPr>
+          <a:xfrm>
+            <a:off x="504000" y="1769040"/>
+            <a:ext cx="9071280" cy="4384080"/>
+          </a:xfrm>
+          <a:prstGeom prst="rect">
+            <a:avLst/>
+          </a:prstGeom>
+        </p:spPr>
+        <p:txBody>
+          <a:bodyPr lIns="0" rIns="0" tIns="0" bIns="0"/>
+          <a:p>
+            <a:endParaRPr b="0" lang="en-US" sz="3200" spc="-1" strike="noStrike">
+              <a:solidFill>
+                <a:srgbClr val="000000"/>
+              </a:solidFill>
+              <a:uFill>
+                <a:solidFill>
+                  <a:srgbClr val="ffffff"/>
+                </a:solidFill>
+              </a:uFill>
+              <a:latin typeface="Arial"/>
+            </a:endParaRPr>
+          </a:p>
+        </p:txBody>
+      </p:sp>
+      <p:pic>
+        <p:nvPicPr>
+          <p:cNvPr id="70" name="" descr=""/>
+          <p:cNvPicPr/>
+          <p:nvPr/>
+        </p:nvPicPr>
+        <p:blipFill>
+          <a:blip r:embed="rId2"/>
+          <a:stretch/>
+        </p:blipFill>
+        <p:spPr>
+          <a:xfrm>
+            <a:off x="2292120" y="1769040"/>
+            <a:ext cx="5494680" cy="4384080"/>
+          </a:xfrm>
+          <a:prstGeom prst="rect">
+            <a:avLst/>
+          </a:prstGeom>
+          <a:ln>
+            <a:noFill/>
+          </a:ln>
+        </p:spPr>
+      </p:pic>
+      <p:pic>
+        <p:nvPicPr>
+          <p:cNvPr id="71" name="" descr=""/>
+          <p:cNvPicPr/>
+          <p:nvPr/>
+        </p:nvPicPr>
+        <p:blipFill>
+          <a:blip r:embed="rId3"/>
+          <a:stretch/>
+        </p:blipFill>
+        <p:spPr>
+          <a:xfrm>
+            <a:off x="2292120" y="1769040"/>
+            <a:ext cx="5494680" cy="4384080"/>
+          </a:xfrm>
+          <a:prstGeom prst="rect">
+            <a:avLst/>
+          </a:prstGeom>
+          <a:ln>
+            <a:noFill/>
+          </a:ln>
+        </p:spPr>
+      </p:pic>
     </p:spTree>
   </p:cSld>
 </p:sldLayout>
@@ -667,7 +2142,7 @@
       </p:grpSpPr>
       <p:sp>
         <p:nvSpPr>
-          <p:cNvPr id="7" name="PlaceHolder 1"/>
+          <p:cNvPr id="4" name="PlaceHolder 1"/>
           <p:cNvSpPr>
             <a:spLocks noGrp="1"/>
           </p:cNvSpPr>
@@ -678,7 +2153,7 @@
         <p:spPr>
           <a:xfrm>
             <a:off x="504000" y="301320"/>
-            <a:ext cx="9071640" cy="1262160"/>
+            <a:ext cx="9071280" cy="1261800"/>
           </a:xfrm>
           <a:prstGeom prst="rect">
             <a:avLst/>
@@ -688,23 +2163,23 @@
           <a:bodyPr lIns="0" rIns="0" tIns="0" bIns="0" anchor="ctr"/>
           <a:p>
             <a:pPr algn="ctr"/>
-            <a:endParaRPr b="0" lang="fr-FR" sz="4400" spc="-1" strike="noStrike">
-              <a:solidFill>
-                <a:srgbClr val="000000"/>
-              </a:solidFill>
-              <a:uFill>
-                <a:solidFill>
-                  <a:srgbClr val="ffffff"/>
-                </a:solidFill>
-              </a:uFill>
-              <a:latin typeface="Arial"/>
-            </a:endParaRPr>
-          </a:p>
-        </p:txBody>
-      </p:sp>
-      <p:sp>
-        <p:nvSpPr>
-          <p:cNvPr id="8" name="PlaceHolder 2"/>
+            <a:endParaRPr b="0" lang="en-US" sz="4400" spc="-1" strike="noStrike">
+              <a:solidFill>
+                <a:srgbClr val="000000"/>
+              </a:solidFill>
+              <a:uFill>
+                <a:solidFill>
+                  <a:srgbClr val="ffffff"/>
+                </a:solidFill>
+              </a:uFill>
+              <a:latin typeface="Arial"/>
+            </a:endParaRPr>
+          </a:p>
+        </p:txBody>
+      </p:sp>
+      <p:sp>
+        <p:nvSpPr>
+          <p:cNvPr id="5" name="PlaceHolder 2"/>
           <p:cNvSpPr>
             <a:spLocks noGrp="1"/>
           </p:cNvSpPr>
@@ -715,7 +2190,7 @@
         <p:spPr>
           <a:xfrm>
             <a:off x="504000" y="1769040"/>
-            <a:ext cx="9071640" cy="4384440"/>
+            <a:ext cx="9071280" cy="4384080"/>
           </a:xfrm>
           <a:prstGeom prst="rect">
             <a:avLst/>
@@ -724,7 +2199,7 @@
         <p:txBody>
           <a:bodyPr lIns="0" rIns="0" tIns="0" bIns="0"/>
           <a:p>
-            <a:endParaRPr b="0" lang="fr-FR" sz="3200" spc="-1" strike="noStrike">
+            <a:endParaRPr b="0" lang="en-US" sz="3200" spc="-1" strike="noStrike">
               <a:solidFill>
                 <a:srgbClr val="000000"/>
               </a:solidFill>
@@ -762,7 +2237,7 @@
       </p:grpSpPr>
       <p:sp>
         <p:nvSpPr>
-          <p:cNvPr id="9" name="PlaceHolder 1"/>
+          <p:cNvPr id="6" name="PlaceHolder 1"/>
           <p:cNvSpPr>
             <a:spLocks noGrp="1"/>
           </p:cNvSpPr>
@@ -773,7 +2248,7 @@
         <p:spPr>
           <a:xfrm>
             <a:off x="504000" y="301320"/>
-            <a:ext cx="9071640" cy="1262160"/>
+            <a:ext cx="9071280" cy="1261800"/>
           </a:xfrm>
           <a:prstGeom prst="rect">
             <a:avLst/>
@@ -783,23 +2258,23 @@
           <a:bodyPr lIns="0" rIns="0" tIns="0" bIns="0" anchor="ctr"/>
           <a:p>
             <a:pPr algn="ctr"/>
-            <a:endParaRPr b="0" lang="fr-FR" sz="4400" spc="-1" strike="noStrike">
-              <a:solidFill>
-                <a:srgbClr val="000000"/>
-              </a:solidFill>
-              <a:uFill>
-                <a:solidFill>
-                  <a:srgbClr val="ffffff"/>
-                </a:solidFill>
-              </a:uFill>
-              <a:latin typeface="Arial"/>
-            </a:endParaRPr>
-          </a:p>
-        </p:txBody>
-      </p:sp>
-      <p:sp>
-        <p:nvSpPr>
-          <p:cNvPr id="10" name="PlaceHolder 2"/>
+            <a:endParaRPr b="0" lang="en-US" sz="4400" spc="-1" strike="noStrike">
+              <a:solidFill>
+                <a:srgbClr val="000000"/>
+              </a:solidFill>
+              <a:uFill>
+                <a:solidFill>
+                  <a:srgbClr val="ffffff"/>
+                </a:solidFill>
+              </a:uFill>
+              <a:latin typeface="Arial"/>
+            </a:endParaRPr>
+          </a:p>
+        </p:txBody>
+      </p:sp>
+      <p:sp>
+        <p:nvSpPr>
+          <p:cNvPr id="7" name="PlaceHolder 2"/>
           <p:cNvSpPr>
             <a:spLocks noGrp="1"/>
           </p:cNvSpPr>
@@ -810,7 +2285,7 @@
         <p:spPr>
           <a:xfrm>
             <a:off x="504000" y="1769040"/>
-            <a:ext cx="4426920" cy="4384440"/>
+            <a:ext cx="4426560" cy="4384080"/>
           </a:xfrm>
           <a:prstGeom prst="rect">
             <a:avLst/>
@@ -819,23 +2294,23 @@
         <p:txBody>
           <a:bodyPr lIns="0" rIns="0" tIns="0" bIns="0"/>
           <a:p>
-            <a:endParaRPr b="0" lang="fr-FR" sz="3200" spc="-1" strike="noStrike">
-              <a:solidFill>
-                <a:srgbClr val="000000"/>
-              </a:solidFill>
-              <a:uFill>
-                <a:solidFill>
-                  <a:srgbClr val="ffffff"/>
-                </a:solidFill>
-              </a:uFill>
-              <a:latin typeface="Arial"/>
-            </a:endParaRPr>
-          </a:p>
-        </p:txBody>
-      </p:sp>
-      <p:sp>
-        <p:nvSpPr>
-          <p:cNvPr id="11" name="PlaceHolder 3"/>
+            <a:endParaRPr b="0" lang="en-US" sz="3200" spc="-1" strike="noStrike">
+              <a:solidFill>
+                <a:srgbClr val="000000"/>
+              </a:solidFill>
+              <a:uFill>
+                <a:solidFill>
+                  <a:srgbClr val="ffffff"/>
+                </a:solidFill>
+              </a:uFill>
+              <a:latin typeface="Arial"/>
+            </a:endParaRPr>
+          </a:p>
+        </p:txBody>
+      </p:sp>
+      <p:sp>
+        <p:nvSpPr>
+          <p:cNvPr id="8" name="PlaceHolder 3"/>
           <p:cNvSpPr>
             <a:spLocks noGrp="1"/>
           </p:cNvSpPr>
@@ -845,8 +2320,8 @@
         </p:nvSpPr>
         <p:spPr>
           <a:xfrm>
-            <a:off x="5152680" y="1769040"/>
-            <a:ext cx="4426920" cy="4384440"/>
+            <a:off x="5152320" y="1769040"/>
+            <a:ext cx="4426560" cy="4384080"/>
           </a:xfrm>
           <a:prstGeom prst="rect">
             <a:avLst/>
@@ -855,7 +2330,7 @@
         <p:txBody>
           <a:bodyPr lIns="0" rIns="0" tIns="0" bIns="0"/>
           <a:p>
-            <a:endParaRPr b="0" lang="fr-FR" sz="3200" spc="-1" strike="noStrike">
+            <a:endParaRPr b="0" lang="en-US" sz="3200" spc="-1" strike="noStrike">
               <a:solidFill>
                 <a:srgbClr val="000000"/>
               </a:solidFill>
@@ -893,7 +2368,7 @@
       </p:grpSpPr>
       <p:sp>
         <p:nvSpPr>
-          <p:cNvPr id="12" name="PlaceHolder 1"/>
+          <p:cNvPr id="9" name="PlaceHolder 1"/>
           <p:cNvSpPr>
             <a:spLocks noGrp="1"/>
           </p:cNvSpPr>
@@ -904,7 +2379,7 @@
         <p:spPr>
           <a:xfrm>
             <a:off x="504000" y="301320"/>
-            <a:ext cx="9071640" cy="1262160"/>
+            <a:ext cx="9071280" cy="1261800"/>
           </a:xfrm>
           <a:prstGeom prst="rect">
             <a:avLst/>
@@ -914,7 +2389,7 @@
           <a:bodyPr lIns="0" rIns="0" tIns="0" bIns="0" anchor="ctr"/>
           <a:p>
             <a:pPr algn="ctr"/>
-            <a:endParaRPr b="0" lang="fr-FR" sz="4400" spc="-1" strike="noStrike">
+            <a:endParaRPr b="0" lang="en-US" sz="4400" spc="-1" strike="noStrike">
               <a:solidFill>
                 <a:srgbClr val="000000"/>
               </a:solidFill>
@@ -952,7 +2427,7 @@
       </p:grpSpPr>
       <p:sp>
         <p:nvSpPr>
-          <p:cNvPr id="13" name="PlaceHolder 1"/>
+          <p:cNvPr id="10" name="PlaceHolder 1"/>
           <p:cNvSpPr>
             <a:spLocks noGrp="1"/>
           </p:cNvSpPr>
@@ -963,7 +2438,7 @@
         <p:spPr>
           <a:xfrm>
             <a:off x="504000" y="301320"/>
-            <a:ext cx="9071640" cy="5851800"/>
+            <a:ext cx="9071280" cy="5850360"/>
           </a:xfrm>
           <a:prstGeom prst="rect">
             <a:avLst/>
@@ -973,7 +2448,7 @@
           <a:bodyPr lIns="0" rIns="0" tIns="0" bIns="0" anchor="ctr"/>
           <a:p>
             <a:pPr algn="ctr"/>
-            <a:endParaRPr b="0" lang="fr-FR" sz="3200" spc="-1" strike="noStrike">
+            <a:endParaRPr b="0" lang="en-US" sz="3200" spc="-1" strike="noStrike">
               <a:solidFill>
                 <a:srgbClr val="000000"/>
               </a:solidFill>
@@ -1011,7 +2486,7 @@
       </p:grpSpPr>
       <p:sp>
         <p:nvSpPr>
-          <p:cNvPr id="14" name="PlaceHolder 1"/>
+          <p:cNvPr id="11" name="PlaceHolder 1"/>
           <p:cNvSpPr>
             <a:spLocks noGrp="1"/>
           </p:cNvSpPr>
@@ -1022,7 +2497,7 @@
         <p:spPr>
           <a:xfrm>
             <a:off x="504000" y="301320"/>
-            <a:ext cx="9071640" cy="1262160"/>
+            <a:ext cx="9071280" cy="1261800"/>
           </a:xfrm>
           <a:prstGeom prst="rect">
             <a:avLst/>
@@ -1032,23 +2507,23 @@
           <a:bodyPr lIns="0" rIns="0" tIns="0" bIns="0" anchor="ctr"/>
           <a:p>
             <a:pPr algn="ctr"/>
-            <a:endParaRPr b="0" lang="fr-FR" sz="4400" spc="-1" strike="noStrike">
-              <a:solidFill>
-                <a:srgbClr val="000000"/>
-              </a:solidFill>
-              <a:uFill>
-                <a:solidFill>
-                  <a:srgbClr val="ffffff"/>
-                </a:solidFill>
-              </a:uFill>
-              <a:latin typeface="Arial"/>
-            </a:endParaRPr>
-          </a:p>
-        </p:txBody>
-      </p:sp>
-      <p:sp>
-        <p:nvSpPr>
-          <p:cNvPr id="15" name="PlaceHolder 2"/>
+            <a:endParaRPr b="0" lang="en-US" sz="4400" spc="-1" strike="noStrike">
+              <a:solidFill>
+                <a:srgbClr val="000000"/>
+              </a:solidFill>
+              <a:uFill>
+                <a:solidFill>
+                  <a:srgbClr val="ffffff"/>
+                </a:solidFill>
+              </a:uFill>
+              <a:latin typeface="Arial"/>
+            </a:endParaRPr>
+          </a:p>
+        </p:txBody>
+      </p:sp>
+      <p:sp>
+        <p:nvSpPr>
+          <p:cNvPr id="12" name="PlaceHolder 2"/>
           <p:cNvSpPr>
             <a:spLocks noGrp="1"/>
           </p:cNvSpPr>
@@ -1059,7 +2534,7 @@
         <p:spPr>
           <a:xfrm>
             <a:off x="504000" y="1769040"/>
-            <a:ext cx="4426920" cy="2091240"/>
+            <a:ext cx="4426560" cy="2090880"/>
           </a:xfrm>
           <a:prstGeom prst="rect">
             <a:avLst/>
@@ -1068,23 +2543,23 @@
         <p:txBody>
           <a:bodyPr lIns="0" rIns="0" tIns="0" bIns="0"/>
           <a:p>
-            <a:endParaRPr b="0" lang="fr-FR" sz="3200" spc="-1" strike="noStrike">
-              <a:solidFill>
-                <a:srgbClr val="000000"/>
-              </a:solidFill>
-              <a:uFill>
-                <a:solidFill>
-                  <a:srgbClr val="ffffff"/>
-                </a:solidFill>
-              </a:uFill>
-              <a:latin typeface="Arial"/>
-            </a:endParaRPr>
-          </a:p>
-        </p:txBody>
-      </p:sp>
-      <p:sp>
-        <p:nvSpPr>
-          <p:cNvPr id="16" name="PlaceHolder 3"/>
+            <a:endParaRPr b="0" lang="en-US" sz="3200" spc="-1" strike="noStrike">
+              <a:solidFill>
+                <a:srgbClr val="000000"/>
+              </a:solidFill>
+              <a:uFill>
+                <a:solidFill>
+                  <a:srgbClr val="ffffff"/>
+                </a:solidFill>
+              </a:uFill>
+              <a:latin typeface="Arial"/>
+            </a:endParaRPr>
+          </a:p>
+        </p:txBody>
+      </p:sp>
+      <p:sp>
+        <p:nvSpPr>
+          <p:cNvPr id="13" name="PlaceHolder 3"/>
           <p:cNvSpPr>
             <a:spLocks noGrp="1"/>
           </p:cNvSpPr>
@@ -1094,8 +2569,8 @@
         </p:nvSpPr>
         <p:spPr>
           <a:xfrm>
-            <a:off x="504000" y="4059360"/>
-            <a:ext cx="4426920" cy="2091240"/>
+            <a:off x="504000" y="4059000"/>
+            <a:ext cx="4426560" cy="2090880"/>
           </a:xfrm>
           <a:prstGeom prst="rect">
             <a:avLst/>
@@ -1104,23 +2579,23 @@
         <p:txBody>
           <a:bodyPr lIns="0" rIns="0" tIns="0" bIns="0"/>
           <a:p>
-            <a:endParaRPr b="0" lang="fr-FR" sz="3200" spc="-1" strike="noStrike">
-              <a:solidFill>
-                <a:srgbClr val="000000"/>
-              </a:solidFill>
-              <a:uFill>
-                <a:solidFill>
-                  <a:srgbClr val="ffffff"/>
-                </a:solidFill>
-              </a:uFill>
-              <a:latin typeface="Arial"/>
-            </a:endParaRPr>
-          </a:p>
-        </p:txBody>
-      </p:sp>
-      <p:sp>
-        <p:nvSpPr>
-          <p:cNvPr id="17" name="PlaceHolder 4"/>
+            <a:endParaRPr b="0" lang="en-US" sz="3200" spc="-1" strike="noStrike">
+              <a:solidFill>
+                <a:srgbClr val="000000"/>
+              </a:solidFill>
+              <a:uFill>
+                <a:solidFill>
+                  <a:srgbClr val="ffffff"/>
+                </a:solidFill>
+              </a:uFill>
+              <a:latin typeface="Arial"/>
+            </a:endParaRPr>
+          </a:p>
+        </p:txBody>
+      </p:sp>
+      <p:sp>
+        <p:nvSpPr>
+          <p:cNvPr id="14" name="PlaceHolder 4"/>
           <p:cNvSpPr>
             <a:spLocks noGrp="1"/>
           </p:cNvSpPr>
@@ -1130,8 +2605,8 @@
         </p:nvSpPr>
         <p:spPr>
           <a:xfrm>
-            <a:off x="5152680" y="1769040"/>
-            <a:ext cx="4426920" cy="4384440"/>
+            <a:off x="5152320" y="1769040"/>
+            <a:ext cx="4426560" cy="4384080"/>
           </a:xfrm>
           <a:prstGeom prst="rect">
             <a:avLst/>
@@ -1140,7 +2615,7 @@
         <p:txBody>
           <a:bodyPr lIns="0" rIns="0" tIns="0" bIns="0"/>
           <a:p>
-            <a:endParaRPr b="0" lang="fr-FR" sz="3200" spc="-1" strike="noStrike">
+            <a:endParaRPr b="0" lang="en-US" sz="3200" spc="-1" strike="noStrike">
               <a:solidFill>
                 <a:srgbClr val="000000"/>
               </a:solidFill>
@@ -1178,7 +2653,7 @@
       </p:grpSpPr>
       <p:sp>
         <p:nvSpPr>
-          <p:cNvPr id="18" name="PlaceHolder 1"/>
+          <p:cNvPr id="15" name="PlaceHolder 1"/>
           <p:cNvSpPr>
             <a:spLocks noGrp="1"/>
           </p:cNvSpPr>
@@ -1189,7 +2664,7 @@
         <p:spPr>
           <a:xfrm>
             <a:off x="504000" y="301320"/>
-            <a:ext cx="9071640" cy="1262160"/>
+            <a:ext cx="9071280" cy="1261800"/>
           </a:xfrm>
           <a:prstGeom prst="rect">
             <a:avLst/>
@@ -1199,23 +2674,23 @@
           <a:bodyPr lIns="0" rIns="0" tIns="0" bIns="0" anchor="ctr"/>
           <a:p>
             <a:pPr algn="ctr"/>
-            <a:endParaRPr b="0" lang="fr-FR" sz="4400" spc="-1" strike="noStrike">
-              <a:solidFill>
-                <a:srgbClr val="000000"/>
-              </a:solidFill>
-              <a:uFill>
-                <a:solidFill>
-                  <a:srgbClr val="ffffff"/>
-                </a:solidFill>
-              </a:uFill>
-              <a:latin typeface="Arial"/>
-            </a:endParaRPr>
-          </a:p>
-        </p:txBody>
-      </p:sp>
-      <p:sp>
-        <p:nvSpPr>
-          <p:cNvPr id="19" name="PlaceHolder 2"/>
+            <a:endParaRPr b="0" lang="en-US" sz="4400" spc="-1" strike="noStrike">
+              <a:solidFill>
+                <a:srgbClr val="000000"/>
+              </a:solidFill>
+              <a:uFill>
+                <a:solidFill>
+                  <a:srgbClr val="ffffff"/>
+                </a:solidFill>
+              </a:uFill>
+              <a:latin typeface="Arial"/>
+            </a:endParaRPr>
+          </a:p>
+        </p:txBody>
+      </p:sp>
+      <p:sp>
+        <p:nvSpPr>
+          <p:cNvPr id="16" name="PlaceHolder 2"/>
           <p:cNvSpPr>
             <a:spLocks noGrp="1"/>
           </p:cNvSpPr>
@@ -1226,7 +2701,7 @@
         <p:spPr>
           <a:xfrm>
             <a:off x="504000" y="1769040"/>
-            <a:ext cx="4426920" cy="4384440"/>
+            <a:ext cx="4426560" cy="4384080"/>
           </a:xfrm>
           <a:prstGeom prst="rect">
             <a:avLst/>
@@ -1235,23 +2710,23 @@
         <p:txBody>
           <a:bodyPr lIns="0" rIns="0" tIns="0" bIns="0"/>
           <a:p>
-            <a:endParaRPr b="0" lang="fr-FR" sz="3200" spc="-1" strike="noStrike">
-              <a:solidFill>
-                <a:srgbClr val="000000"/>
-              </a:solidFill>
-              <a:uFill>
-                <a:solidFill>
-                  <a:srgbClr val="ffffff"/>
-                </a:solidFill>
-              </a:uFill>
-              <a:latin typeface="Arial"/>
-            </a:endParaRPr>
-          </a:p>
-        </p:txBody>
-      </p:sp>
-      <p:sp>
-        <p:nvSpPr>
-          <p:cNvPr id="20" name="PlaceHolder 3"/>
+            <a:endParaRPr b="0" lang="en-US" sz="3200" spc="-1" strike="noStrike">
+              <a:solidFill>
+                <a:srgbClr val="000000"/>
+              </a:solidFill>
+              <a:uFill>
+                <a:solidFill>
+                  <a:srgbClr val="ffffff"/>
+                </a:solidFill>
+              </a:uFill>
+              <a:latin typeface="Arial"/>
+            </a:endParaRPr>
+          </a:p>
+        </p:txBody>
+      </p:sp>
+      <p:sp>
+        <p:nvSpPr>
+          <p:cNvPr id="17" name="PlaceHolder 3"/>
           <p:cNvSpPr>
             <a:spLocks noGrp="1"/>
           </p:cNvSpPr>
@@ -1261,8 +2736,8 @@
         </p:nvSpPr>
         <p:spPr>
           <a:xfrm>
-            <a:off x="5152680" y="1769040"/>
-            <a:ext cx="4426920" cy="2091240"/>
+            <a:off x="5152320" y="1769040"/>
+            <a:ext cx="4426560" cy="2090880"/>
           </a:xfrm>
           <a:prstGeom prst="rect">
             <a:avLst/>
@@ -1271,23 +2746,23 @@
         <p:txBody>
           <a:bodyPr lIns="0" rIns="0" tIns="0" bIns="0"/>
           <a:p>
-            <a:endParaRPr b="0" lang="fr-FR" sz="3200" spc="-1" strike="noStrike">
-              <a:solidFill>
-                <a:srgbClr val="000000"/>
-              </a:solidFill>
-              <a:uFill>
-                <a:solidFill>
-                  <a:srgbClr val="ffffff"/>
-                </a:solidFill>
-              </a:uFill>
-              <a:latin typeface="Arial"/>
-            </a:endParaRPr>
-          </a:p>
-        </p:txBody>
-      </p:sp>
-      <p:sp>
-        <p:nvSpPr>
-          <p:cNvPr id="21" name="PlaceHolder 4"/>
+            <a:endParaRPr b="0" lang="en-US" sz="3200" spc="-1" strike="noStrike">
+              <a:solidFill>
+                <a:srgbClr val="000000"/>
+              </a:solidFill>
+              <a:uFill>
+                <a:solidFill>
+                  <a:srgbClr val="ffffff"/>
+                </a:solidFill>
+              </a:uFill>
+              <a:latin typeface="Arial"/>
+            </a:endParaRPr>
+          </a:p>
+        </p:txBody>
+      </p:sp>
+      <p:sp>
+        <p:nvSpPr>
+          <p:cNvPr id="18" name="PlaceHolder 4"/>
           <p:cNvSpPr>
             <a:spLocks noGrp="1"/>
           </p:cNvSpPr>
@@ -1297,8 +2772,8 @@
         </p:nvSpPr>
         <p:spPr>
           <a:xfrm>
-            <a:off x="5152680" y="4059360"/>
-            <a:ext cx="4426920" cy="2091240"/>
+            <a:off x="5152320" y="4059000"/>
+            <a:ext cx="4426560" cy="2090880"/>
           </a:xfrm>
           <a:prstGeom prst="rect">
             <a:avLst/>
@@ -1307,7 +2782,7 @@
         <p:txBody>
           <a:bodyPr lIns="0" rIns="0" tIns="0" bIns="0"/>
           <a:p>
-            <a:endParaRPr b="0" lang="fr-FR" sz="3200" spc="-1" strike="noStrike">
+            <a:endParaRPr b="0" lang="en-US" sz="3200" spc="-1" strike="noStrike">
               <a:solidFill>
                 <a:srgbClr val="000000"/>
               </a:solidFill>
@@ -1345,7 +2820,7 @@
       </p:grpSpPr>
       <p:sp>
         <p:nvSpPr>
-          <p:cNvPr id="22" name="PlaceHolder 1"/>
+          <p:cNvPr id="19" name="PlaceHolder 1"/>
           <p:cNvSpPr>
             <a:spLocks noGrp="1"/>
           </p:cNvSpPr>
@@ -1356,7 +2831,7 @@
         <p:spPr>
           <a:xfrm>
             <a:off x="504000" y="301320"/>
-            <a:ext cx="9071640" cy="1262160"/>
+            <a:ext cx="9071280" cy="1261800"/>
           </a:xfrm>
           <a:prstGeom prst="rect">
             <a:avLst/>
@@ -1366,23 +2841,23 @@
           <a:bodyPr lIns="0" rIns="0" tIns="0" bIns="0" anchor="ctr"/>
           <a:p>
             <a:pPr algn="ctr"/>
-            <a:endParaRPr b="0" lang="fr-FR" sz="4400" spc="-1" strike="noStrike">
-              <a:solidFill>
-                <a:srgbClr val="000000"/>
-              </a:solidFill>
-              <a:uFill>
-                <a:solidFill>
-                  <a:srgbClr val="ffffff"/>
-                </a:solidFill>
-              </a:uFill>
-              <a:latin typeface="Arial"/>
-            </a:endParaRPr>
-          </a:p>
-        </p:txBody>
-      </p:sp>
-      <p:sp>
-        <p:nvSpPr>
-          <p:cNvPr id="23" name="PlaceHolder 2"/>
+            <a:endParaRPr b="0" lang="en-US" sz="4400" spc="-1" strike="noStrike">
+              <a:solidFill>
+                <a:srgbClr val="000000"/>
+              </a:solidFill>
+              <a:uFill>
+                <a:solidFill>
+                  <a:srgbClr val="ffffff"/>
+                </a:solidFill>
+              </a:uFill>
+              <a:latin typeface="Arial"/>
+            </a:endParaRPr>
+          </a:p>
+        </p:txBody>
+      </p:sp>
+      <p:sp>
+        <p:nvSpPr>
+          <p:cNvPr id="20" name="PlaceHolder 2"/>
           <p:cNvSpPr>
             <a:spLocks noGrp="1"/>
           </p:cNvSpPr>
@@ -1393,7 +2868,7 @@
         <p:spPr>
           <a:xfrm>
             <a:off x="504000" y="1769040"/>
-            <a:ext cx="4426920" cy="2091240"/>
+            <a:ext cx="4426560" cy="2090880"/>
           </a:xfrm>
           <a:prstGeom prst="rect">
             <a:avLst/>
@@ -1402,23 +2877,23 @@
         <p:txBody>
           <a:bodyPr lIns="0" rIns="0" tIns="0" bIns="0"/>
           <a:p>
-            <a:endParaRPr b="0" lang="fr-FR" sz="3200" spc="-1" strike="noStrike">
-              <a:solidFill>
-                <a:srgbClr val="000000"/>
-              </a:solidFill>
-              <a:uFill>
-                <a:solidFill>
-                  <a:srgbClr val="ffffff"/>
-                </a:solidFill>
-              </a:uFill>
-              <a:latin typeface="Arial"/>
-            </a:endParaRPr>
-          </a:p>
-        </p:txBody>
-      </p:sp>
-      <p:sp>
-        <p:nvSpPr>
-          <p:cNvPr id="24" name="PlaceHolder 3"/>
+            <a:endParaRPr b="0" lang="en-US" sz="3200" spc="-1" strike="noStrike">
+              <a:solidFill>
+                <a:srgbClr val="000000"/>
+              </a:solidFill>
+              <a:uFill>
+                <a:solidFill>
+                  <a:srgbClr val="ffffff"/>
+                </a:solidFill>
+              </a:uFill>
+              <a:latin typeface="Arial"/>
+            </a:endParaRPr>
+          </a:p>
+        </p:txBody>
+      </p:sp>
+      <p:sp>
+        <p:nvSpPr>
+          <p:cNvPr id="21" name="PlaceHolder 3"/>
           <p:cNvSpPr>
             <a:spLocks noGrp="1"/>
           </p:cNvSpPr>
@@ -1428,8 +2903,8 @@
         </p:nvSpPr>
         <p:spPr>
           <a:xfrm>
-            <a:off x="5152680" y="1769040"/>
-            <a:ext cx="4426920" cy="2091240"/>
+            <a:off x="5152320" y="1769040"/>
+            <a:ext cx="4426560" cy="2090880"/>
           </a:xfrm>
           <a:prstGeom prst="rect">
             <a:avLst/>
@@ -1438,23 +2913,23 @@
         <p:txBody>
           <a:bodyPr lIns="0" rIns="0" tIns="0" bIns="0"/>
           <a:p>
-            <a:endParaRPr b="0" lang="fr-FR" sz="3200" spc="-1" strike="noStrike">
-              <a:solidFill>
-                <a:srgbClr val="000000"/>
-              </a:solidFill>
-              <a:uFill>
-                <a:solidFill>
-                  <a:srgbClr val="ffffff"/>
-                </a:solidFill>
-              </a:uFill>
-              <a:latin typeface="Arial"/>
-            </a:endParaRPr>
-          </a:p>
-        </p:txBody>
-      </p:sp>
-      <p:sp>
-        <p:nvSpPr>
-          <p:cNvPr id="25" name="PlaceHolder 4"/>
+            <a:endParaRPr b="0" lang="en-US" sz="3200" spc="-1" strike="noStrike">
+              <a:solidFill>
+                <a:srgbClr val="000000"/>
+              </a:solidFill>
+              <a:uFill>
+                <a:solidFill>
+                  <a:srgbClr val="ffffff"/>
+                </a:solidFill>
+              </a:uFill>
+              <a:latin typeface="Arial"/>
+            </a:endParaRPr>
+          </a:p>
+        </p:txBody>
+      </p:sp>
+      <p:sp>
+        <p:nvSpPr>
+          <p:cNvPr id="22" name="PlaceHolder 4"/>
           <p:cNvSpPr>
             <a:spLocks noGrp="1"/>
           </p:cNvSpPr>
@@ -1464,8 +2939,8 @@
         </p:nvSpPr>
         <p:spPr>
           <a:xfrm>
-            <a:off x="504000" y="4059360"/>
-            <a:ext cx="9071640" cy="2091240"/>
+            <a:off x="504000" y="4059000"/>
+            <a:ext cx="9071280" cy="2090880"/>
           </a:xfrm>
           <a:prstGeom prst="rect">
             <a:avLst/>
@@ -1474,7 +2949,7 @@
         <p:txBody>
           <a:bodyPr lIns="0" rIns="0" tIns="0" bIns="0"/>
           <a:p>
-            <a:endParaRPr b="0" lang="fr-FR" sz="3200" spc="-1" strike="noStrike">
+            <a:endParaRPr b="0" lang="en-US" sz="3200" spc="-1" strike="noStrike">
               <a:solidFill>
                 <a:srgbClr val="000000"/>
               </a:solidFill>
@@ -1523,7 +2998,7 @@
         <p:spPr>
           <a:xfrm>
             <a:off x="504000" y="301320"/>
-            <a:ext cx="9071640" cy="1262160"/>
+            <a:ext cx="9071280" cy="1261800"/>
           </a:xfrm>
           <a:prstGeom prst="rect">
             <a:avLst/>
@@ -1533,21 +3008,7 @@
           <a:bodyPr lIns="0" rIns="0" tIns="0" bIns="0" anchor="ctr"/>
           <a:p>
             <a:pPr algn="ctr"/>
-            <a:r>
-              <a:rPr b="0" lang="fr-FR" sz="4400" spc="-1" strike="noStrike">
-                <a:solidFill>
-                  <a:srgbClr val="000000"/>
-                </a:solidFill>
-                <a:uFill>
-                  <a:solidFill>
-                    <a:srgbClr val="ffffff"/>
-                  </a:solidFill>
-                </a:uFill>
-                <a:latin typeface="Arial"/>
-              </a:rPr>
-              <a:t>Click to edit the title text format</a:t>
-            </a:r>
-            <a:endParaRPr b="0" lang="fr-FR" sz="4400" spc="-1" strike="noStrike">
+            <a:endParaRPr b="0" lang="en-US" sz="4400" spc="-1" strike="noStrike">
               <a:solidFill>
                 <a:srgbClr val="000000"/>
               </a:solidFill>
@@ -1573,8 +3034,8 @@
         </p:nvSpPr>
         <p:spPr>
           <a:xfrm>
-            <a:off x="504000" y="1769040"/>
-            <a:ext cx="9071640" cy="4384440"/>
+            <a:off x="504000" y="1768680"/>
+            <a:ext cx="9072000" cy="4384080"/>
           </a:xfrm>
           <a:prstGeom prst="rect">
             <a:avLst/>
@@ -1592,7 +3053,7 @@
               <a:buChar char=""/>
             </a:pPr>
             <a:r>
-              <a:rPr b="0" lang="fr-FR" sz="3200" spc="-1" strike="noStrike">
+              <a:rPr b="0" lang="en-US" sz="3200" spc="-1" strike="noStrike">
                 <a:solidFill>
                   <a:srgbClr val="000000"/>
                 </a:solidFill>
@@ -1605,7 +3066,7 @@
               </a:rPr>
               <a:t>Click to edit the outline text format</a:t>
             </a:r>
-            <a:endParaRPr b="0" lang="fr-FR" sz="3200" spc="-1" strike="noStrike">
+            <a:endParaRPr b="0" lang="en-US" sz="3200" spc="-1" strike="noStrike">
               <a:solidFill>
                 <a:srgbClr val="000000"/>
               </a:solidFill>
@@ -1627,7 +3088,7 @@
               <a:buChar char=""/>
             </a:pPr>
             <a:r>
-              <a:rPr b="0" lang="fr-FR" sz="2800" spc="-1" strike="noStrike">
+              <a:rPr b="0" lang="en-US" sz="2800" spc="-1" strike="noStrike">
                 <a:solidFill>
                   <a:srgbClr val="000000"/>
                 </a:solidFill>
@@ -1640,7 +3101,7 @@
               </a:rPr>
               <a:t>Second Outline Level</a:t>
             </a:r>
-            <a:endParaRPr b="0" lang="fr-FR" sz="2800" spc="-1" strike="noStrike">
+            <a:endParaRPr b="0" lang="en-US" sz="2800" spc="-1" strike="noStrike">
               <a:solidFill>
                 <a:srgbClr val="000000"/>
               </a:solidFill>
@@ -1662,7 +3123,7 @@
               <a:buChar char=""/>
             </a:pPr>
             <a:r>
-              <a:rPr b="0" lang="fr-FR" sz="2400" spc="-1" strike="noStrike">
+              <a:rPr b="0" lang="en-US" sz="2400" spc="-1" strike="noStrike">
                 <a:solidFill>
                   <a:srgbClr val="000000"/>
                 </a:solidFill>
@@ -1675,7 +3136,7 @@
               </a:rPr>
               <a:t>Third Outline Level</a:t>
             </a:r>
-            <a:endParaRPr b="0" lang="fr-FR" sz="2400" spc="-1" strike="noStrike">
+            <a:endParaRPr b="0" lang="en-US" sz="2400" spc="-1" strike="noStrike">
               <a:solidFill>
                 <a:srgbClr val="000000"/>
               </a:solidFill>
@@ -1697,7 +3158,7 @@
               <a:buChar char=""/>
             </a:pPr>
             <a:r>
-              <a:rPr b="0" lang="fr-FR" sz="2000" spc="-1" strike="noStrike">
+              <a:rPr b="0" lang="en-US" sz="2000" spc="-1" strike="noStrike">
                 <a:solidFill>
                   <a:srgbClr val="000000"/>
                 </a:solidFill>
@@ -1710,7 +3171,7 @@
               </a:rPr>
               <a:t>Fourth Outline Level</a:t>
             </a:r>
-            <a:endParaRPr b="0" lang="fr-FR" sz="2000" spc="-1" strike="noStrike">
+            <a:endParaRPr b="0" lang="en-US" sz="2000" spc="-1" strike="noStrike">
               <a:solidFill>
                 <a:srgbClr val="000000"/>
               </a:solidFill>
@@ -1732,7 +3193,7 @@
               <a:buChar char=""/>
             </a:pPr>
             <a:r>
-              <a:rPr b="0" lang="fr-FR" sz="2000" spc="-1" strike="noStrike">
+              <a:rPr b="0" lang="en-US" sz="2000" spc="-1" strike="noStrike">
                 <a:solidFill>
                   <a:srgbClr val="000000"/>
                 </a:solidFill>
@@ -1745,7 +3206,7 @@
               </a:rPr>
               <a:t>Fifth Outline Level</a:t>
             </a:r>
-            <a:endParaRPr b="0" lang="fr-FR" sz="2000" spc="-1" strike="noStrike">
+            <a:endParaRPr b="0" lang="en-US" sz="2000" spc="-1" strike="noStrike">
               <a:solidFill>
                 <a:srgbClr val="000000"/>
               </a:solidFill>
@@ -1767,7 +3228,7 @@
               <a:buChar char=""/>
             </a:pPr>
             <a:r>
-              <a:rPr b="0" lang="fr-FR" sz="2000" spc="-1" strike="noStrike">
+              <a:rPr b="0" lang="en-US" sz="2000" spc="-1" strike="noStrike">
                 <a:solidFill>
                   <a:srgbClr val="000000"/>
                 </a:solidFill>
@@ -1780,7 +3241,7 @@
               </a:rPr>
               <a:t>Sixth Outline Level</a:t>
             </a:r>
-            <a:endParaRPr b="0" lang="fr-FR" sz="2000" spc="-1" strike="noStrike">
+            <a:endParaRPr b="0" lang="en-US" sz="2000" spc="-1" strike="noStrike">
               <a:solidFill>
                 <a:srgbClr val="000000"/>
               </a:solidFill>
@@ -1802,7 +3263,7 @@
               <a:buChar char=""/>
             </a:pPr>
             <a:r>
-              <a:rPr b="0" lang="fr-FR" sz="2000" spc="-1" strike="noStrike">
+              <a:rPr b="0" lang="en-US" sz="2000" spc="-1" strike="noStrike">
                 <a:solidFill>
                   <a:srgbClr val="000000"/>
                 </a:solidFill>
@@ -1815,168 +3276,16 @@
               </a:rPr>
               <a:t>Seventh Outline Level</a:t>
             </a:r>
-            <a:endParaRPr b="0" lang="fr-FR" sz="2000" spc="-1" strike="noStrike">
-              <a:solidFill>
-                <a:srgbClr val="000000"/>
-              </a:solidFill>
-              <a:uFill>
-                <a:solidFill>
-                  <a:srgbClr val="ffffff"/>
-                </a:solidFill>
-              </a:uFill>
-              <a:latin typeface="Arial"/>
-            </a:endParaRPr>
-          </a:p>
-        </p:txBody>
-      </p:sp>
-      <p:sp>
-        <p:nvSpPr>
-          <p:cNvPr id="2" name="PlaceHolder 3"/>
-          <p:cNvSpPr>
-            <a:spLocks noGrp="1"/>
-          </p:cNvSpPr>
-          <p:nvPr>
-            <p:ph type="dt"/>
-          </p:nvPr>
-        </p:nvSpPr>
-        <p:spPr>
-          <a:xfrm>
-            <a:off x="504000" y="6887160"/>
-            <a:ext cx="2348280" cy="521280"/>
-          </a:xfrm>
-          <a:prstGeom prst="rect">
-            <a:avLst/>
-          </a:prstGeom>
-        </p:spPr>
-        <p:txBody>
-          <a:bodyPr lIns="0" rIns="0" tIns="0" bIns="0"/>
-          <a:p>
-            <a:r>
-              <a:rPr b="0" lang="fr-FR" sz="1400" spc="-1" strike="noStrike">
-                <a:solidFill>
-                  <a:srgbClr val="000000"/>
-                </a:solidFill>
-                <a:uFill>
-                  <a:solidFill>
-                    <a:srgbClr val="ffffff"/>
-                  </a:solidFill>
-                </a:uFill>
-                <a:latin typeface="Times New Roman"/>
-              </a:rPr>
-              <a:t>&lt;date/time&gt;</a:t>
-            </a:r>
-            <a:endParaRPr b="0" lang="fr-FR" sz="1400" spc="-1" strike="noStrike">
-              <a:solidFill>
-                <a:srgbClr val="000000"/>
-              </a:solidFill>
-              <a:uFill>
-                <a:solidFill>
-                  <a:srgbClr val="ffffff"/>
-                </a:solidFill>
-              </a:uFill>
-              <a:latin typeface="Times New Roman"/>
-            </a:endParaRPr>
-          </a:p>
-        </p:txBody>
-      </p:sp>
-      <p:sp>
-        <p:nvSpPr>
-          <p:cNvPr id="3" name="PlaceHolder 4"/>
-          <p:cNvSpPr>
-            <a:spLocks noGrp="1"/>
-          </p:cNvSpPr>
-          <p:nvPr>
-            <p:ph type="ftr"/>
-          </p:nvPr>
-        </p:nvSpPr>
-        <p:spPr>
-          <a:xfrm>
-            <a:off x="3447360" y="6887160"/>
-            <a:ext cx="3195000" cy="521280"/>
-          </a:xfrm>
-          <a:prstGeom prst="rect">
-            <a:avLst/>
-          </a:prstGeom>
-        </p:spPr>
-        <p:txBody>
-          <a:bodyPr lIns="0" rIns="0" tIns="0" bIns="0"/>
-          <a:p>
-            <a:pPr algn="ctr"/>
-            <a:r>
-              <a:rPr b="0" lang="fr-FR" sz="1400" spc="-1" strike="noStrike">
-                <a:solidFill>
-                  <a:srgbClr val="000000"/>
-                </a:solidFill>
-                <a:uFill>
-                  <a:solidFill>
-                    <a:srgbClr val="ffffff"/>
-                  </a:solidFill>
-                </a:uFill>
-                <a:latin typeface="Times New Roman"/>
-              </a:rPr>
-              <a:t>&lt;footer&gt;</a:t>
-            </a:r>
-            <a:endParaRPr b="0" lang="fr-FR" sz="1400" spc="-1" strike="noStrike">
-              <a:solidFill>
-                <a:srgbClr val="000000"/>
-              </a:solidFill>
-              <a:uFill>
-                <a:solidFill>
-                  <a:srgbClr val="ffffff"/>
-                </a:solidFill>
-              </a:uFill>
-              <a:latin typeface="Times New Roman"/>
-            </a:endParaRPr>
-          </a:p>
-        </p:txBody>
-      </p:sp>
-      <p:sp>
-        <p:nvSpPr>
-          <p:cNvPr id="4" name="PlaceHolder 5"/>
-          <p:cNvSpPr>
-            <a:spLocks noGrp="1"/>
-          </p:cNvSpPr>
-          <p:nvPr>
-            <p:ph type="sldNum"/>
-          </p:nvPr>
-        </p:nvSpPr>
-        <p:spPr>
-          <a:xfrm>
-            <a:off x="7227360" y="6887160"/>
-            <a:ext cx="2348280" cy="521280"/>
-          </a:xfrm>
-          <a:prstGeom prst="rect">
-            <a:avLst/>
-          </a:prstGeom>
-        </p:spPr>
-        <p:txBody>
-          <a:bodyPr lIns="0" rIns="0" tIns="0" bIns="0"/>
-          <a:p>
-            <a:pPr algn="r"/>
-            <a:fld id="{B51C188B-EF4D-48E4-A9D9-EAAC28B3AEB5}" type="slidenum">
-              <a:rPr b="0" lang="fr-FR" sz="1400" spc="-1" strike="noStrike">
-                <a:solidFill>
-                  <a:srgbClr val="000000"/>
-                </a:solidFill>
-                <a:uFill>
-                  <a:solidFill>
-                    <a:srgbClr val="ffffff"/>
-                  </a:solidFill>
-                </a:uFill>
-                <a:latin typeface="Times New Roman"/>
-              </a:rPr>
-              <a:t>&lt;number&gt;</a:t>
-            </a:fld>
-            <a:endParaRPr b="0" lang="fr-FR" sz="1400" spc="-1" strike="noStrike">
-              <a:solidFill>
-                <a:srgbClr val="000000"/>
-              </a:solidFill>
-              <a:uFill>
-                <a:solidFill>
-                  <a:srgbClr val="ffffff"/>
-                </a:solidFill>
-              </a:uFill>
-              <a:latin typeface="Times New Roman"/>
+            <a:endParaRPr b="0" lang="en-US" sz="2000" spc="-1" strike="noStrike">
+              <a:solidFill>
+                <a:srgbClr val="000000"/>
+              </a:solidFill>
+              <a:uFill>
+                <a:solidFill>
+                  <a:srgbClr val="ffffff"/>
+                </a:solidFill>
+              </a:uFill>
+              <a:latin typeface="Arial"/>
             </a:endParaRPr>
           </a:p>
         </p:txBody>
@@ -1997,6 +3306,348 @@
     <p:sldLayoutId id="2147483658" r:id="rId11"/>
     <p:sldLayoutId id="2147483659" r:id="rId12"/>
     <p:sldLayoutId id="2147483660" r:id="rId13"/>
+  </p:sldLayoutIdLst>
+</p:sldMaster>
+</file>
+
+<file path=ppt/slideMasters/slideMaster2.xml><?xml version="1.0" encoding="utf-8"?>
+<p:sldMaster xmlns:a="http://schemas.openxmlformats.org/drawingml/2006/main" xmlns:p="http://schemas.openxmlformats.org/presentationml/2006/main" xmlns:r="http://schemas.openxmlformats.org/officeDocument/2006/relationships" xmlns:p14="http://schemas.microsoft.com/office/powerpoint/2010/main" xmlns:p15="http://schemas.microsoft.com/office/powerpoint/2012/main" xmlns:mc="http://schemas.openxmlformats.org/markup-compatibility/2006">
+  <p:cSld>
+    <p:spTree>
+      <p:nvGrpSpPr>
+        <p:cNvPr id="1" name=""/>
+        <p:cNvGrpSpPr/>
+        <p:nvPr/>
+      </p:nvGrpSpPr>
+      <p:grpSpPr>
+        <a:xfrm>
+          <a:off x="0" y="0"/>
+          <a:ext cx="0" cy="0"/>
+          <a:chOff x="0" y="0"/>
+          <a:chExt cx="0" cy="0"/>
+        </a:xfrm>
+      </p:grpSpPr>
+      <p:sp>
+        <p:nvSpPr>
+          <p:cNvPr id="36" name="PlaceHolder 1"/>
+          <p:cNvSpPr>
+            <a:spLocks noGrp="1"/>
+          </p:cNvSpPr>
+          <p:nvPr>
+            <p:ph type="title"/>
+          </p:nvPr>
+        </p:nvSpPr>
+        <p:spPr>
+          <a:xfrm>
+            <a:off x="504000" y="301320"/>
+            <a:ext cx="9071280" cy="1261800"/>
+          </a:xfrm>
+          <a:prstGeom prst="rect">
+            <a:avLst/>
+          </a:prstGeom>
+        </p:spPr>
+        <p:txBody>
+          <a:bodyPr lIns="0" rIns="0" tIns="0" bIns="0" anchor="ctr"/>
+          <a:p>
+            <a:pPr algn="ctr"/>
+            <a:endParaRPr b="0" lang="en-US" sz="4400" spc="-1" strike="noStrike">
+              <a:solidFill>
+                <a:srgbClr val="000000"/>
+              </a:solidFill>
+              <a:uFill>
+                <a:solidFill>
+                  <a:srgbClr val="ffffff"/>
+                </a:solidFill>
+              </a:uFill>
+              <a:latin typeface="Arial"/>
+            </a:endParaRPr>
+          </a:p>
+        </p:txBody>
+      </p:sp>
+      <p:sp>
+        <p:nvSpPr>
+          <p:cNvPr id="37" name="PlaceHolder 2"/>
+          <p:cNvSpPr>
+            <a:spLocks noGrp="1"/>
+          </p:cNvSpPr>
+          <p:nvPr>
+            <p:ph type="body"/>
+          </p:nvPr>
+        </p:nvSpPr>
+        <p:spPr>
+          <a:xfrm>
+            <a:off x="504000" y="1769040"/>
+            <a:ext cx="9071280" cy="4384080"/>
+          </a:xfrm>
+          <a:prstGeom prst="rect">
+            <a:avLst/>
+          </a:prstGeom>
+        </p:spPr>
+        <p:txBody>
+          <a:bodyPr lIns="0" rIns="0" tIns="0" bIns="0"/>
+          <a:p>
+            <a:pPr marL="432000" indent="-324000">
+              <a:buClr>
+                <a:srgbClr val="000000"/>
+              </a:buClr>
+              <a:buSzPct val="45000"/>
+              <a:buFont typeface="Wingdings" charset="2"/>
+              <a:buChar char=""/>
+            </a:pPr>
+            <a:r>
+              <a:rPr b="0" lang="en-US" sz="1800" spc="-1" strike="noStrike">
+                <a:solidFill>
+                  <a:srgbClr val="000000"/>
+                </a:solidFill>
+                <a:uFill>
+                  <a:solidFill>
+                    <a:srgbClr val="ffffff"/>
+                  </a:solidFill>
+                </a:uFill>
+                <a:latin typeface="Arial"/>
+              </a:rPr>
+              <a:t>Click to edit the outline text format</a:t>
+            </a:r>
+            <a:endParaRPr b="0" lang="en-US" sz="1800" spc="-1" strike="noStrike">
+              <a:solidFill>
+                <a:srgbClr val="000000"/>
+              </a:solidFill>
+              <a:uFill>
+                <a:solidFill>
+                  <a:srgbClr val="ffffff"/>
+                </a:solidFill>
+              </a:uFill>
+              <a:latin typeface="Arial"/>
+            </a:endParaRPr>
+          </a:p>
+          <a:p>
+            <a:pPr lvl="1" marL="864000" indent="-324000">
+              <a:buClr>
+                <a:srgbClr val="000000"/>
+              </a:buClr>
+              <a:buSzPct val="75000"/>
+              <a:buFont typeface="Symbol" charset="2"/>
+              <a:buChar char=""/>
+            </a:pPr>
+            <a:r>
+              <a:rPr b="0" lang="en-US" sz="1800" spc="-1" strike="noStrike">
+                <a:solidFill>
+                  <a:srgbClr val="000000"/>
+                </a:solidFill>
+                <a:uFill>
+                  <a:solidFill>
+                    <a:srgbClr val="ffffff"/>
+                  </a:solidFill>
+                </a:uFill>
+                <a:latin typeface="Arial"/>
+              </a:rPr>
+              <a:t>Second Outline Level</a:t>
+            </a:r>
+            <a:endParaRPr b="0" lang="en-US" sz="1800" spc="-1" strike="noStrike">
+              <a:solidFill>
+                <a:srgbClr val="000000"/>
+              </a:solidFill>
+              <a:uFill>
+                <a:solidFill>
+                  <a:srgbClr val="ffffff"/>
+                </a:solidFill>
+              </a:uFill>
+              <a:latin typeface="Arial"/>
+            </a:endParaRPr>
+          </a:p>
+          <a:p>
+            <a:pPr lvl="2" marL="1296000" indent="-288000">
+              <a:buClr>
+                <a:srgbClr val="000000"/>
+              </a:buClr>
+              <a:buSzPct val="45000"/>
+              <a:buFont typeface="Wingdings" charset="2"/>
+              <a:buChar char=""/>
+            </a:pPr>
+            <a:r>
+              <a:rPr b="0" lang="en-US" sz="1800" spc="-1" strike="noStrike">
+                <a:solidFill>
+                  <a:srgbClr val="000000"/>
+                </a:solidFill>
+                <a:uFill>
+                  <a:solidFill>
+                    <a:srgbClr val="ffffff"/>
+                  </a:solidFill>
+                </a:uFill>
+                <a:latin typeface="Arial"/>
+              </a:rPr>
+              <a:t>Third Outline Level</a:t>
+            </a:r>
+            <a:endParaRPr b="0" lang="en-US" sz="1800" spc="-1" strike="noStrike">
+              <a:solidFill>
+                <a:srgbClr val="000000"/>
+              </a:solidFill>
+              <a:uFill>
+                <a:solidFill>
+                  <a:srgbClr val="ffffff"/>
+                </a:solidFill>
+              </a:uFill>
+              <a:latin typeface="Arial"/>
+            </a:endParaRPr>
+          </a:p>
+          <a:p>
+            <a:pPr lvl="3" marL="1728000" indent="-216000">
+              <a:buClr>
+                <a:srgbClr val="000000"/>
+              </a:buClr>
+              <a:buSzPct val="75000"/>
+              <a:buFont typeface="Symbol" charset="2"/>
+              <a:buChar char=""/>
+            </a:pPr>
+            <a:r>
+              <a:rPr b="0" lang="en-US" sz="1800" spc="-1" strike="noStrike">
+                <a:solidFill>
+                  <a:srgbClr val="000000"/>
+                </a:solidFill>
+                <a:uFill>
+                  <a:solidFill>
+                    <a:srgbClr val="ffffff"/>
+                  </a:solidFill>
+                </a:uFill>
+                <a:latin typeface="Arial"/>
+              </a:rPr>
+              <a:t>Fourth Outline Level</a:t>
+            </a:r>
+            <a:endParaRPr b="0" lang="en-US" sz="1800" spc="-1" strike="noStrike">
+              <a:solidFill>
+                <a:srgbClr val="000000"/>
+              </a:solidFill>
+              <a:uFill>
+                <a:solidFill>
+                  <a:srgbClr val="ffffff"/>
+                </a:solidFill>
+              </a:uFill>
+              <a:latin typeface="Arial"/>
+            </a:endParaRPr>
+          </a:p>
+          <a:p>
+            <a:pPr lvl="4" marL="2160000" indent="-216000">
+              <a:buClr>
+                <a:srgbClr val="000000"/>
+              </a:buClr>
+              <a:buSzPct val="45000"/>
+              <a:buFont typeface="Wingdings" charset="2"/>
+              <a:buChar char=""/>
+            </a:pPr>
+            <a:r>
+              <a:rPr b="0" lang="en-US" sz="1800" spc="-1" strike="noStrike">
+                <a:solidFill>
+                  <a:srgbClr val="000000"/>
+                </a:solidFill>
+                <a:uFill>
+                  <a:solidFill>
+                    <a:srgbClr val="ffffff"/>
+                  </a:solidFill>
+                </a:uFill>
+                <a:latin typeface="Arial"/>
+              </a:rPr>
+              <a:t>Fifth Outline Level</a:t>
+            </a:r>
+            <a:endParaRPr b="0" lang="en-US" sz="1800" spc="-1" strike="noStrike">
+              <a:solidFill>
+                <a:srgbClr val="000000"/>
+              </a:solidFill>
+              <a:uFill>
+                <a:solidFill>
+                  <a:srgbClr val="ffffff"/>
+                </a:solidFill>
+              </a:uFill>
+              <a:latin typeface="Arial"/>
+            </a:endParaRPr>
+          </a:p>
+          <a:p>
+            <a:pPr lvl="5" marL="2592000" indent="-216000">
+              <a:buClr>
+                <a:srgbClr val="000000"/>
+              </a:buClr>
+              <a:buSzPct val="45000"/>
+              <a:buFont typeface="Wingdings" charset="2"/>
+              <a:buChar char=""/>
+            </a:pPr>
+            <a:r>
+              <a:rPr b="0" lang="en-US" sz="1800" spc="-1" strike="noStrike">
+                <a:solidFill>
+                  <a:srgbClr val="000000"/>
+                </a:solidFill>
+                <a:uFill>
+                  <a:solidFill>
+                    <a:srgbClr val="ffffff"/>
+                  </a:solidFill>
+                </a:uFill>
+                <a:latin typeface="Arial"/>
+              </a:rPr>
+              <a:t>Sixth Outline Level</a:t>
+            </a:r>
+            <a:endParaRPr b="0" lang="en-US" sz="1800" spc="-1" strike="noStrike">
+              <a:solidFill>
+                <a:srgbClr val="000000"/>
+              </a:solidFill>
+              <a:uFill>
+                <a:solidFill>
+                  <a:srgbClr val="ffffff"/>
+                </a:solidFill>
+              </a:uFill>
+              <a:latin typeface="Arial"/>
+            </a:endParaRPr>
+          </a:p>
+          <a:p>
+            <a:pPr lvl="6" marL="3024000" indent="-216000">
+              <a:buClr>
+                <a:srgbClr val="000000"/>
+              </a:buClr>
+              <a:buSzPct val="45000"/>
+              <a:buFont typeface="Wingdings" charset="2"/>
+              <a:buChar char=""/>
+            </a:pPr>
+            <a:r>
+              <a:rPr b="0" lang="en-US" sz="1800" spc="-1" strike="noStrike">
+                <a:solidFill>
+                  <a:srgbClr val="000000"/>
+                </a:solidFill>
+                <a:uFill>
+                  <a:solidFill>
+                    <a:srgbClr val="ffffff"/>
+                  </a:solidFill>
+                </a:uFill>
+                <a:latin typeface="Arial"/>
+              </a:rPr>
+              <a:t>Seventh Outline Level</a:t>
+            </a:r>
+            <a:endParaRPr b="0" lang="en-US" sz="1800" spc="-1" strike="noStrike">
+              <a:solidFill>
+                <a:srgbClr val="000000"/>
+              </a:solidFill>
+              <a:uFill>
+                <a:solidFill>
+                  <a:srgbClr val="ffffff"/>
+                </a:solidFill>
+              </a:uFill>
+              <a:latin typeface="Arial"/>
+            </a:endParaRPr>
+          </a:p>
+        </p:txBody>
+      </p:sp>
+    </p:spTree>
+  </p:cSld>
+  <p:clrMap bg1="lt1" bg2="lt2" tx1="dk1" tx2="dk2" accent1="accent1" accent2="accent2" accent3="accent3" accent4="accent4" accent5="accent5" accent6="accent6" hlink="hlink" folHlink="folHlink"/>
+  <p:sldLayoutIdLst>
+    <p:sldLayoutId id="2147483662" r:id="rId2"/>
+    <p:sldLayoutId id="2147483663" r:id="rId3"/>
+    <p:sldLayoutId id="2147483664" r:id="rId4"/>
+    <p:sldLayoutId id="2147483665" r:id="rId5"/>
+    <p:sldLayoutId id="2147483666" r:id="rId6"/>
+    <p:sldLayoutId id="2147483667" r:id="rId7"/>
+    <p:sldLayoutId id="2147483668" r:id="rId8"/>
+    <p:sldLayoutId id="2147483669" r:id="rId9"/>
+    <p:sldLayoutId id="2147483670" r:id="rId10"/>
+    <p:sldLayoutId id="2147483671" r:id="rId11"/>
+    <p:sldLayoutId id="2147483672" r:id="rId12"/>
+    <p:sldLayoutId id="2147483673" r:id="rId13"/>
   </p:sldLayoutIdLst>
 </p:sldMaster>
 </file>
@@ -2020,14 +3671,14 @@
       </p:grpSpPr>
       <p:sp>
         <p:nvSpPr>
-          <p:cNvPr id="39" name="TextShape 1"/>
-          <p:cNvSpPr txBox="1"/>
+          <p:cNvPr id="72" name="CustomShape 1"/>
+          <p:cNvSpPr/>
           <p:nvPr/>
         </p:nvSpPr>
         <p:spPr>
           <a:xfrm>
             <a:off x="504000" y="301320"/>
-            <a:ext cx="9071640" cy="1262160"/>
+            <a:ext cx="9071280" cy="1261800"/>
           </a:xfrm>
           <a:prstGeom prst="rect">
             <a:avLst/>
@@ -2037,34 +3688,23 @@
             <a:noFill/>
           </a:ln>
         </p:spPr>
-        <p:txBody>
-          <a:bodyPr lIns="0" rIns="0" tIns="0" bIns="0" anchor="ctr"/>
-          <a:p>
-            <a:pPr algn="ctr"/>
-            <a:endParaRPr b="0" lang="fr-FR" sz="4400" spc="-1" strike="noStrike">
-              <a:solidFill>
-                <a:srgbClr val="000000"/>
-              </a:solidFill>
-              <a:uFill>
-                <a:solidFill>
-                  <a:srgbClr val="ffffff"/>
-                </a:solidFill>
-              </a:uFill>
-              <a:latin typeface="Arial"/>
-            </a:endParaRPr>
-          </a:p>
-        </p:txBody>
-      </p:sp>
-      <p:sp>
-        <p:nvSpPr>
-          <p:cNvPr id="40" name="TextShape 2"/>
-          <p:cNvSpPr txBox="1"/>
+        <p:style>
+          <a:lnRef idx="0"/>
+          <a:fillRef idx="0"/>
+          <a:effectRef idx="0"/>
+          <a:fontRef idx="minor"/>
+        </p:style>
+      </p:sp>
+      <p:sp>
+        <p:nvSpPr>
+          <p:cNvPr id="73" name="CustomShape 2"/>
+          <p:cNvSpPr/>
           <p:nvPr/>
         </p:nvSpPr>
         <p:spPr>
           <a:xfrm>
             <a:off x="504000" y="1769040"/>
-            <a:ext cx="9071640" cy="4384440"/>
+            <a:ext cx="9071280" cy="4384080"/>
           </a:xfrm>
           <a:prstGeom prst="rect">
             <a:avLst/>
@@ -2074,12 +3714,22 @@
             <a:noFill/>
           </a:ln>
         </p:spPr>
+        <p:style>
+          <a:lnRef idx="0"/>
+          <a:fillRef idx="0"/>
+          <a:effectRef idx="0"/>
+          <a:fontRef idx="minor"/>
+        </p:style>
         <p:txBody>
           <a:bodyPr lIns="0" rIns="0" tIns="0" bIns="0" anchor="ctr"/>
           <a:p>
-            <a:pPr algn="ctr"/>
+            <a:pPr algn="ctr">
+              <a:lnSpc>
+                <a:spcPct val="100000"/>
+              </a:lnSpc>
+            </a:pPr>
             <a:r>
-              <a:rPr b="0" lang="fr-FR" sz="3200" spc="-1" strike="noStrike">
+              <a:rPr b="1" lang="en-US" sz="3200" spc="-1" strike="noStrike">
                 <a:solidFill>
                   <a:srgbClr val="000000"/>
                 </a:solidFill>
@@ -2092,7 +3742,7 @@
               </a:rPr>
               <a:t>Javascript</a:t>
             </a:r>
-            <a:endParaRPr b="0" lang="fr-FR" sz="3200" spc="-1" strike="noStrike">
+            <a:endParaRPr b="1" lang="en-US" sz="1800" spc="-1" strike="noStrike">
               <a:solidFill>
                 <a:srgbClr val="000000"/>
               </a:solidFill>
@@ -2157,14 +3807,14 @@
       </p:grpSpPr>
       <p:sp>
         <p:nvSpPr>
-          <p:cNvPr id="41" name="TextShape 1"/>
-          <p:cNvSpPr txBox="1"/>
+          <p:cNvPr id="74" name="CustomShape 1"/>
+          <p:cNvSpPr/>
           <p:nvPr/>
         </p:nvSpPr>
         <p:spPr>
           <a:xfrm>
             <a:off x="504000" y="301320"/>
-            <a:ext cx="9071640" cy="1262160"/>
+            <a:ext cx="9071280" cy="1261800"/>
           </a:xfrm>
           <a:prstGeom prst="rect">
             <a:avLst/>
@@ -2174,10 +3824,19 @@
             <a:noFill/>
           </a:ln>
         </p:spPr>
+        <p:style>
+          <a:lnRef idx="0"/>
+          <a:fillRef idx="0"/>
+          <a:effectRef idx="0"/>
+          <a:fontRef idx="minor"/>
+        </p:style>
         <p:txBody>
           <a:bodyPr lIns="0" rIns="0" tIns="0" bIns="0" anchor="ctr"/>
           <a:p>
-            <a:pPr marL="216000" indent="-216000" algn="ctr">
+            <a:pPr marL="216000" indent="-215640" algn="ctr">
+              <a:lnSpc>
+                <a:spcPct val="100000"/>
+              </a:lnSpc>
               <a:buClr>
                 <a:srgbClr val="000000"/>
               </a:buClr>
@@ -2186,7 +3845,7 @@
               <a:buChar char=""/>
             </a:pPr>
             <a:r>
-              <a:rPr b="0" lang="fr-FR" sz="4400" spc="-1" strike="noStrike">
+              <a:rPr b="0" lang="en-US" sz="4400" spc="-1" strike="noStrike">
                 <a:solidFill>
                   <a:srgbClr val="000000"/>
                 </a:solidFill>
@@ -2199,30 +3858,30 @@
               </a:rPr>
               <a:t>En bref</a:t>
             </a:r>
-            <a:endParaRPr b="0" lang="fr-FR" sz="4400" spc="-1" strike="noStrike">
-              <a:solidFill>
-                <a:srgbClr val="000000"/>
-              </a:solidFill>
-              <a:uFill>
-                <a:solidFill>
-                  <a:srgbClr val="ffffff"/>
-                </a:solidFill>
-              </a:uFill>
-              <a:latin typeface="Arial"/>
-            </a:endParaRPr>
-          </a:p>
-        </p:txBody>
-      </p:sp>
-      <p:sp>
-        <p:nvSpPr>
-          <p:cNvPr id="42" name="TextShape 2"/>
-          <p:cNvSpPr txBox="1"/>
+            <a:endParaRPr b="0" lang="en-US" sz="1800" spc="-1" strike="noStrike">
+              <a:solidFill>
+                <a:srgbClr val="000000"/>
+              </a:solidFill>
+              <a:uFill>
+                <a:solidFill>
+                  <a:srgbClr val="ffffff"/>
+                </a:solidFill>
+              </a:uFill>
+              <a:latin typeface="Arial"/>
+            </a:endParaRPr>
+          </a:p>
+        </p:txBody>
+      </p:sp>
+      <p:sp>
+        <p:nvSpPr>
+          <p:cNvPr id="75" name="CustomShape 2"/>
+          <p:cNvSpPr/>
           <p:nvPr/>
         </p:nvSpPr>
         <p:spPr>
           <a:xfrm>
             <a:off x="504000" y="1769040"/>
-            <a:ext cx="9071640" cy="4384440"/>
+            <a:ext cx="9071280" cy="4384080"/>
           </a:xfrm>
           <a:prstGeom prst="rect">
             <a:avLst/>
@@ -2232,10 +3891,19 @@
             <a:noFill/>
           </a:ln>
         </p:spPr>
+        <p:style>
+          <a:lnRef idx="0"/>
+          <a:fillRef idx="0"/>
+          <a:effectRef idx="0"/>
+          <a:fontRef idx="minor"/>
+        </p:style>
         <p:txBody>
           <a:bodyPr lIns="0" rIns="0" tIns="0" bIns="0"/>
           <a:p>
-            <a:pPr marL="432000" indent="-324000">
+            <a:pPr marL="432000" indent="-323640">
+              <a:lnSpc>
+                <a:spcPct val="100000"/>
+              </a:lnSpc>
               <a:buClr>
                 <a:srgbClr val="000000"/>
               </a:buClr>
@@ -2244,7 +3912,7 @@
               <a:buChar char=""/>
             </a:pPr>
             <a:r>
-              <a:rPr b="0" lang="fr-FR" sz="3200" spc="-1" strike="noStrike">
+              <a:rPr b="0" lang="en-US" sz="3200" spc="-1" strike="noStrike">
                 <a:solidFill>
                   <a:srgbClr val="000000"/>
                 </a:solidFill>
@@ -2255,22 +3923,25 @@
                 </a:uFill>
                 <a:latin typeface="Arial"/>
               </a:rPr>
-              <a:t> </a:t>
+              <a:t>Weak/Dynamic typing</a:t>
             </a:r>
-            <a:endParaRPr b="0" lang="fr-FR" sz="3200" spc="-1" strike="noStrike">
-              <a:solidFill>
-                <a:srgbClr val="000000"/>
-              </a:solidFill>
-              <a:uFill>
-                <a:solidFill>
-                  <a:srgbClr val="ffffff"/>
-                </a:solidFill>
-              </a:uFill>
-              <a:latin typeface="Arial"/>
-            </a:endParaRPr>
-          </a:p>
-          <a:p>
-            <a:pPr marL="432000" indent="-324000">
+            <a:endParaRPr b="0" lang="en-US" sz="1800" spc="-1" strike="noStrike">
+              <a:solidFill>
+                <a:srgbClr val="000000"/>
+              </a:solidFill>
+              <a:uFill>
+                <a:solidFill>
+                  <a:srgbClr val="ffffff"/>
+                </a:solidFill>
+              </a:uFill>
+              <a:latin typeface="Arial"/>
+            </a:endParaRPr>
+          </a:p>
+          <a:p>
+            <a:pPr marL="432000" indent="-323640">
+              <a:lnSpc>
+                <a:spcPct val="100000"/>
+              </a:lnSpc>
               <a:buClr>
                 <a:srgbClr val="000000"/>
               </a:buClr>
@@ -2279,42 +3950,7 @@
               <a:buChar char=""/>
             </a:pPr>
             <a:r>
-              <a:rPr b="0" lang="fr-FR" sz="3200" spc="-1" strike="noStrike">
-                <a:solidFill>
-                  <a:srgbClr val="000000"/>
-                </a:solidFill>
-                <a:uFill>
-                  <a:solidFill>
-                    <a:srgbClr val="ffffff"/>
-                  </a:solidFill>
-                </a:uFill>
-                <a:latin typeface="Arial"/>
-              </a:rPr>
-              <a:t>Faiblement typée, typage dynamique</a:t>
-            </a:r>
-            <a:endParaRPr b="0" lang="fr-FR" sz="3200" spc="-1" strike="noStrike">
-              <a:solidFill>
-                <a:srgbClr val="000000"/>
-              </a:solidFill>
-              <a:uFill>
-                <a:solidFill>
-                  <a:srgbClr val="ffffff"/>
-                </a:solidFill>
-              </a:uFill>
-              <a:latin typeface="Arial"/>
-            </a:endParaRPr>
-          </a:p>
-          <a:p>
-            <a:pPr marL="432000" indent="-324000">
-              <a:buClr>
-                <a:srgbClr val="000000"/>
-              </a:buClr>
-              <a:buSzPct val="45000"/>
-              <a:buFont typeface="Wingdings" charset="2"/>
-              <a:buChar char=""/>
-            </a:pPr>
-            <a:r>
-              <a:rPr b="0" lang="fr-FR" sz="3200" spc="-1" strike="noStrike">
+              <a:rPr b="0" lang="en-US" sz="3200" spc="-1" strike="noStrike">
                 <a:solidFill>
                   <a:srgbClr val="000000"/>
                 </a:solidFill>
@@ -2327,20 +3963,23 @@
               </a:rPr>
               <a:t>Langage de script</a:t>
             </a:r>
-            <a:endParaRPr b="0" lang="fr-FR" sz="3200" spc="-1" strike="noStrike">
-              <a:solidFill>
-                <a:srgbClr val="000000"/>
-              </a:solidFill>
-              <a:uFill>
-                <a:solidFill>
-                  <a:srgbClr val="ffffff"/>
-                </a:solidFill>
-              </a:uFill>
-              <a:latin typeface="Arial"/>
-            </a:endParaRPr>
-          </a:p>
-          <a:p>
-            <a:pPr marL="432000" indent="-324000">
+            <a:endParaRPr b="0" lang="en-US" sz="1800" spc="-1" strike="noStrike">
+              <a:solidFill>
+                <a:srgbClr val="000000"/>
+              </a:solidFill>
+              <a:uFill>
+                <a:solidFill>
+                  <a:srgbClr val="ffffff"/>
+                </a:solidFill>
+              </a:uFill>
+              <a:latin typeface="Arial"/>
+            </a:endParaRPr>
+          </a:p>
+          <a:p>
+            <a:pPr marL="432000" indent="-323640">
+              <a:lnSpc>
+                <a:spcPct val="100000"/>
+              </a:lnSpc>
               <a:buClr>
                 <a:srgbClr val="000000"/>
               </a:buClr>
@@ -2349,7 +3988,7 @@
               <a:buChar char=""/>
             </a:pPr>
             <a:r>
-              <a:rPr b="0" lang="fr-FR" sz="3200" spc="-1" strike="noStrike">
+              <a:rPr b="0" lang="en-US" sz="3200" spc="-1" strike="noStrike">
                 <a:solidFill>
                   <a:srgbClr val="000000"/>
                 </a:solidFill>
@@ -2362,20 +4001,23 @@
               </a:rPr>
               <a:t>OO</a:t>
             </a:r>
-            <a:endParaRPr b="0" lang="fr-FR" sz="3200" spc="-1" strike="noStrike">
-              <a:solidFill>
-                <a:srgbClr val="000000"/>
-              </a:solidFill>
-              <a:uFill>
-                <a:solidFill>
-                  <a:srgbClr val="ffffff"/>
-                </a:solidFill>
-              </a:uFill>
-              <a:latin typeface="Arial"/>
-            </a:endParaRPr>
-          </a:p>
-          <a:p>
-            <a:pPr marL="432000" indent="-324000">
+            <a:endParaRPr b="0" lang="en-US" sz="1800" spc="-1" strike="noStrike">
+              <a:solidFill>
+                <a:srgbClr val="000000"/>
+              </a:solidFill>
+              <a:uFill>
+                <a:solidFill>
+                  <a:srgbClr val="ffffff"/>
+                </a:solidFill>
+              </a:uFill>
+              <a:latin typeface="Arial"/>
+            </a:endParaRPr>
+          </a:p>
+          <a:p>
+            <a:pPr marL="432000" indent="-323640">
+              <a:lnSpc>
+                <a:spcPct val="100000"/>
+              </a:lnSpc>
               <a:buClr>
                 <a:srgbClr val="000000"/>
               </a:buClr>
@@ -2384,7 +4026,7 @@
               <a:buChar char=""/>
             </a:pPr>
             <a:r>
-              <a:rPr b="0" lang="fr-FR" sz="3200" spc="-1" strike="noStrike">
+              <a:rPr b="0" lang="en-US" sz="3200" spc="-1" strike="noStrike">
                 <a:solidFill>
                   <a:srgbClr val="000000"/>
                 </a:solidFill>
@@ -2397,20 +4039,23 @@
               </a:rPr>
               <a:t>Fonctionnel</a:t>
             </a:r>
-            <a:endParaRPr b="0" lang="fr-FR" sz="3200" spc="-1" strike="noStrike">
-              <a:solidFill>
-                <a:srgbClr val="000000"/>
-              </a:solidFill>
-              <a:uFill>
-                <a:solidFill>
-                  <a:srgbClr val="ffffff"/>
-                </a:solidFill>
-              </a:uFill>
-              <a:latin typeface="Arial"/>
-            </a:endParaRPr>
-          </a:p>
-          <a:p>
-            <a:pPr marL="432000" indent="-324000">
+            <a:endParaRPr b="0" lang="en-US" sz="1800" spc="-1" strike="noStrike">
+              <a:solidFill>
+                <a:srgbClr val="000000"/>
+              </a:solidFill>
+              <a:uFill>
+                <a:solidFill>
+                  <a:srgbClr val="ffffff"/>
+                </a:solidFill>
+              </a:uFill>
+              <a:latin typeface="Arial"/>
+            </a:endParaRPr>
+          </a:p>
+          <a:p>
+            <a:pPr marL="432000" indent="-323640">
+              <a:lnSpc>
+                <a:spcPct val="100000"/>
+              </a:lnSpc>
               <a:buClr>
                 <a:srgbClr val="000000"/>
               </a:buClr>
@@ -2419,7 +4064,7 @@
               <a:buChar char=""/>
             </a:pPr>
             <a:r>
-              <a:rPr b="0" lang="fr-FR" sz="3200" spc="-1" strike="noStrike">
+              <a:rPr b="0" lang="en-US" sz="3200" spc="-1" strike="noStrike">
                 <a:solidFill>
                   <a:srgbClr val="000000"/>
                 </a:solidFill>
@@ -2432,7 +4077,7 @@
               </a:rPr>
               <a:t>Portable</a:t>
             </a:r>
-            <a:endParaRPr b="0" lang="fr-FR" sz="3200" spc="-1" strike="noStrike">
+            <a:endParaRPr b="0" lang="en-US" sz="1800" spc="-1" strike="noStrike">
               <a:solidFill>
                 <a:srgbClr val="000000"/>
               </a:solidFill>
@@ -2497,14 +4142,14 @@
       </p:grpSpPr>
       <p:sp>
         <p:nvSpPr>
-          <p:cNvPr id="43" name="TextShape 1"/>
-          <p:cNvSpPr txBox="1"/>
+          <p:cNvPr id="76" name="CustomShape 1"/>
+          <p:cNvSpPr/>
           <p:nvPr/>
         </p:nvSpPr>
         <p:spPr>
           <a:xfrm>
             <a:off x="504000" y="301320"/>
-            <a:ext cx="9071640" cy="1262160"/>
+            <a:ext cx="9071280" cy="1261800"/>
           </a:xfrm>
           <a:prstGeom prst="rect">
             <a:avLst/>
@@ -2514,10 +4159,19 @@
             <a:noFill/>
           </a:ln>
         </p:spPr>
+        <p:style>
+          <a:lnRef idx="0"/>
+          <a:fillRef idx="0"/>
+          <a:effectRef idx="0"/>
+          <a:fontRef idx="minor"/>
+        </p:style>
         <p:txBody>
           <a:bodyPr lIns="0" rIns="0" tIns="0" bIns="0" anchor="ctr"/>
           <a:p>
-            <a:pPr marL="216000" indent="-216000" algn="ctr">
+            <a:pPr marL="216000" indent="-215640" algn="ctr">
+              <a:lnSpc>
+                <a:spcPct val="100000"/>
+              </a:lnSpc>
               <a:buClr>
                 <a:srgbClr val="000000"/>
               </a:buClr>
@@ -2526,7 +4180,7 @@
               <a:buChar char=""/>
             </a:pPr>
             <a:r>
-              <a:rPr b="0" lang="fr-FR" sz="4400" spc="-1" strike="noStrike">
+              <a:rPr b="0" lang="en-US" sz="4400" spc="-1" strike="noStrike">
                 <a:solidFill>
                   <a:srgbClr val="000000"/>
                 </a:solidFill>
@@ -2539,30 +4193,30 @@
               </a:rPr>
               <a:t>Engines</a:t>
             </a:r>
-            <a:endParaRPr b="0" lang="fr-FR" sz="4400" spc="-1" strike="noStrike">
-              <a:solidFill>
-                <a:srgbClr val="000000"/>
-              </a:solidFill>
-              <a:uFill>
-                <a:solidFill>
-                  <a:srgbClr val="ffffff"/>
-                </a:solidFill>
-              </a:uFill>
-              <a:latin typeface="Arial"/>
-            </a:endParaRPr>
-          </a:p>
-        </p:txBody>
-      </p:sp>
-      <p:sp>
-        <p:nvSpPr>
-          <p:cNvPr id="44" name="TextShape 2"/>
-          <p:cNvSpPr txBox="1"/>
+            <a:endParaRPr b="0" lang="en-US" sz="1800" spc="-1" strike="noStrike">
+              <a:solidFill>
+                <a:srgbClr val="000000"/>
+              </a:solidFill>
+              <a:uFill>
+                <a:solidFill>
+                  <a:srgbClr val="ffffff"/>
+                </a:solidFill>
+              </a:uFill>
+              <a:latin typeface="Arial"/>
+            </a:endParaRPr>
+          </a:p>
+        </p:txBody>
+      </p:sp>
+      <p:sp>
+        <p:nvSpPr>
+          <p:cNvPr id="77" name="CustomShape 2"/>
+          <p:cNvSpPr/>
           <p:nvPr/>
         </p:nvSpPr>
         <p:spPr>
           <a:xfrm>
             <a:off x="504000" y="1769040"/>
-            <a:ext cx="9071640" cy="4384440"/>
+            <a:ext cx="9071280" cy="4384080"/>
           </a:xfrm>
           <a:prstGeom prst="rect">
             <a:avLst/>
@@ -2572,10 +4226,19 @@
             <a:noFill/>
           </a:ln>
         </p:spPr>
+        <p:style>
+          <a:lnRef idx="0"/>
+          <a:fillRef idx="0"/>
+          <a:effectRef idx="0"/>
+          <a:fontRef idx="minor"/>
+        </p:style>
         <p:txBody>
           <a:bodyPr lIns="0" rIns="0" tIns="0" bIns="0"/>
           <a:p>
-            <a:pPr marL="432000" indent="-324000">
+            <a:pPr marL="432000" indent="-323640">
+              <a:lnSpc>
+                <a:spcPct val="100000"/>
+              </a:lnSpc>
               <a:buClr>
                 <a:srgbClr val="000000"/>
               </a:buClr>
@@ -2584,7 +4247,7 @@
               <a:buChar char=""/>
             </a:pPr>
             <a:r>
-              <a:rPr b="0" lang="fr-FR" sz="3200" spc="-1" strike="noStrike">
+              <a:rPr b="0" lang="en-US" sz="3200" spc="-1" strike="noStrike">
                 <a:solidFill>
                   <a:srgbClr val="000000"/>
                 </a:solidFill>
@@ -2597,20 +4260,23 @@
               </a:rPr>
               <a:t>SpiderMonkey (netscape)</a:t>
             </a:r>
-            <a:endParaRPr b="0" lang="fr-FR" sz="3200" spc="-1" strike="noStrike">
-              <a:solidFill>
-                <a:srgbClr val="000000"/>
-              </a:solidFill>
-              <a:uFill>
-                <a:solidFill>
-                  <a:srgbClr val="ffffff"/>
-                </a:solidFill>
-              </a:uFill>
-              <a:latin typeface="Arial"/>
-            </a:endParaRPr>
-          </a:p>
-          <a:p>
-            <a:pPr marL="432000" indent="-324000">
+            <a:endParaRPr b="0" lang="en-US" sz="1800" spc="-1" strike="noStrike">
+              <a:solidFill>
+                <a:srgbClr val="000000"/>
+              </a:solidFill>
+              <a:uFill>
+                <a:solidFill>
+                  <a:srgbClr val="ffffff"/>
+                </a:solidFill>
+              </a:uFill>
+              <a:latin typeface="Arial"/>
+            </a:endParaRPr>
+          </a:p>
+          <a:p>
+            <a:pPr marL="432000" indent="-323640">
+              <a:lnSpc>
+                <a:spcPct val="100000"/>
+              </a:lnSpc>
               <a:buClr>
                 <a:srgbClr val="000000"/>
               </a:buClr>
@@ -2619,7 +4285,7 @@
               <a:buChar char=""/>
             </a:pPr>
             <a:r>
-              <a:rPr b="0" lang="fr-FR" sz="3200" spc="-1" strike="noStrike">
+              <a:rPr b="0" lang="en-US" sz="3200" spc="-1" strike="noStrike">
                 <a:solidFill>
                   <a:srgbClr val="000000"/>
                 </a:solidFill>
@@ -2632,20 +4298,23 @@
               </a:rPr>
               <a:t>V8 (nodejs, chrome)</a:t>
             </a:r>
-            <a:endParaRPr b="0" lang="fr-FR" sz="3200" spc="-1" strike="noStrike">
-              <a:solidFill>
-                <a:srgbClr val="000000"/>
-              </a:solidFill>
-              <a:uFill>
-                <a:solidFill>
-                  <a:srgbClr val="ffffff"/>
-                </a:solidFill>
-              </a:uFill>
-              <a:latin typeface="Arial"/>
-            </a:endParaRPr>
-          </a:p>
-          <a:p>
-            <a:pPr marL="432000" indent="-324000">
+            <a:endParaRPr b="0" lang="en-US" sz="1800" spc="-1" strike="noStrike">
+              <a:solidFill>
+                <a:srgbClr val="000000"/>
+              </a:solidFill>
+              <a:uFill>
+                <a:solidFill>
+                  <a:srgbClr val="ffffff"/>
+                </a:solidFill>
+              </a:uFill>
+              <a:latin typeface="Arial"/>
+            </a:endParaRPr>
+          </a:p>
+          <a:p>
+            <a:pPr marL="432000" indent="-323640">
+              <a:lnSpc>
+                <a:spcPct val="100000"/>
+              </a:lnSpc>
               <a:buClr>
                 <a:srgbClr val="000000"/>
               </a:buClr>
@@ -2654,7 +4323,7 @@
               <a:buChar char=""/>
             </a:pPr>
             <a:r>
-              <a:rPr b="0" lang="fr-FR" sz="3200" spc="-1" strike="noStrike">
+              <a:rPr b="0" lang="en-US" sz="3200" spc="-1" strike="noStrike">
                 <a:solidFill>
                   <a:srgbClr val="000000"/>
                 </a:solidFill>
@@ -2667,7 +4336,45 @@
               </a:rPr>
               <a:t>Chakra (IE et edge)</a:t>
             </a:r>
-            <a:endParaRPr b="0" lang="fr-FR" sz="3200" spc="-1" strike="noStrike">
+            <a:endParaRPr b="0" lang="en-US" sz="1800" spc="-1" strike="noStrike">
+              <a:solidFill>
+                <a:srgbClr val="000000"/>
+              </a:solidFill>
+              <a:uFill>
+                <a:solidFill>
+                  <a:srgbClr val="ffffff"/>
+                </a:solidFill>
+              </a:uFill>
+              <a:latin typeface="Arial"/>
+            </a:endParaRPr>
+          </a:p>
+          <a:p>
+            <a:pPr marL="432000" indent="-323640">
+              <a:lnSpc>
+                <a:spcPct val="100000"/>
+              </a:lnSpc>
+              <a:buClr>
+                <a:srgbClr val="000000"/>
+              </a:buClr>
+              <a:buSzPct val="45000"/>
+              <a:buFont typeface="Wingdings" charset="2"/>
+              <a:buChar char=""/>
+            </a:pPr>
+            <a:r>
+              <a:rPr b="0" lang="en-US" sz="3200" spc="-1" strike="noStrike">
+                <a:solidFill>
+                  <a:srgbClr val="000000"/>
+                </a:solidFill>
+                <a:uFill>
+                  <a:solidFill>
+                    <a:srgbClr val="ffffff"/>
+                  </a:solidFill>
+                </a:uFill>
+                <a:latin typeface="Arial"/>
+              </a:rPr>
+              <a:t>Nashorn (JVM)</a:t>
+            </a:r>
+            <a:endParaRPr b="0" lang="en-US" sz="1800" spc="-1" strike="noStrike">
               <a:solidFill>
                 <a:srgbClr val="000000"/>
               </a:solidFill>
@@ -2732,14 +4439,14 @@
       </p:grpSpPr>
       <p:sp>
         <p:nvSpPr>
-          <p:cNvPr id="45" name="TextShape 1"/>
-          <p:cNvSpPr txBox="1"/>
+          <p:cNvPr id="78" name="CustomShape 1"/>
+          <p:cNvSpPr/>
           <p:nvPr/>
         </p:nvSpPr>
         <p:spPr>
           <a:xfrm>
             <a:off x="504000" y="301320"/>
-            <a:ext cx="9071640" cy="1262160"/>
+            <a:ext cx="9071280" cy="1261800"/>
           </a:xfrm>
           <a:prstGeom prst="rect">
             <a:avLst/>
@@ -2749,10 +4456,19 @@
             <a:noFill/>
           </a:ln>
         </p:spPr>
+        <p:style>
+          <a:lnRef idx="0"/>
+          <a:fillRef idx="0"/>
+          <a:effectRef idx="0"/>
+          <a:fontRef idx="minor"/>
+        </p:style>
         <p:txBody>
           <a:bodyPr lIns="0" rIns="0" tIns="0" bIns="0" anchor="ctr"/>
           <a:p>
-            <a:pPr marL="216000" indent="-216000" algn="ctr">
+            <a:pPr marL="216000" indent="-215640" algn="ctr">
+              <a:lnSpc>
+                <a:spcPct val="100000"/>
+              </a:lnSpc>
               <a:buClr>
                 <a:srgbClr val="000000"/>
               </a:buClr>
@@ -2761,7 +4477,7 @@
               <a:buChar char=""/>
             </a:pPr>
             <a:r>
-              <a:rPr b="0" lang="fr-FR" sz="4400" spc="-1" strike="noStrike">
+              <a:rPr b="0" lang="en-US" sz="4400" spc="-1" strike="noStrike">
                 <a:solidFill>
                   <a:srgbClr val="000000"/>
                 </a:solidFill>
@@ -2774,30 +4490,30 @@
               </a:rPr>
               <a:t>Runtime environments</a:t>
             </a:r>
-            <a:endParaRPr b="0" lang="fr-FR" sz="4400" spc="-1" strike="noStrike">
-              <a:solidFill>
-                <a:srgbClr val="000000"/>
-              </a:solidFill>
-              <a:uFill>
-                <a:solidFill>
-                  <a:srgbClr val="ffffff"/>
-                </a:solidFill>
-              </a:uFill>
-              <a:latin typeface="Arial"/>
-            </a:endParaRPr>
-          </a:p>
-        </p:txBody>
-      </p:sp>
-      <p:sp>
-        <p:nvSpPr>
-          <p:cNvPr id="46" name="TextShape 2"/>
-          <p:cNvSpPr txBox="1"/>
+            <a:endParaRPr b="0" lang="en-US" sz="1800" spc="-1" strike="noStrike">
+              <a:solidFill>
+                <a:srgbClr val="000000"/>
+              </a:solidFill>
+              <a:uFill>
+                <a:solidFill>
+                  <a:srgbClr val="ffffff"/>
+                </a:solidFill>
+              </a:uFill>
+              <a:latin typeface="Arial"/>
+            </a:endParaRPr>
+          </a:p>
+        </p:txBody>
+      </p:sp>
+      <p:sp>
+        <p:nvSpPr>
+          <p:cNvPr id="79" name="CustomShape 2"/>
+          <p:cNvSpPr/>
           <p:nvPr/>
         </p:nvSpPr>
         <p:spPr>
           <a:xfrm>
             <a:off x="504000" y="1769040"/>
-            <a:ext cx="9071640" cy="4384440"/>
+            <a:ext cx="9071280" cy="4384080"/>
           </a:xfrm>
           <a:prstGeom prst="rect">
             <a:avLst/>
@@ -2807,10 +4523,19 @@
             <a:noFill/>
           </a:ln>
         </p:spPr>
+        <p:style>
+          <a:lnRef idx="0"/>
+          <a:fillRef idx="0"/>
+          <a:effectRef idx="0"/>
+          <a:fontRef idx="minor"/>
+        </p:style>
         <p:txBody>
           <a:bodyPr lIns="0" rIns="0" tIns="0" bIns="0"/>
           <a:p>
-            <a:pPr marL="432000" indent="-324000">
+            <a:pPr marL="432000" indent="-323640">
+              <a:lnSpc>
+                <a:spcPct val="100000"/>
+              </a:lnSpc>
               <a:buClr>
                 <a:srgbClr val="000000"/>
               </a:buClr>
@@ -2819,7 +4544,7 @@
               <a:buChar char=""/>
             </a:pPr>
             <a:r>
-              <a:rPr b="0" lang="fr-FR" sz="3200" spc="-1" strike="noStrike">
+              <a:rPr b="0" lang="en-US" sz="3200" spc="-1" strike="noStrike">
                 <a:solidFill>
                   <a:srgbClr val="000000"/>
                 </a:solidFill>
@@ -2832,20 +4557,23 @@
               </a:rPr>
               <a:t>Browser (document, window)</a:t>
             </a:r>
-            <a:endParaRPr b="0" lang="fr-FR" sz="3200" spc="-1" strike="noStrike">
-              <a:solidFill>
-                <a:srgbClr val="000000"/>
-              </a:solidFill>
-              <a:uFill>
-                <a:solidFill>
-                  <a:srgbClr val="ffffff"/>
-                </a:solidFill>
-              </a:uFill>
-              <a:latin typeface="Arial"/>
-            </a:endParaRPr>
-          </a:p>
-          <a:p>
-            <a:pPr marL="432000" indent="-324000">
+            <a:endParaRPr b="0" lang="en-US" sz="1800" spc="-1" strike="noStrike">
+              <a:solidFill>
+                <a:srgbClr val="000000"/>
+              </a:solidFill>
+              <a:uFill>
+                <a:solidFill>
+                  <a:srgbClr val="ffffff"/>
+                </a:solidFill>
+              </a:uFill>
+              <a:latin typeface="Arial"/>
+            </a:endParaRPr>
+          </a:p>
+          <a:p>
+            <a:pPr marL="432000" indent="-323640">
+              <a:lnSpc>
+                <a:spcPct val="100000"/>
+              </a:lnSpc>
               <a:buClr>
                 <a:srgbClr val="000000"/>
               </a:buClr>
@@ -2854,7 +4582,7 @@
               <a:buChar char=""/>
             </a:pPr>
             <a:r>
-              <a:rPr b="0" lang="fr-FR" sz="3200" spc="-1" strike="noStrike">
+              <a:rPr b="0" lang="en-US" sz="3200" spc="-1" strike="noStrike">
                 <a:solidFill>
                   <a:srgbClr val="000000"/>
                 </a:solidFill>
@@ -2867,7 +4595,45 @@
               </a:rPr>
               <a:t>Nodejs (core modules)</a:t>
             </a:r>
-            <a:endParaRPr b="0" lang="fr-FR" sz="3200" spc="-1" strike="noStrike">
+            <a:endParaRPr b="0" lang="en-US" sz="1800" spc="-1" strike="noStrike">
+              <a:solidFill>
+                <a:srgbClr val="000000"/>
+              </a:solidFill>
+              <a:uFill>
+                <a:solidFill>
+                  <a:srgbClr val="ffffff"/>
+                </a:solidFill>
+              </a:uFill>
+              <a:latin typeface="Arial"/>
+            </a:endParaRPr>
+          </a:p>
+          <a:p>
+            <a:pPr marL="432000" indent="-323640">
+              <a:lnSpc>
+                <a:spcPct val="100000"/>
+              </a:lnSpc>
+              <a:buClr>
+                <a:srgbClr val="000000"/>
+              </a:buClr>
+              <a:buSzPct val="45000"/>
+              <a:buFont typeface="Wingdings" charset="2"/>
+              <a:buChar char=""/>
+            </a:pPr>
+            <a:r>
+              <a:rPr b="0" lang="en-US" sz="3200" spc="-1" strike="noStrike">
+                <a:solidFill>
+                  <a:srgbClr val="000000"/>
+                </a:solidFill>
+                <a:uFill>
+                  <a:solidFill>
+                    <a:srgbClr val="ffffff"/>
+                  </a:solidFill>
+                </a:uFill>
+                <a:latin typeface="Arial"/>
+              </a:rPr>
+              <a:t>JVM</a:t>
+            </a:r>
+            <a:endParaRPr b="0" lang="en-US" sz="1800" spc="-1" strike="noStrike">
               <a:solidFill>
                 <a:srgbClr val="000000"/>
               </a:solidFill>
@@ -2932,14 +4698,14 @@
       </p:grpSpPr>
       <p:sp>
         <p:nvSpPr>
-          <p:cNvPr id="47" name="TextShape 1"/>
-          <p:cNvSpPr txBox="1"/>
+          <p:cNvPr id="80" name="CustomShape 1"/>
+          <p:cNvSpPr/>
           <p:nvPr/>
         </p:nvSpPr>
         <p:spPr>
           <a:xfrm>
             <a:off x="504000" y="301320"/>
-            <a:ext cx="9071640" cy="1262160"/>
+            <a:ext cx="9071280" cy="1261800"/>
           </a:xfrm>
           <a:prstGeom prst="rect">
             <a:avLst/>
@@ -2949,10 +4715,19 @@
             <a:noFill/>
           </a:ln>
         </p:spPr>
+        <p:style>
+          <a:lnRef idx="0"/>
+          <a:fillRef idx="0"/>
+          <a:effectRef idx="0"/>
+          <a:fontRef idx="minor"/>
+        </p:style>
         <p:txBody>
           <a:bodyPr lIns="0" rIns="0" tIns="0" bIns="0" anchor="ctr"/>
           <a:p>
-            <a:pPr marL="216000" indent="-216000" algn="ctr">
+            <a:pPr marL="216000" indent="-215640" algn="ctr">
+              <a:lnSpc>
+                <a:spcPct val="100000"/>
+              </a:lnSpc>
               <a:buClr>
                 <a:srgbClr val="000000"/>
               </a:buClr>
@@ -2961,7 +4736,7 @@
               <a:buChar char=""/>
             </a:pPr>
             <a:r>
-              <a:rPr b="0" lang="fr-FR" sz="4400" spc="-1" strike="noStrike">
+              <a:rPr b="0" lang="en-US" sz="4400" spc="-1" strike="noStrike">
                 <a:solidFill>
                   <a:srgbClr val="000000"/>
                 </a:solidFill>
@@ -2974,30 +4749,30 @@
               </a:rPr>
               <a:t>Histoire</a:t>
             </a:r>
-            <a:endParaRPr b="0" lang="fr-FR" sz="4400" spc="-1" strike="noStrike">
-              <a:solidFill>
-                <a:srgbClr val="000000"/>
-              </a:solidFill>
-              <a:uFill>
-                <a:solidFill>
-                  <a:srgbClr val="ffffff"/>
-                </a:solidFill>
-              </a:uFill>
-              <a:latin typeface="Arial"/>
-            </a:endParaRPr>
-          </a:p>
-        </p:txBody>
-      </p:sp>
-      <p:sp>
-        <p:nvSpPr>
-          <p:cNvPr id="48" name="TextShape 2"/>
-          <p:cNvSpPr txBox="1"/>
+            <a:endParaRPr b="0" lang="en-US" sz="1800" spc="-1" strike="noStrike">
+              <a:solidFill>
+                <a:srgbClr val="000000"/>
+              </a:solidFill>
+              <a:uFill>
+                <a:solidFill>
+                  <a:srgbClr val="ffffff"/>
+                </a:solidFill>
+              </a:uFill>
+              <a:latin typeface="Arial"/>
+            </a:endParaRPr>
+          </a:p>
+        </p:txBody>
+      </p:sp>
+      <p:sp>
+        <p:nvSpPr>
+          <p:cNvPr id="81" name="CustomShape 2"/>
+          <p:cNvSpPr/>
           <p:nvPr/>
         </p:nvSpPr>
         <p:spPr>
           <a:xfrm>
             <a:off x="504000" y="1769040"/>
-            <a:ext cx="9071640" cy="4384440"/>
+            <a:ext cx="9071280" cy="4384080"/>
           </a:xfrm>
           <a:prstGeom prst="rect">
             <a:avLst/>
@@ -3007,10 +4782,19 @@
             <a:noFill/>
           </a:ln>
         </p:spPr>
+        <p:style>
+          <a:lnRef idx="0"/>
+          <a:fillRef idx="0"/>
+          <a:effectRef idx="0"/>
+          <a:fontRef idx="minor"/>
+        </p:style>
         <p:txBody>
           <a:bodyPr lIns="0" rIns="0" tIns="0" bIns="0"/>
           <a:p>
-            <a:pPr marL="432000" indent="-324000">
+            <a:pPr marL="432000" indent="-323640">
+              <a:lnSpc>
+                <a:spcPct val="100000"/>
+              </a:lnSpc>
               <a:buClr>
                 <a:srgbClr val="000000"/>
               </a:buClr>
@@ -3019,7 +4803,7 @@
               <a:buChar char=""/>
             </a:pPr>
             <a:r>
-              <a:rPr b="0" lang="fr-FR" sz="3200" spc="-1" strike="noStrike">
+              <a:rPr b="0" lang="en-US" sz="3200" spc="-1" strike="noStrike">
                 <a:solidFill>
                   <a:srgbClr val="000000"/>
                 </a:solidFill>
@@ -3032,20 +4816,23 @@
               </a:rPr>
               <a:t>1994 : Netscape (javascript)</a:t>
             </a:r>
-            <a:endParaRPr b="0" lang="fr-FR" sz="3200" spc="-1" strike="noStrike">
-              <a:solidFill>
-                <a:srgbClr val="000000"/>
-              </a:solidFill>
-              <a:uFill>
-                <a:solidFill>
-                  <a:srgbClr val="ffffff"/>
-                </a:solidFill>
-              </a:uFill>
-              <a:latin typeface="Arial"/>
-            </a:endParaRPr>
-          </a:p>
-          <a:p>
-            <a:pPr marL="432000" indent="-324000">
+            <a:endParaRPr b="0" lang="en-US" sz="1800" spc="-1" strike="noStrike">
+              <a:solidFill>
+                <a:srgbClr val="000000"/>
+              </a:solidFill>
+              <a:uFill>
+                <a:solidFill>
+                  <a:srgbClr val="ffffff"/>
+                </a:solidFill>
+              </a:uFill>
+              <a:latin typeface="Arial"/>
+            </a:endParaRPr>
+          </a:p>
+          <a:p>
+            <a:pPr marL="432000" indent="-323640">
+              <a:lnSpc>
+                <a:spcPct val="100000"/>
+              </a:lnSpc>
               <a:buClr>
                 <a:srgbClr val="000000"/>
               </a:buClr>
@@ -3054,7 +4841,7 @@
               <a:buChar char=""/>
             </a:pPr>
             <a:r>
-              <a:rPr b="0" lang="fr-FR" sz="3200" spc="-1" strike="noStrike">
+              <a:rPr b="0" lang="en-US" sz="3200" spc="-1" strike="noStrike">
                 <a:solidFill>
                   <a:srgbClr val="000000"/>
                 </a:solidFill>
@@ -3067,20 +4854,23 @@
               </a:rPr>
               <a:t>1995 : Internet explorer (Jscript)</a:t>
             </a:r>
-            <a:endParaRPr b="0" lang="fr-FR" sz="3200" spc="-1" strike="noStrike">
-              <a:solidFill>
-                <a:srgbClr val="000000"/>
-              </a:solidFill>
-              <a:uFill>
-                <a:solidFill>
-                  <a:srgbClr val="ffffff"/>
-                </a:solidFill>
-              </a:uFill>
-              <a:latin typeface="Arial"/>
-            </a:endParaRPr>
-          </a:p>
-          <a:p>
-            <a:pPr marL="432000" indent="-324000">
+            <a:endParaRPr b="0" lang="en-US" sz="1800" spc="-1" strike="noStrike">
+              <a:solidFill>
+                <a:srgbClr val="000000"/>
+              </a:solidFill>
+              <a:uFill>
+                <a:solidFill>
+                  <a:srgbClr val="ffffff"/>
+                </a:solidFill>
+              </a:uFill>
+              <a:latin typeface="Arial"/>
+            </a:endParaRPr>
+          </a:p>
+          <a:p>
+            <a:pPr marL="432000" indent="-323640">
+              <a:lnSpc>
+                <a:spcPct val="100000"/>
+              </a:lnSpc>
               <a:buClr>
                 <a:srgbClr val="000000"/>
               </a:buClr>
@@ -3089,7 +4879,7 @@
               <a:buChar char=""/>
             </a:pPr>
             <a:r>
-              <a:rPr b="0" lang="fr-FR" sz="3200" spc="-1" strike="noStrike">
+              <a:rPr b="0" lang="en-US" sz="3200" spc="-1" strike="noStrike">
                 <a:solidFill>
                   <a:srgbClr val="000000"/>
                 </a:solidFill>
@@ -3102,20 +4892,23 @@
               </a:rPr>
               <a:t>1997 : Ecmascript standardisé (javascript)</a:t>
             </a:r>
-            <a:endParaRPr b="0" lang="fr-FR" sz="3200" spc="-1" strike="noStrike">
-              <a:solidFill>
-                <a:srgbClr val="000000"/>
-              </a:solidFill>
-              <a:uFill>
-                <a:solidFill>
-                  <a:srgbClr val="ffffff"/>
-                </a:solidFill>
-              </a:uFill>
-              <a:latin typeface="Arial"/>
-            </a:endParaRPr>
-          </a:p>
-          <a:p>
-            <a:pPr marL="432000" indent="-324000">
+            <a:endParaRPr b="0" lang="en-US" sz="1800" spc="-1" strike="noStrike">
+              <a:solidFill>
+                <a:srgbClr val="000000"/>
+              </a:solidFill>
+              <a:uFill>
+                <a:solidFill>
+                  <a:srgbClr val="ffffff"/>
+                </a:solidFill>
+              </a:uFill>
+              <a:latin typeface="Arial"/>
+            </a:endParaRPr>
+          </a:p>
+          <a:p>
+            <a:pPr marL="432000" indent="-323640">
+              <a:lnSpc>
+                <a:spcPct val="100000"/>
+              </a:lnSpc>
               <a:buClr>
                 <a:srgbClr val="000000"/>
               </a:buClr>
@@ -3124,7 +4917,7 @@
               <a:buChar char=""/>
             </a:pPr>
             <a:r>
-              <a:rPr b="0" lang="fr-FR" sz="3200" spc="-1" strike="noStrike">
+              <a:rPr b="0" lang="en-US" sz="3200" spc="-1" strike="noStrike">
                 <a:solidFill>
                   <a:srgbClr val="000000"/>
                 </a:solidFill>
@@ -3137,20 +4930,23 @@
               </a:rPr>
               <a:t>2008 : Google V8</a:t>
             </a:r>
-            <a:endParaRPr b="0" lang="fr-FR" sz="3200" spc="-1" strike="noStrike">
-              <a:solidFill>
-                <a:srgbClr val="000000"/>
-              </a:solidFill>
-              <a:uFill>
-                <a:solidFill>
-                  <a:srgbClr val="ffffff"/>
-                </a:solidFill>
-              </a:uFill>
-              <a:latin typeface="Arial"/>
-            </a:endParaRPr>
-          </a:p>
-          <a:p>
-            <a:pPr marL="432000" indent="-324000">
+            <a:endParaRPr b="0" lang="en-US" sz="1800" spc="-1" strike="noStrike">
+              <a:solidFill>
+                <a:srgbClr val="000000"/>
+              </a:solidFill>
+              <a:uFill>
+                <a:solidFill>
+                  <a:srgbClr val="ffffff"/>
+                </a:solidFill>
+              </a:uFill>
+              <a:latin typeface="Arial"/>
+            </a:endParaRPr>
+          </a:p>
+          <a:p>
+            <a:pPr marL="432000" indent="-323640">
+              <a:lnSpc>
+                <a:spcPct val="100000"/>
+              </a:lnSpc>
               <a:buClr>
                 <a:srgbClr val="000000"/>
               </a:buClr>
@@ -3159,7 +4955,7 @@
               <a:buChar char=""/>
             </a:pPr>
             <a:r>
-              <a:rPr b="0" lang="fr-FR" sz="3200" spc="-1" strike="noStrike">
+              <a:rPr b="0" lang="en-US" sz="3200" spc="-1" strike="noStrike">
                 <a:solidFill>
                   <a:srgbClr val="000000"/>
                 </a:solidFill>
@@ -3172,20 +4968,23 @@
               </a:rPr>
               <a:t>2009 : Ecmascript 5 (part of HTML 5)</a:t>
             </a:r>
-            <a:endParaRPr b="0" lang="fr-FR" sz="3200" spc="-1" strike="noStrike">
-              <a:solidFill>
-                <a:srgbClr val="000000"/>
-              </a:solidFill>
-              <a:uFill>
-                <a:solidFill>
-                  <a:srgbClr val="ffffff"/>
-                </a:solidFill>
-              </a:uFill>
-              <a:latin typeface="Arial"/>
-            </a:endParaRPr>
-          </a:p>
-          <a:p>
-            <a:pPr marL="432000" indent="-324000">
+            <a:endParaRPr b="0" lang="en-US" sz="1800" spc="-1" strike="noStrike">
+              <a:solidFill>
+                <a:srgbClr val="000000"/>
+              </a:solidFill>
+              <a:uFill>
+                <a:solidFill>
+                  <a:srgbClr val="ffffff"/>
+                </a:solidFill>
+              </a:uFill>
+              <a:latin typeface="Arial"/>
+            </a:endParaRPr>
+          </a:p>
+          <a:p>
+            <a:pPr marL="432000" indent="-323640">
+              <a:lnSpc>
+                <a:spcPct val="100000"/>
+              </a:lnSpc>
               <a:buClr>
                 <a:srgbClr val="000000"/>
               </a:buClr>
@@ -3194,7 +4993,7 @@
               <a:buChar char=""/>
             </a:pPr>
             <a:r>
-              <a:rPr b="0" lang="fr-FR" sz="3200" spc="-1" strike="noStrike">
+              <a:rPr b="0" lang="en-US" sz="3200" spc="-1" strike="noStrike">
                 <a:solidFill>
                   <a:srgbClr val="000000"/>
                 </a:solidFill>
@@ -3207,7 +5006,7 @@
               </a:rPr>
               <a:t>2015 : Ecmascript 2015 (6)</a:t>
             </a:r>
-            <a:endParaRPr b="0" lang="fr-FR" sz="3200" spc="-1" strike="noStrike">
+            <a:endParaRPr b="0" lang="en-US" sz="1800" spc="-1" strike="noStrike">
               <a:solidFill>
                 <a:srgbClr val="000000"/>
               </a:solidFill>
@@ -3272,14 +5071,14 @@
       </p:grpSpPr>
       <p:sp>
         <p:nvSpPr>
-          <p:cNvPr id="49" name="TextShape 1"/>
-          <p:cNvSpPr txBox="1"/>
+          <p:cNvPr id="82" name="CustomShape 1"/>
+          <p:cNvSpPr/>
           <p:nvPr/>
         </p:nvSpPr>
         <p:spPr>
           <a:xfrm>
             <a:off x="504000" y="301320"/>
-            <a:ext cx="9071640" cy="1262160"/>
+            <a:ext cx="9071280" cy="1261800"/>
           </a:xfrm>
           <a:prstGeom prst="rect">
             <a:avLst/>
@@ -3289,12 +5088,22 @@
             <a:noFill/>
           </a:ln>
         </p:spPr>
+        <p:style>
+          <a:lnRef idx="0"/>
+          <a:fillRef idx="0"/>
+          <a:effectRef idx="0"/>
+          <a:fontRef idx="minor"/>
+        </p:style>
         <p:txBody>
           <a:bodyPr lIns="0" rIns="0" tIns="0" bIns="0" anchor="ctr"/>
           <a:p>
-            <a:pPr algn="ctr"/>
+            <a:pPr algn="ctr">
+              <a:lnSpc>
+                <a:spcPct val="100000"/>
+              </a:lnSpc>
+            </a:pPr>
             <a:r>
-              <a:rPr b="0" lang="fr-FR" sz="4400" spc="-1" strike="noStrike">
+              <a:rPr b="0" lang="en-US" sz="4400" spc="-1" strike="noStrike">
                 <a:solidFill>
                   <a:srgbClr val="000000"/>
                 </a:solidFill>
@@ -3305,32 +5114,32 @@
                 </a:uFill>
                 <a:latin typeface="Arial"/>
               </a:rPr>
-              <a:t>Execution</a:t>
+              <a:t>Execution modes</a:t>
             </a:r>
-            <a:endParaRPr b="0" lang="fr-FR" sz="4400" spc="-1" strike="noStrike">
-              <a:solidFill>
-                <a:srgbClr val="000000"/>
-              </a:solidFill>
-              <a:uFill>
-                <a:solidFill>
-                  <a:srgbClr val="ffffff"/>
-                </a:solidFill>
-              </a:uFill>
-              <a:latin typeface="Arial"/>
-            </a:endParaRPr>
-          </a:p>
-        </p:txBody>
-      </p:sp>
-      <p:sp>
-        <p:nvSpPr>
-          <p:cNvPr id="50" name="TextShape 2"/>
-          <p:cNvSpPr txBox="1"/>
+            <a:endParaRPr b="0" lang="en-US" sz="1800" spc="-1" strike="noStrike">
+              <a:solidFill>
+                <a:srgbClr val="000000"/>
+              </a:solidFill>
+              <a:uFill>
+                <a:solidFill>
+                  <a:srgbClr val="ffffff"/>
+                </a:solidFill>
+              </a:uFill>
+              <a:latin typeface="Arial"/>
+            </a:endParaRPr>
+          </a:p>
+        </p:txBody>
+      </p:sp>
+      <p:sp>
+        <p:nvSpPr>
+          <p:cNvPr id="83" name="CustomShape 2"/>
+          <p:cNvSpPr/>
           <p:nvPr/>
         </p:nvSpPr>
         <p:spPr>
           <a:xfrm>
             <a:off x="504000" y="1769040"/>
-            <a:ext cx="9071640" cy="4384440"/>
+            <a:ext cx="9071280" cy="4384080"/>
           </a:xfrm>
           <a:prstGeom prst="rect">
             <a:avLst/>
@@ -3340,10 +5149,19 @@
             <a:noFill/>
           </a:ln>
         </p:spPr>
+        <p:style>
+          <a:lnRef idx="0"/>
+          <a:fillRef idx="0"/>
+          <a:effectRef idx="0"/>
+          <a:fontRef idx="minor"/>
+        </p:style>
         <p:txBody>
           <a:bodyPr lIns="0" rIns="0" tIns="0" bIns="0"/>
           <a:p>
-            <a:pPr marL="432000" indent="-324000">
+            <a:pPr marL="432000" indent="-323640">
+              <a:lnSpc>
+                <a:spcPct val="100000"/>
+              </a:lnSpc>
               <a:buClr>
                 <a:srgbClr val="000000"/>
               </a:buClr>
@@ -3352,7 +5170,7 @@
               <a:buChar char=""/>
             </a:pPr>
             <a:r>
-              <a:rPr b="0" lang="fr-FR" sz="3200" spc="-1" strike="noStrike">
+              <a:rPr b="0" lang="en-US" sz="3200" spc="-1" strike="noStrike">
                 <a:solidFill>
                   <a:srgbClr val="000000"/>
                 </a:solidFill>
@@ -3365,20 +5183,23 @@
               </a:rPr>
               <a:t>Interpreter (SpiderMonkey)</a:t>
             </a:r>
-            <a:endParaRPr b="0" lang="fr-FR" sz="3200" spc="-1" strike="noStrike">
-              <a:solidFill>
-                <a:srgbClr val="000000"/>
-              </a:solidFill>
-              <a:uFill>
-                <a:solidFill>
-                  <a:srgbClr val="ffffff"/>
-                </a:solidFill>
-              </a:uFill>
-              <a:latin typeface="Arial"/>
-            </a:endParaRPr>
-          </a:p>
-          <a:p>
-            <a:pPr marL="432000" indent="-324000">
+            <a:endParaRPr b="0" lang="en-US" sz="1800" spc="-1" strike="noStrike">
+              <a:solidFill>
+                <a:srgbClr val="000000"/>
+              </a:solidFill>
+              <a:uFill>
+                <a:solidFill>
+                  <a:srgbClr val="ffffff"/>
+                </a:solidFill>
+              </a:uFill>
+              <a:latin typeface="Arial"/>
+            </a:endParaRPr>
+          </a:p>
+          <a:p>
+            <a:pPr marL="432000" indent="-323640">
+              <a:lnSpc>
+                <a:spcPct val="100000"/>
+              </a:lnSpc>
               <a:buClr>
                 <a:srgbClr val="000000"/>
               </a:buClr>
@@ -3387,7 +5208,7 @@
               <a:buChar char=""/>
             </a:pPr>
             <a:r>
-              <a:rPr b="0" lang="fr-FR" sz="3200" spc="-1" strike="noStrike">
+              <a:rPr b="0" lang="en-US" sz="3200" spc="-1" strike="noStrike">
                 <a:solidFill>
                   <a:srgbClr val="000000"/>
                 </a:solidFill>
@@ -3400,42 +5221,7 @@
               </a:rPr>
               <a:t>JIT : Script =&gt; Bytecode =&gt; Machine code</a:t>
             </a:r>
-            <a:endParaRPr b="0" lang="fr-FR" sz="3200" spc="-1" strike="noStrike">
-              <a:solidFill>
-                <a:srgbClr val="000000"/>
-              </a:solidFill>
-              <a:uFill>
-                <a:solidFill>
-                  <a:srgbClr val="ffffff"/>
-                </a:solidFill>
-              </a:uFill>
-              <a:latin typeface="Arial"/>
-            </a:endParaRPr>
-          </a:p>
-          <a:p>
-            <a:pPr lvl="1" marL="864000" indent="-324000">
-              <a:buClr>
-                <a:srgbClr val="000000"/>
-              </a:buClr>
-              <a:buSzPct val="75000"/>
-              <a:buFont typeface="Symbol" charset="2"/>
-              <a:buChar char=""/>
-            </a:pPr>
-            <a:r>
-              <a:rPr b="0" lang="fr-FR" sz="2800" spc="-1" strike="noStrike">
-                <a:solidFill>
-                  <a:srgbClr val="000000"/>
-                </a:solidFill>
-                <a:uFill>
-                  <a:solidFill>
-                    <a:srgbClr val="ffffff"/>
-                  </a:solidFill>
-                </a:uFill>
-                <a:latin typeface="Arial"/>
-              </a:rPr>
-              <a:t> </a:t>
-            </a:r>
-            <a:endParaRPr b="0" lang="fr-FR" sz="2800" spc="-1" strike="noStrike">
+            <a:endParaRPr b="0" lang="en-US" sz="1800" spc="-1" strike="noStrike">
               <a:solidFill>
                 <a:srgbClr val="000000"/>
               </a:solidFill>
@@ -3500,14 +5286,14 @@
       </p:grpSpPr>
       <p:sp>
         <p:nvSpPr>
-          <p:cNvPr id="51" name="TextShape 1"/>
-          <p:cNvSpPr txBox="1"/>
+          <p:cNvPr id="84" name="CustomShape 1"/>
+          <p:cNvSpPr/>
           <p:nvPr/>
         </p:nvSpPr>
         <p:spPr>
           <a:xfrm>
             <a:off x="504000" y="301320"/>
-            <a:ext cx="9071640" cy="1262160"/>
+            <a:ext cx="9071280" cy="1261800"/>
           </a:xfrm>
           <a:prstGeom prst="rect">
             <a:avLst/>
@@ -3517,12 +5303,22 @@
             <a:noFill/>
           </a:ln>
         </p:spPr>
+        <p:style>
+          <a:lnRef idx="0"/>
+          <a:fillRef idx="0"/>
+          <a:effectRef idx="0"/>
+          <a:fontRef idx="minor"/>
+        </p:style>
         <p:txBody>
           <a:bodyPr lIns="0" rIns="0" tIns="0" bIns="0" anchor="ctr"/>
           <a:p>
-            <a:pPr algn="ctr"/>
+            <a:pPr algn="ctr">
+              <a:lnSpc>
+                <a:spcPct val="100000"/>
+              </a:lnSpc>
+            </a:pPr>
             <a:r>
-              <a:rPr b="0" lang="fr-FR" sz="4400" spc="-1" strike="noStrike">
+              <a:rPr b="0" lang="en-US" sz="4400" spc="-1" strike="noStrike">
                 <a:solidFill>
                   <a:srgbClr val="000000"/>
                 </a:solidFill>
@@ -3533,32 +5329,32 @@
                 </a:uFill>
                 <a:latin typeface="Arial"/>
               </a:rPr>
-              <a:t>Fichiers sources</a:t>
+              <a:t>Controverse</a:t>
             </a:r>
-            <a:endParaRPr b="0" lang="fr-FR" sz="4400" spc="-1" strike="noStrike">
-              <a:solidFill>
-                <a:srgbClr val="000000"/>
-              </a:solidFill>
-              <a:uFill>
-                <a:solidFill>
-                  <a:srgbClr val="ffffff"/>
-                </a:solidFill>
-              </a:uFill>
-              <a:latin typeface="Arial"/>
-            </a:endParaRPr>
-          </a:p>
-        </p:txBody>
-      </p:sp>
-      <p:sp>
-        <p:nvSpPr>
-          <p:cNvPr id="52" name="TextShape 2"/>
-          <p:cNvSpPr txBox="1"/>
+            <a:endParaRPr b="0" lang="en-US" sz="1800" spc="-1" strike="noStrike">
+              <a:solidFill>
+                <a:srgbClr val="000000"/>
+              </a:solidFill>
+              <a:uFill>
+                <a:solidFill>
+                  <a:srgbClr val="ffffff"/>
+                </a:solidFill>
+              </a:uFill>
+              <a:latin typeface="Arial"/>
+            </a:endParaRPr>
+          </a:p>
+        </p:txBody>
+      </p:sp>
+      <p:sp>
+        <p:nvSpPr>
+          <p:cNvPr id="85" name="CustomShape 2"/>
+          <p:cNvSpPr/>
           <p:nvPr/>
         </p:nvSpPr>
         <p:spPr>
           <a:xfrm>
             <a:off x="504000" y="1769040"/>
-            <a:ext cx="9071640" cy="4384440"/>
+            <a:ext cx="9071280" cy="4384080"/>
           </a:xfrm>
           <a:prstGeom prst="rect">
             <a:avLst/>
@@ -3568,10 +5364,19 @@
             <a:noFill/>
           </a:ln>
         </p:spPr>
+        <p:style>
+          <a:lnRef idx="0"/>
+          <a:fillRef idx="0"/>
+          <a:effectRef idx="0"/>
+          <a:fontRef idx="minor"/>
+        </p:style>
         <p:txBody>
           <a:bodyPr lIns="0" rIns="0" tIns="0" bIns="0"/>
           <a:p>
-            <a:pPr marL="432000" indent="-324000">
+            <a:pPr marL="432000" indent="-323640">
+              <a:lnSpc>
+                <a:spcPct val="100000"/>
+              </a:lnSpc>
               <a:buClr>
                 <a:srgbClr val="000000"/>
               </a:buClr>
@@ -3580,7 +5385,7 @@
               <a:buChar char=""/>
             </a:pPr>
             <a:r>
-              <a:rPr b="0" lang="fr-FR" sz="3200" spc="-1" strike="noStrike">
+              <a:rPr b="0" lang="en-US" sz="3200" spc="-1" strike="noStrike">
                 <a:solidFill>
                   <a:srgbClr val="000000"/>
                 </a:solidFill>
@@ -3591,22 +5396,25 @@
                 </a:uFill>
                 <a:latin typeface="Arial"/>
               </a:rPr>
-              <a:t>*.js</a:t>
+              <a:t>Trop permissif</a:t>
             </a:r>
-            <a:endParaRPr b="0" lang="fr-FR" sz="3200" spc="-1" strike="noStrike">
-              <a:solidFill>
-                <a:srgbClr val="000000"/>
-              </a:solidFill>
-              <a:uFill>
-                <a:solidFill>
-                  <a:srgbClr val="ffffff"/>
-                </a:solidFill>
-              </a:uFill>
-              <a:latin typeface="Arial"/>
-            </a:endParaRPr>
-          </a:p>
-          <a:p>
-            <a:pPr marL="432000" indent="-324000">
+            <a:endParaRPr b="0" lang="en-US" sz="1800" spc="-1" strike="noStrike">
+              <a:solidFill>
+                <a:srgbClr val="000000"/>
+              </a:solidFill>
+              <a:uFill>
+                <a:solidFill>
+                  <a:srgbClr val="ffffff"/>
+                </a:solidFill>
+              </a:uFill>
+              <a:latin typeface="Arial"/>
+            </a:endParaRPr>
+          </a:p>
+          <a:p>
+            <a:pPr marL="432000" indent="-323640">
+              <a:lnSpc>
+                <a:spcPct val="100000"/>
+              </a:lnSpc>
               <a:buClr>
                 <a:srgbClr val="000000"/>
               </a:buClr>
@@ -3615,7 +5423,7 @@
               <a:buChar char=""/>
             </a:pPr>
             <a:r>
-              <a:rPr b="0" lang="fr-FR" sz="3200" spc="-1" strike="noStrike">
+              <a:rPr b="0" lang="en-US" sz="3200" spc="-1" strike="noStrike">
                 <a:solidFill>
                   <a:srgbClr val="000000"/>
                 </a:solidFill>
@@ -3626,31 +5434,34 @@
                 </a:uFill>
                 <a:latin typeface="Arial"/>
               </a:rPr>
-              <a:t>Executé</a:t>
+              <a:t>Browsers ne respectaient pas les standards</a:t>
             </a:r>
-            <a:endParaRPr b="0" lang="fr-FR" sz="3200" spc="-1" strike="noStrike">
-              <a:solidFill>
-                <a:srgbClr val="000000"/>
-              </a:solidFill>
-              <a:uFill>
-                <a:solidFill>
-                  <a:srgbClr val="ffffff"/>
-                </a:solidFill>
-              </a:uFill>
-              <a:latin typeface="Arial"/>
-            </a:endParaRPr>
-          </a:p>
-          <a:p>
-            <a:pPr lvl="1" marL="864000" indent="-324000">
+            <a:endParaRPr b="0" lang="en-US" sz="1800" spc="-1" strike="noStrike">
+              <a:solidFill>
+                <a:srgbClr val="000000"/>
+              </a:solidFill>
+              <a:uFill>
+                <a:solidFill>
+                  <a:srgbClr val="ffffff"/>
+                </a:solidFill>
+              </a:uFill>
+              <a:latin typeface="Arial"/>
+            </a:endParaRPr>
+          </a:p>
+          <a:p>
+            <a:pPr marL="432000" indent="-323640">
+              <a:lnSpc>
+                <a:spcPct val="100000"/>
+              </a:lnSpc>
               <a:buClr>
                 <a:srgbClr val="000000"/>
               </a:buClr>
-              <a:buSzPct val="75000"/>
-              <a:buFont typeface="Symbol" charset="2"/>
-              <a:buChar char=""/>
+              <a:buSzPct val="45000"/>
+              <a:buFont typeface="Wingdings" charset="2"/>
+              <a:buChar char=""/>
             </a:pPr>
             <a:r>
-              <a:rPr b="0" lang="fr-FR" sz="2800" spc="-1" strike="noStrike">
+              <a:rPr b="0" lang="en-US" sz="3200" spc="-1" strike="noStrike">
                 <a:solidFill>
                   <a:srgbClr val="000000"/>
                 </a:solidFill>
@@ -3661,31 +5472,34 @@
                 </a:uFill>
                 <a:latin typeface="Arial"/>
               </a:rPr>
-              <a:t>par le browser (balise &lt;script&gt;)</a:t>
+              <a:t>Backward compatibility</a:t>
             </a:r>
-            <a:endParaRPr b="0" lang="fr-FR" sz="2800" spc="-1" strike="noStrike">
-              <a:solidFill>
-                <a:srgbClr val="000000"/>
-              </a:solidFill>
-              <a:uFill>
-                <a:solidFill>
-                  <a:srgbClr val="ffffff"/>
-                </a:solidFill>
-              </a:uFill>
-              <a:latin typeface="Arial"/>
-            </a:endParaRPr>
-          </a:p>
-          <a:p>
-            <a:pPr lvl="1" marL="864000" indent="-324000">
+            <a:endParaRPr b="0" lang="en-US" sz="1800" spc="-1" strike="noStrike">
+              <a:solidFill>
+                <a:srgbClr val="000000"/>
+              </a:solidFill>
+              <a:uFill>
+                <a:solidFill>
+                  <a:srgbClr val="ffffff"/>
+                </a:solidFill>
+              </a:uFill>
+              <a:latin typeface="Arial"/>
+            </a:endParaRPr>
+          </a:p>
+          <a:p>
+            <a:pPr marL="432000" indent="-323640">
+              <a:lnSpc>
+                <a:spcPct val="100000"/>
+              </a:lnSpc>
               <a:buClr>
                 <a:srgbClr val="000000"/>
               </a:buClr>
-              <a:buSzPct val="75000"/>
-              <a:buFont typeface="Symbol" charset="2"/>
-              <a:buChar char=""/>
+              <a:buSzPct val="45000"/>
+              <a:buFont typeface="Wingdings" charset="2"/>
+              <a:buChar char=""/>
             </a:pPr>
             <a:r>
-              <a:rPr b="0" lang="fr-FR" sz="2800" spc="-1" strike="noStrike">
+              <a:rPr b="0" lang="en-US" sz="3200" spc="-1" strike="noStrike">
                 <a:solidFill>
                   <a:srgbClr val="000000"/>
                 </a:solidFill>
@@ -3696,9 +5510,85 @@
                 </a:uFill>
                 <a:latin typeface="Arial"/>
               </a:rPr>
-              <a:t>Par node.js (node *.js)</a:t>
+              <a:t>Framework arrivés tard =&gt; pas de patterns</a:t>
             </a:r>
-            <a:endParaRPr b="0" lang="fr-FR" sz="2800" spc="-1" strike="noStrike">
+            <a:endParaRPr b="0" lang="en-US" sz="1800" spc="-1" strike="noStrike">
+              <a:solidFill>
+                <a:srgbClr val="000000"/>
+              </a:solidFill>
+              <a:uFill>
+                <a:solidFill>
+                  <a:srgbClr val="ffffff"/>
+                </a:solidFill>
+              </a:uFill>
+              <a:latin typeface="Arial"/>
+            </a:endParaRPr>
+          </a:p>
+          <a:p>
+            <a:pPr marL="432000" indent="-323640">
+              <a:lnSpc>
+                <a:spcPct val="100000"/>
+              </a:lnSpc>
+              <a:buClr>
+                <a:srgbClr val="000000"/>
+              </a:buClr>
+              <a:buSzPct val="45000"/>
+              <a:buFont typeface="Wingdings" charset="2"/>
+              <a:buChar char=""/>
+            </a:pPr>
+            <a:r>
+              <a:rPr b="0" lang="en-US" sz="3200" spc="-1" strike="noStrike">
+                <a:solidFill>
+                  <a:srgbClr val="000000"/>
+                </a:solidFill>
+                <a:uFill>
+                  <a:solidFill>
+                    <a:srgbClr val="ffffff"/>
+                  </a:solidFill>
+                </a:uFill>
+                <a:latin typeface="Arial"/>
+              </a:rPr>
+              <a:t>Prototypes</a:t>
+            </a:r>
+            <a:endParaRPr b="0" lang="en-US" sz="1800" spc="-1" strike="noStrike">
+              <a:solidFill>
+                <a:srgbClr val="000000"/>
+              </a:solidFill>
+              <a:uFill>
+                <a:solidFill>
+                  <a:srgbClr val="ffffff"/>
+                </a:solidFill>
+              </a:uFill>
+              <a:latin typeface="Arial"/>
+            </a:endParaRPr>
+          </a:p>
+          <a:p>
+            <a:pPr marL="432000" indent="-323640">
+              <a:lnSpc>
+                <a:spcPct val="100000"/>
+              </a:lnSpc>
+              <a:buClr>
+                <a:srgbClr val="000000"/>
+              </a:buClr>
+              <a:buSzPct val="45000"/>
+              <a:buFont typeface="Wingdings" charset="2"/>
+              <a:buChar char=""/>
+            </a:pPr>
+            <a:r>
+              <a:rPr b="0" lang="en-US" sz="3200" spc="-1" strike="noStrike">
+                <a:solidFill>
+                  <a:srgbClr val="000000"/>
+                </a:solidFill>
+                <a:uFill>
+                  <a:solidFill>
+                    <a:srgbClr val="ffffff"/>
+                  </a:solidFill>
+                </a:uFill>
+                <a:latin typeface="Arial"/>
+              </a:rPr>
+              <a:t>Weakly typed</a:t>
+            </a:r>
+            <a:endParaRPr b="0" lang="en-US" sz="1800" spc="-1" strike="noStrike">
               <a:solidFill>
                 <a:srgbClr val="000000"/>
               </a:solidFill>
@@ -3763,14 +5653,14 @@
       </p:grpSpPr>
       <p:sp>
         <p:nvSpPr>
-          <p:cNvPr id="53" name="TextShape 1"/>
-          <p:cNvSpPr txBox="1"/>
+          <p:cNvPr id="86" name="CustomShape 1"/>
+          <p:cNvSpPr/>
           <p:nvPr/>
         </p:nvSpPr>
         <p:spPr>
           <a:xfrm>
             <a:off x="504000" y="301320"/>
-            <a:ext cx="9071640" cy="1262160"/>
+            <a:ext cx="9071280" cy="1261800"/>
           </a:xfrm>
           <a:prstGeom prst="rect">
             <a:avLst/>
@@ -3780,12 +5670,22 @@
             <a:noFill/>
           </a:ln>
         </p:spPr>
+        <p:style>
+          <a:lnRef idx="0"/>
+          <a:fillRef idx="0"/>
+          <a:effectRef idx="0"/>
+          <a:fontRef idx="minor"/>
+        </p:style>
         <p:txBody>
           <a:bodyPr lIns="0" rIns="0" tIns="0" bIns="0" anchor="ctr"/>
           <a:p>
-            <a:pPr algn="ctr"/>
+            <a:pPr algn="ctr">
+              <a:lnSpc>
+                <a:spcPct val="100000"/>
+              </a:lnSpc>
+            </a:pPr>
             <a:r>
-              <a:rPr b="0" lang="fr-FR" sz="4400" spc="-1" strike="noStrike">
+              <a:rPr b="0" lang="en-US" sz="4400" spc="-1" strike="noStrike">
                 <a:solidFill>
                   <a:srgbClr val="000000"/>
                 </a:solidFill>
@@ -3796,32 +5696,32 @@
                 </a:uFill>
                 <a:latin typeface="Arial"/>
               </a:rPr>
-              <a:t>Debug</a:t>
+              <a:t>Du code</a:t>
             </a:r>
-            <a:endParaRPr b="0" lang="fr-FR" sz="4400" spc="-1" strike="noStrike">
-              <a:solidFill>
-                <a:srgbClr val="000000"/>
-              </a:solidFill>
-              <a:uFill>
-                <a:solidFill>
-                  <a:srgbClr val="ffffff"/>
-                </a:solidFill>
-              </a:uFill>
-              <a:latin typeface="Arial"/>
-            </a:endParaRPr>
-          </a:p>
-        </p:txBody>
-      </p:sp>
-      <p:sp>
-        <p:nvSpPr>
-          <p:cNvPr id="54" name="TextShape 2"/>
-          <p:cNvSpPr txBox="1"/>
+            <a:endParaRPr b="0" lang="en-US" sz="1800" spc="-1" strike="noStrike">
+              <a:solidFill>
+                <a:srgbClr val="000000"/>
+              </a:solidFill>
+              <a:uFill>
+                <a:solidFill>
+                  <a:srgbClr val="ffffff"/>
+                </a:solidFill>
+              </a:uFill>
+              <a:latin typeface="Arial"/>
+            </a:endParaRPr>
+          </a:p>
+        </p:txBody>
+      </p:sp>
+      <p:sp>
+        <p:nvSpPr>
+          <p:cNvPr id="87" name="CustomShape 2"/>
+          <p:cNvSpPr/>
           <p:nvPr/>
         </p:nvSpPr>
         <p:spPr>
           <a:xfrm>
             <a:off x="504000" y="1769040"/>
-            <a:ext cx="9071640" cy="4384440"/>
+            <a:ext cx="9071280" cy="4384080"/>
           </a:xfrm>
           <a:prstGeom prst="rect">
             <a:avLst/>
@@ -3831,10 +5731,19 @@
             <a:noFill/>
           </a:ln>
         </p:spPr>
+        <p:style>
+          <a:lnRef idx="0"/>
+          <a:fillRef idx="0"/>
+          <a:effectRef idx="0"/>
+          <a:fontRef idx="minor"/>
+        </p:style>
         <p:txBody>
           <a:bodyPr lIns="0" rIns="0" tIns="0" bIns="0"/>
           <a:p>
-            <a:pPr marL="432000" indent="-324000">
+            <a:pPr marL="432000" indent="-323640">
+              <a:lnSpc>
+                <a:spcPct val="100000"/>
+              </a:lnSpc>
               <a:buClr>
                 <a:srgbClr val="000000"/>
               </a:buClr>
@@ -3843,7 +5752,7 @@
               <a:buChar char=""/>
             </a:pPr>
             <a:r>
-              <a:rPr b="0" lang="fr-FR" sz="3200" spc="-1" strike="noStrike">
+              <a:rPr b="0" lang="en-US" sz="3200" spc="-1" strike="noStrike">
                 <a:solidFill>
                   <a:srgbClr val="000000"/>
                 </a:solidFill>
@@ -3854,22 +5763,25 @@
                 </a:uFill>
                 <a:latin typeface="Arial"/>
               </a:rPr>
-              <a:t>Browser tools</a:t>
+              <a:t>var</a:t>
             </a:r>
-            <a:endParaRPr b="0" lang="fr-FR" sz="3200" spc="-1" strike="noStrike">
-              <a:solidFill>
-                <a:srgbClr val="000000"/>
-              </a:solidFill>
-              <a:uFill>
-                <a:solidFill>
-                  <a:srgbClr val="ffffff"/>
-                </a:solidFill>
-              </a:uFill>
-              <a:latin typeface="Arial"/>
-            </a:endParaRPr>
-          </a:p>
-          <a:p>
-            <a:pPr marL="432000" indent="-324000">
+            <a:endParaRPr b="0" lang="en-US" sz="1800" spc="-1" strike="noStrike">
+              <a:solidFill>
+                <a:srgbClr val="000000"/>
+              </a:solidFill>
+              <a:uFill>
+                <a:solidFill>
+                  <a:srgbClr val="ffffff"/>
+                </a:solidFill>
+              </a:uFill>
+              <a:latin typeface="Arial"/>
+            </a:endParaRPr>
+          </a:p>
+          <a:p>
+            <a:pPr marL="432000" indent="-323640">
+              <a:lnSpc>
+                <a:spcPct val="100000"/>
+              </a:lnSpc>
               <a:buClr>
                 <a:srgbClr val="000000"/>
               </a:buClr>
@@ -3878,7 +5790,7 @@
               <a:buChar char=""/>
             </a:pPr>
             <a:r>
-              <a:rPr b="0" lang="fr-FR" sz="3200" spc="-1" strike="noStrike">
+              <a:rPr b="0" lang="en-US" sz="3200" spc="-1" strike="noStrike">
                 <a:solidFill>
                   <a:srgbClr val="000000"/>
                 </a:solidFill>
@@ -3889,9 +5801,123 @@
                 </a:uFill>
                 <a:latin typeface="Arial"/>
               </a:rPr>
-              <a:t>Nodejs (debugger)</a:t>
+              <a:t>While for</a:t>
             </a:r>
-            <a:endParaRPr b="0" lang="fr-FR" sz="3200" spc="-1" strike="noStrike">
+            <a:endParaRPr b="0" lang="en-US" sz="1800" spc="-1" strike="noStrike">
+              <a:solidFill>
+                <a:srgbClr val="000000"/>
+              </a:solidFill>
+              <a:uFill>
+                <a:solidFill>
+                  <a:srgbClr val="ffffff"/>
+                </a:solidFill>
+              </a:uFill>
+              <a:latin typeface="Arial"/>
+            </a:endParaRPr>
+          </a:p>
+          <a:p>
+            <a:pPr marL="432000" indent="-323640">
+              <a:lnSpc>
+                <a:spcPct val="100000"/>
+              </a:lnSpc>
+              <a:buClr>
+                <a:srgbClr val="000000"/>
+              </a:buClr>
+              <a:buSzPct val="45000"/>
+              <a:buFont typeface="Wingdings" charset="2"/>
+              <a:buChar char=""/>
+            </a:pPr>
+            <a:r>
+              <a:rPr b="0" lang="en-US" sz="3200" spc="-1" strike="noStrike">
+                <a:solidFill>
+                  <a:srgbClr val="000000"/>
+                </a:solidFill>
+                <a:uFill>
+                  <a:solidFill>
+                    <a:srgbClr val="ffffff"/>
+                  </a:solidFill>
+                </a:uFill>
+                <a:latin typeface="Arial"/>
+              </a:rPr>
+              <a:t>Arrays</a:t>
+            </a:r>
+            <a:endParaRPr b="0" lang="en-US" sz="1800" spc="-1" strike="noStrike">
+              <a:solidFill>
+                <a:srgbClr val="000000"/>
+              </a:solidFill>
+              <a:uFill>
+                <a:solidFill>
+                  <a:srgbClr val="ffffff"/>
+                </a:solidFill>
+              </a:uFill>
+              <a:latin typeface="Arial"/>
+            </a:endParaRPr>
+          </a:p>
+          <a:p>
+            <a:pPr marL="432000" indent="-323640">
+              <a:lnSpc>
+                <a:spcPct val="100000"/>
+              </a:lnSpc>
+              <a:buClr>
+                <a:srgbClr val="000000"/>
+              </a:buClr>
+              <a:buSzPct val="45000"/>
+              <a:buFont typeface="Wingdings" charset="2"/>
+              <a:buChar char=""/>
+            </a:pPr>
+            <a:r>
+              <a:rPr b="0" lang="en-US" sz="3200" spc="-1" strike="noStrike">
+                <a:solidFill>
+                  <a:srgbClr val="000000"/>
+                </a:solidFill>
+                <a:uFill>
+                  <a:solidFill>
+                    <a:srgbClr val="ffffff"/>
+                  </a:solidFill>
+                </a:uFill>
+                <a:latin typeface="Arial"/>
+              </a:rPr>
+              <a:t>Objects</a:t>
+            </a:r>
+            <a:endParaRPr b="0" lang="en-US" sz="1800" spc="-1" strike="noStrike">
+              <a:solidFill>
+                <a:srgbClr val="000000"/>
+              </a:solidFill>
+              <a:uFill>
+                <a:solidFill>
+                  <a:srgbClr val="ffffff"/>
+                </a:solidFill>
+              </a:uFill>
+              <a:latin typeface="Arial"/>
+            </a:endParaRPr>
+          </a:p>
+          <a:p>
+            <a:pPr marL="432000" indent="-323640">
+              <a:lnSpc>
+                <a:spcPct val="100000"/>
+              </a:lnSpc>
+              <a:buClr>
+                <a:srgbClr val="000000"/>
+              </a:buClr>
+              <a:buSzPct val="45000"/>
+              <a:buFont typeface="Wingdings" charset="2"/>
+              <a:buChar char=""/>
+            </a:pPr>
+            <a:r>
+              <a:rPr b="0" lang="en-US" sz="3200" spc="-1" strike="noStrike">
+                <a:solidFill>
+                  <a:srgbClr val="000000"/>
+                </a:solidFill>
+                <a:uFill>
+                  <a:solidFill>
+                    <a:srgbClr val="ffffff"/>
+                  </a:solidFill>
+                </a:uFill>
+                <a:latin typeface="Arial"/>
+              </a:rPr>
+              <a:t>Functions</a:t>
+            </a:r>
+            <a:endParaRPr b="0" lang="en-US" sz="1800" spc="-1" strike="noStrike">
               <a:solidFill>
                 <a:srgbClr val="000000"/>
               </a:solidFill>
@@ -4158,4 +6184,227 @@
     </a:fmtScheme>
   </a:themeElements>
 </a:theme>
+</file>
+
+<file path=ppt/theme/theme2.xml><?xml version="1.0" encoding="utf-8"?>
+<a:theme xmlns:a="http://schemas.openxmlformats.org/drawingml/2006/main" name="Office Theme">
+  <a:themeElements>
+    <a:clrScheme name="Office">
+      <a:dk1>
+        <a:sysClr val="windowText" lastClr="000000"/>
+      </a:dk1>
+      <a:lt1>
+        <a:sysClr val="window" lastClr="FFFFFF"/>
+      </a:lt1>
+      <a:dk2>
+        <a:srgbClr val="1F497D"/>
+      </a:dk2>
+      <a:lt2>
+        <a:srgbClr val="EEECE1"/>
+      </a:lt2>
+      <a:accent1>
+        <a:srgbClr val="4F81BD"/>
+      </a:accent1>
+      <a:accent2>
+        <a:srgbClr val="C0504D"/>
+      </a:accent2>
+      <a:accent3>
+        <a:srgbClr val="9BBB59"/>
+      </a:accent3>
+      <a:accent4>
+        <a:srgbClr val="8064A2"/>
+      </a:accent4>
+      <a:accent5>
+        <a:srgbClr val="4BACC6"/>
+      </a:accent5>
+      <a:accent6>
+        <a:srgbClr val="F79646"/>
+      </a:accent6>
+      <a:hlink>
+        <a:srgbClr val="0000FF"/>
+      </a:hlink>
+      <a:folHlink>
+        <a:srgbClr val="800080"/>
+      </a:folHlink>
+    </a:clrScheme>
+    <a:fontScheme name="Office">
+      <a:majorFont>
+        <a:latin typeface="Arial"/>
+        <a:ea typeface="DejaVu Sans"/>
+        <a:cs typeface="DejaVu Sans"/>
+      </a:majorFont>
+      <a:minorFont>
+        <a:latin typeface="Arial"/>
+        <a:ea typeface="DejaVu Sans"/>
+        <a:cs typeface="DejaVu Sans"/>
+      </a:minorFont>
+    </a:fontScheme>
+    <a:fmtScheme name="Office">
+      <a:fillStyleLst>
+        <a:solidFill>
+          <a:schemeClr val="phClr"/>
+        </a:solidFill>
+        <a:gradFill rotWithShape="1">
+          <a:gsLst>
+            <a:gs pos="0">
+              <a:schemeClr val="phClr">
+                <a:tint val="50000"/>
+                <a:satMod val="300000"/>
+              </a:schemeClr>
+            </a:gs>
+            <a:gs pos="35000">
+              <a:schemeClr val="phClr">
+                <a:tint val="37000"/>
+                <a:satMod val="300000"/>
+              </a:schemeClr>
+            </a:gs>
+            <a:gs pos="100000">
+              <a:schemeClr val="phClr">
+                <a:tint val="15000"/>
+                <a:satMod val="350000"/>
+              </a:schemeClr>
+            </a:gs>
+          </a:gsLst>
+          <a:lin ang="16200000" scaled="1"/>
+        </a:gradFill>
+        <a:gradFill rotWithShape="1">
+          <a:gsLst>
+            <a:gs pos="0">
+              <a:schemeClr val="phClr">
+                <a:shade val="51000"/>
+                <a:satMod val="130000"/>
+              </a:schemeClr>
+            </a:gs>
+            <a:gs pos="80000">
+              <a:schemeClr val="phClr">
+                <a:shade val="93000"/>
+                <a:satMod val="130000"/>
+              </a:schemeClr>
+            </a:gs>
+            <a:gs pos="100000">
+              <a:schemeClr val="phClr">
+                <a:shade val="94000"/>
+                <a:satMod val="135000"/>
+              </a:schemeClr>
+            </a:gs>
+          </a:gsLst>
+          <a:lin ang="16200000" scaled="0"/>
+        </a:gradFill>
+      </a:fillStyleLst>
+      <a:lnStyleLst>
+        <a:ln w="9525" cap="flat" cmpd="sng" algn="ctr">
+          <a:solidFill>
+            <a:schemeClr val="phClr">
+              <a:shade val="95000"/>
+              <a:satMod val="105000"/>
+            </a:schemeClr>
+          </a:solidFill>
+          <a:prstDash val="solid"/>
+        </a:ln>
+        <a:ln w="25400" cap="flat" cmpd="sng" algn="ctr">
+          <a:solidFill>
+            <a:schemeClr val="phClr"/>
+          </a:solidFill>
+          <a:prstDash val="solid"/>
+        </a:ln>
+        <a:ln w="38100" cap="flat" cmpd="sng" algn="ctr">
+          <a:solidFill>
+            <a:schemeClr val="phClr"/>
+          </a:solidFill>
+          <a:prstDash val="solid"/>
+        </a:ln>
+      </a:lnStyleLst>
+      <a:effectStyleLst>
+        <a:effectStyle>
+          <a:effectLst>
+            <a:outerShdw blurRad="40000" dist="20000" dir="5400000" rotWithShape="0">
+              <a:srgbClr val="000000">
+                <a:alpha val="38000"/>
+              </a:srgbClr>
+            </a:outerShdw>
+          </a:effectLst>
+        </a:effectStyle>
+        <a:effectStyle>
+          <a:effectLst>
+            <a:outerShdw blurRad="40000" dist="23000" dir="5400000" rotWithShape="0">
+              <a:srgbClr val="000000">
+                <a:alpha val="35000"/>
+              </a:srgbClr>
+            </a:outerShdw>
+          </a:effectLst>
+        </a:effectStyle>
+        <a:effectStyle>
+          <a:effectLst>
+            <a:outerShdw blurRad="40000" dist="23000" dir="5400000" rotWithShape="0">
+              <a:srgbClr val="000000">
+                <a:alpha val="35000"/>
+              </a:srgbClr>
+            </a:outerShdw>
+          </a:effectLst>
+          <a:scene3d>
+            <a:camera prst="orthographicFront">
+              <a:rot lat="0" lon="0" rev="0"/>
+            </a:camera>
+            <a:lightRig rig="threePt" dir="t">
+              <a:rot lat="0" lon="0" rev="1200000"/>
+            </a:lightRig>
+          </a:scene3d>
+          <a:sp3d>
+            <a:bevelT w="63500" h="25400"/>
+          </a:sp3d>
+        </a:effectStyle>
+      </a:effectStyleLst>
+      <a:bgFillStyleLst>
+        <a:solidFill>
+          <a:schemeClr val="phClr"/>
+        </a:solidFill>
+        <a:gradFill rotWithShape="1">
+          <a:gsLst>
+            <a:gs pos="0">
+              <a:schemeClr val="phClr">
+                <a:tint val="40000"/>
+                <a:satMod val="350000"/>
+              </a:schemeClr>
+            </a:gs>
+            <a:gs pos="40000">
+              <a:schemeClr val="phClr">
+                <a:tint val="45000"/>
+                <a:shade val="99000"/>
+                <a:satMod val="350000"/>
+              </a:schemeClr>
+            </a:gs>
+            <a:gs pos="100000">
+              <a:schemeClr val="phClr">
+                <a:shade val="20000"/>
+                <a:satMod val="255000"/>
+              </a:schemeClr>
+            </a:gs>
+          </a:gsLst>
+          <a:path path="circle">
+            <a:fillToRect l="50000" t="-80000" r="50000" b="180000"/>
+          </a:path>
+        </a:gradFill>
+        <a:gradFill rotWithShape="1">
+          <a:gsLst>
+            <a:gs pos="0">
+              <a:schemeClr val="phClr">
+                <a:tint val="80000"/>
+                <a:satMod val="300000"/>
+              </a:schemeClr>
+            </a:gs>
+            <a:gs pos="100000">
+              <a:schemeClr val="phClr">
+                <a:shade val="30000"/>
+                <a:satMod val="200000"/>
+              </a:schemeClr>
+            </a:gs>
+          </a:gsLst>
+          <a:path path="circle">
+            <a:fillToRect l="50000" t="50000" r="50000" b="50000"/>
+          </a:path>
+        </a:gradFill>
+      </a:bgFillStyleLst>
+    </a:fmtScheme>
+  </a:themeElements>
+</a:theme>
 </file>
--- a/pres.pptx
+++ b/pres.pptx
@@ -72,7 +72,7 @@
         <p:spPr>
           <a:xfrm>
             <a:off x="504000" y="301320"/>
-            <a:ext cx="9071280" cy="1261800"/>
+            <a:ext cx="9072000" cy="1261800"/>
           </a:xfrm>
           <a:prstGeom prst="rect">
             <a:avLst/>
@@ -108,8 +108,8 @@
         </p:nvSpPr>
         <p:spPr>
           <a:xfrm>
-            <a:off x="504000" y="1769040"/>
-            <a:ext cx="9071280" cy="2090880"/>
+            <a:off x="504000" y="1768680"/>
+            <a:ext cx="9072000" cy="2090880"/>
           </a:xfrm>
           <a:prstGeom prst="rect">
             <a:avLst/>
@@ -144,8 +144,8 @@
         </p:nvSpPr>
         <p:spPr>
           <a:xfrm>
-            <a:off x="504000" y="4059000"/>
-            <a:ext cx="9071280" cy="2090880"/>
+            <a:off x="504000" y="4058640"/>
+            <a:ext cx="9072000" cy="2090880"/>
           </a:xfrm>
           <a:prstGeom prst="rect">
             <a:avLst/>
@@ -203,7 +203,7 @@
         <p:spPr>
           <a:xfrm>
             <a:off x="504000" y="301320"/>
-            <a:ext cx="9071280" cy="1261800"/>
+            <a:ext cx="9072000" cy="1261800"/>
           </a:xfrm>
           <a:prstGeom prst="rect">
             <a:avLst/>
@@ -239,8 +239,8 @@
         </p:nvSpPr>
         <p:spPr>
           <a:xfrm>
-            <a:off x="504000" y="1769040"/>
-            <a:ext cx="4426560" cy="2090880"/>
+            <a:off x="504000" y="1768680"/>
+            <a:ext cx="4426920" cy="2090880"/>
           </a:xfrm>
           <a:prstGeom prst="rect">
             <a:avLst/>
@@ -275,8 +275,8 @@
         </p:nvSpPr>
         <p:spPr>
           <a:xfrm>
-            <a:off x="5152320" y="1769040"/>
-            <a:ext cx="4426560" cy="2090880"/>
+            <a:off x="5152680" y="1768680"/>
+            <a:ext cx="4426920" cy="2090880"/>
           </a:xfrm>
           <a:prstGeom prst="rect">
             <a:avLst/>
@@ -311,8 +311,8 @@
         </p:nvSpPr>
         <p:spPr>
           <a:xfrm>
-            <a:off x="5152320" y="4059000"/>
-            <a:ext cx="4426560" cy="2090880"/>
+            <a:off x="5152680" y="4058640"/>
+            <a:ext cx="4426920" cy="2090880"/>
           </a:xfrm>
           <a:prstGeom prst="rect">
             <a:avLst/>
@@ -347,8 +347,8 @@
         </p:nvSpPr>
         <p:spPr>
           <a:xfrm>
-            <a:off x="504000" y="4059000"/>
-            <a:ext cx="4426560" cy="2090880"/>
+            <a:off x="504000" y="4058640"/>
+            <a:ext cx="4426920" cy="2090880"/>
           </a:xfrm>
           <a:prstGeom prst="rect">
             <a:avLst/>
@@ -406,7 +406,7 @@
         <p:spPr>
           <a:xfrm>
             <a:off x="504000" y="301320"/>
-            <a:ext cx="9071280" cy="1261800"/>
+            <a:ext cx="9072000" cy="1261800"/>
           </a:xfrm>
           <a:prstGeom prst="rect">
             <a:avLst/>
@@ -442,8 +442,8 @@
         </p:nvSpPr>
         <p:spPr>
           <a:xfrm>
-            <a:off x="504000" y="1769040"/>
-            <a:ext cx="9071280" cy="4384080"/>
+            <a:off x="504000" y="1768680"/>
+            <a:ext cx="9072000" cy="4384080"/>
           </a:xfrm>
           <a:prstGeom prst="rect">
             <a:avLst/>
@@ -478,8 +478,8 @@
         </p:nvSpPr>
         <p:spPr>
           <a:xfrm>
-            <a:off x="504000" y="1769040"/>
-            <a:ext cx="9071280" cy="4384080"/>
+            <a:off x="504000" y="1768680"/>
+            <a:ext cx="9072000" cy="4384080"/>
           </a:xfrm>
           <a:prstGeom prst="rect">
             <a:avLst/>
@@ -514,7 +514,7 @@
         </p:blipFill>
         <p:spPr>
           <a:xfrm>
-            <a:off x="2292120" y="1769040"/>
+            <a:off x="2292480" y="1768680"/>
             <a:ext cx="5494680" cy="4384080"/>
           </a:xfrm>
           <a:prstGeom prst="rect">
@@ -537,7 +537,7 @@
         </p:blipFill>
         <p:spPr>
           <a:xfrm>
-            <a:off x="2292120" y="1769040"/>
+            <a:off x="2292480" y="1768680"/>
             <a:ext cx="5494680" cy="4384080"/>
           </a:xfrm>
           <a:prstGeom prst="rect">
@@ -605,7 +605,7 @@
         <p:spPr>
           <a:xfrm>
             <a:off x="504000" y="301320"/>
-            <a:ext cx="9071280" cy="1261800"/>
+            <a:ext cx="9072000" cy="1261800"/>
           </a:xfrm>
           <a:prstGeom prst="rect">
             <a:avLst/>
@@ -641,8 +641,8 @@
         </p:nvSpPr>
         <p:spPr>
           <a:xfrm>
-            <a:off x="504000" y="1769040"/>
-            <a:ext cx="9071280" cy="4384080"/>
+            <a:off x="504000" y="1768680"/>
+            <a:ext cx="9072000" cy="4384080"/>
           </a:xfrm>
           <a:prstGeom prst="rect">
             <a:avLst/>
@@ -701,7 +701,7 @@
         <p:spPr>
           <a:xfrm>
             <a:off x="504000" y="301320"/>
-            <a:ext cx="9071280" cy="1261800"/>
+            <a:ext cx="9072000" cy="1261800"/>
           </a:xfrm>
           <a:prstGeom prst="rect">
             <a:avLst/>
@@ -737,8 +737,8 @@
         </p:nvSpPr>
         <p:spPr>
           <a:xfrm>
-            <a:off x="504000" y="1769040"/>
-            <a:ext cx="9071280" cy="4384080"/>
+            <a:off x="504000" y="1768680"/>
+            <a:ext cx="9072000" cy="4384080"/>
           </a:xfrm>
           <a:prstGeom prst="rect">
             <a:avLst/>
@@ -796,7 +796,7 @@
         <p:spPr>
           <a:xfrm>
             <a:off x="504000" y="301320"/>
-            <a:ext cx="9071280" cy="1261800"/>
+            <a:ext cx="9072000" cy="1261800"/>
           </a:xfrm>
           <a:prstGeom prst="rect">
             <a:avLst/>
@@ -832,8 +832,8 @@
         </p:nvSpPr>
         <p:spPr>
           <a:xfrm>
-            <a:off x="504000" y="1769040"/>
-            <a:ext cx="4426560" cy="4384080"/>
+            <a:off x="504000" y="1768680"/>
+            <a:ext cx="4426920" cy="4384080"/>
           </a:xfrm>
           <a:prstGeom prst="rect">
             <a:avLst/>
@@ -868,8 +868,8 @@
         </p:nvSpPr>
         <p:spPr>
           <a:xfrm>
-            <a:off x="5152320" y="1769040"/>
-            <a:ext cx="4426560" cy="4384080"/>
+            <a:off x="5152680" y="1768680"/>
+            <a:ext cx="4426920" cy="4384080"/>
           </a:xfrm>
           <a:prstGeom prst="rect">
             <a:avLst/>
@@ -927,7 +927,7 @@
         <p:spPr>
           <a:xfrm>
             <a:off x="504000" y="301320"/>
-            <a:ext cx="9071280" cy="1261800"/>
+            <a:ext cx="9072000" cy="1261800"/>
           </a:xfrm>
           <a:prstGeom prst="rect">
             <a:avLst/>
@@ -986,7 +986,7 @@
         <p:spPr>
           <a:xfrm>
             <a:off x="504000" y="301320"/>
-            <a:ext cx="9071280" cy="5850360"/>
+            <a:ext cx="9072000" cy="5850360"/>
           </a:xfrm>
           <a:prstGeom prst="rect">
             <a:avLst/>
@@ -1045,7 +1045,7 @@
         <p:spPr>
           <a:xfrm>
             <a:off x="504000" y="301320"/>
-            <a:ext cx="9071280" cy="1261800"/>
+            <a:ext cx="9072000" cy="1261800"/>
           </a:xfrm>
           <a:prstGeom prst="rect">
             <a:avLst/>
@@ -1081,8 +1081,8 @@
         </p:nvSpPr>
         <p:spPr>
           <a:xfrm>
-            <a:off x="504000" y="1769040"/>
-            <a:ext cx="4426560" cy="2090880"/>
+            <a:off x="504000" y="1768680"/>
+            <a:ext cx="4426920" cy="2090880"/>
           </a:xfrm>
           <a:prstGeom prst="rect">
             <a:avLst/>
@@ -1117,8 +1117,8 @@
         </p:nvSpPr>
         <p:spPr>
           <a:xfrm>
-            <a:off x="504000" y="4059000"/>
-            <a:ext cx="4426560" cy="2090880"/>
+            <a:off x="504000" y="4058640"/>
+            <a:ext cx="4426920" cy="2090880"/>
           </a:xfrm>
           <a:prstGeom prst="rect">
             <a:avLst/>
@@ -1153,8 +1153,8 @@
         </p:nvSpPr>
         <p:spPr>
           <a:xfrm>
-            <a:off x="5152320" y="1769040"/>
-            <a:ext cx="4426560" cy="4384080"/>
+            <a:off x="5152680" y="1768680"/>
+            <a:ext cx="4426920" cy="4384080"/>
           </a:xfrm>
           <a:prstGeom prst="rect">
             <a:avLst/>
@@ -1212,7 +1212,7 @@
         <p:spPr>
           <a:xfrm>
             <a:off x="504000" y="301320"/>
-            <a:ext cx="9071280" cy="1261800"/>
+            <a:ext cx="9072000" cy="1261800"/>
           </a:xfrm>
           <a:prstGeom prst="rect">
             <a:avLst/>
@@ -1248,8 +1248,8 @@
         </p:nvSpPr>
         <p:spPr>
           <a:xfrm>
-            <a:off x="504000" y="1769040"/>
-            <a:ext cx="9071280" cy="4384080"/>
+            <a:off x="504000" y="1768680"/>
+            <a:ext cx="9072000" cy="4384080"/>
           </a:xfrm>
           <a:prstGeom prst="rect">
             <a:avLst/>
@@ -1308,7 +1308,7 @@
         <p:spPr>
           <a:xfrm>
             <a:off x="504000" y="301320"/>
-            <a:ext cx="9071280" cy="1261800"/>
+            <a:ext cx="9072000" cy="1261800"/>
           </a:xfrm>
           <a:prstGeom prst="rect">
             <a:avLst/>
@@ -1344,8 +1344,8 @@
         </p:nvSpPr>
         <p:spPr>
           <a:xfrm>
-            <a:off x="504000" y="1769040"/>
-            <a:ext cx="4426560" cy="4384080"/>
+            <a:off x="504000" y="1768680"/>
+            <a:ext cx="4426920" cy="4384080"/>
           </a:xfrm>
           <a:prstGeom prst="rect">
             <a:avLst/>
@@ -1380,8 +1380,8 @@
         </p:nvSpPr>
         <p:spPr>
           <a:xfrm>
-            <a:off x="5152320" y="1769040"/>
-            <a:ext cx="4426560" cy="2090880"/>
+            <a:off x="5152680" y="1768680"/>
+            <a:ext cx="4426920" cy="2090880"/>
           </a:xfrm>
           <a:prstGeom prst="rect">
             <a:avLst/>
@@ -1416,8 +1416,8 @@
         </p:nvSpPr>
         <p:spPr>
           <a:xfrm>
-            <a:off x="5152320" y="4059000"/>
-            <a:ext cx="4426560" cy="2090880"/>
+            <a:off x="5152680" y="4058640"/>
+            <a:ext cx="4426920" cy="2090880"/>
           </a:xfrm>
           <a:prstGeom prst="rect">
             <a:avLst/>
@@ -1475,7 +1475,7 @@
         <p:spPr>
           <a:xfrm>
             <a:off x="504000" y="301320"/>
-            <a:ext cx="9071280" cy="1261800"/>
+            <a:ext cx="9072000" cy="1261800"/>
           </a:xfrm>
           <a:prstGeom prst="rect">
             <a:avLst/>
@@ -1511,8 +1511,8 @@
         </p:nvSpPr>
         <p:spPr>
           <a:xfrm>
-            <a:off x="504000" y="1769040"/>
-            <a:ext cx="4426560" cy="2090880"/>
+            <a:off x="504000" y="1768680"/>
+            <a:ext cx="4426920" cy="2090880"/>
           </a:xfrm>
           <a:prstGeom prst="rect">
             <a:avLst/>
@@ -1547,8 +1547,8 @@
         </p:nvSpPr>
         <p:spPr>
           <a:xfrm>
-            <a:off x="5152320" y="1769040"/>
-            <a:ext cx="4426560" cy="2090880"/>
+            <a:off x="5152680" y="1768680"/>
+            <a:ext cx="4426920" cy="2090880"/>
           </a:xfrm>
           <a:prstGeom prst="rect">
             <a:avLst/>
@@ -1583,8 +1583,8 @@
         </p:nvSpPr>
         <p:spPr>
           <a:xfrm>
-            <a:off x="504000" y="4059000"/>
-            <a:ext cx="9071280" cy="2090880"/>
+            <a:off x="504000" y="4058640"/>
+            <a:ext cx="9072000" cy="2090880"/>
           </a:xfrm>
           <a:prstGeom prst="rect">
             <a:avLst/>
@@ -1642,7 +1642,7 @@
         <p:spPr>
           <a:xfrm>
             <a:off x="504000" y="301320"/>
-            <a:ext cx="9071280" cy="1261800"/>
+            <a:ext cx="9072000" cy="1261800"/>
           </a:xfrm>
           <a:prstGeom prst="rect">
             <a:avLst/>
@@ -1678,8 +1678,8 @@
         </p:nvSpPr>
         <p:spPr>
           <a:xfrm>
-            <a:off x="504000" y="1769040"/>
-            <a:ext cx="9071280" cy="2090880"/>
+            <a:off x="504000" y="1768680"/>
+            <a:ext cx="9072000" cy="2090880"/>
           </a:xfrm>
           <a:prstGeom prst="rect">
             <a:avLst/>
@@ -1714,8 +1714,8 @@
         </p:nvSpPr>
         <p:spPr>
           <a:xfrm>
-            <a:off x="504000" y="4059000"/>
-            <a:ext cx="9071280" cy="2090880"/>
+            <a:off x="504000" y="4058640"/>
+            <a:ext cx="9072000" cy="2090880"/>
           </a:xfrm>
           <a:prstGeom prst="rect">
             <a:avLst/>
@@ -1773,7 +1773,7 @@
         <p:spPr>
           <a:xfrm>
             <a:off x="504000" y="301320"/>
-            <a:ext cx="9071280" cy="1261800"/>
+            <a:ext cx="9072000" cy="1261800"/>
           </a:xfrm>
           <a:prstGeom prst="rect">
             <a:avLst/>
@@ -1809,8 +1809,8 @@
         </p:nvSpPr>
         <p:spPr>
           <a:xfrm>
-            <a:off x="504000" y="1769040"/>
-            <a:ext cx="4426560" cy="2090880"/>
+            <a:off x="504000" y="1768680"/>
+            <a:ext cx="4426920" cy="2090880"/>
           </a:xfrm>
           <a:prstGeom prst="rect">
             <a:avLst/>
@@ -1845,8 +1845,8 @@
         </p:nvSpPr>
         <p:spPr>
           <a:xfrm>
-            <a:off x="5152320" y="1769040"/>
-            <a:ext cx="4426560" cy="2090880"/>
+            <a:off x="5152680" y="1768680"/>
+            <a:ext cx="4426920" cy="2090880"/>
           </a:xfrm>
           <a:prstGeom prst="rect">
             <a:avLst/>
@@ -1881,8 +1881,8 @@
         </p:nvSpPr>
         <p:spPr>
           <a:xfrm>
-            <a:off x="5152320" y="4059000"/>
-            <a:ext cx="4426560" cy="2090880"/>
+            <a:off x="5152680" y="4058640"/>
+            <a:ext cx="4426920" cy="2090880"/>
           </a:xfrm>
           <a:prstGeom prst="rect">
             <a:avLst/>
@@ -1917,8 +1917,8 @@
         </p:nvSpPr>
         <p:spPr>
           <a:xfrm>
-            <a:off x="504000" y="4059000"/>
-            <a:ext cx="4426560" cy="2090880"/>
+            <a:off x="504000" y="4058640"/>
+            <a:ext cx="4426920" cy="2090880"/>
           </a:xfrm>
           <a:prstGeom prst="rect">
             <a:avLst/>
@@ -1976,7 +1976,7 @@
         <p:spPr>
           <a:xfrm>
             <a:off x="504000" y="301320"/>
-            <a:ext cx="9071280" cy="1261800"/>
+            <a:ext cx="9072000" cy="1261800"/>
           </a:xfrm>
           <a:prstGeom prst="rect">
             <a:avLst/>
@@ -2012,8 +2012,8 @@
         </p:nvSpPr>
         <p:spPr>
           <a:xfrm>
-            <a:off x="504000" y="1769040"/>
-            <a:ext cx="9071280" cy="4384080"/>
+            <a:off x="504000" y="1768680"/>
+            <a:ext cx="9072000" cy="4384080"/>
           </a:xfrm>
           <a:prstGeom prst="rect">
             <a:avLst/>
@@ -2048,8 +2048,8 @@
         </p:nvSpPr>
         <p:spPr>
           <a:xfrm>
-            <a:off x="504000" y="1769040"/>
-            <a:ext cx="9071280" cy="4384080"/>
+            <a:off x="504000" y="1768680"/>
+            <a:ext cx="9072000" cy="4384080"/>
           </a:xfrm>
           <a:prstGeom prst="rect">
             <a:avLst/>
@@ -2084,7 +2084,7 @@
         </p:blipFill>
         <p:spPr>
           <a:xfrm>
-            <a:off x="2292120" y="1769040"/>
+            <a:off x="2292480" y="1768680"/>
             <a:ext cx="5494680" cy="4384080"/>
           </a:xfrm>
           <a:prstGeom prst="rect">
@@ -2107,7 +2107,7 @@
         </p:blipFill>
         <p:spPr>
           <a:xfrm>
-            <a:off x="2292120" y="1769040"/>
+            <a:off x="2292480" y="1768680"/>
             <a:ext cx="5494680" cy="4384080"/>
           </a:xfrm>
           <a:prstGeom prst="rect">
@@ -2153,7 +2153,7 @@
         <p:spPr>
           <a:xfrm>
             <a:off x="504000" y="301320"/>
-            <a:ext cx="9071280" cy="1261800"/>
+            <a:ext cx="9072000" cy="1261800"/>
           </a:xfrm>
           <a:prstGeom prst="rect">
             <a:avLst/>
@@ -2189,8 +2189,8 @@
         </p:nvSpPr>
         <p:spPr>
           <a:xfrm>
-            <a:off x="504000" y="1769040"/>
-            <a:ext cx="9071280" cy="4384080"/>
+            <a:off x="504000" y="1768680"/>
+            <a:ext cx="9072000" cy="4384080"/>
           </a:xfrm>
           <a:prstGeom prst="rect">
             <a:avLst/>
@@ -2248,7 +2248,7 @@
         <p:spPr>
           <a:xfrm>
             <a:off x="504000" y="301320"/>
-            <a:ext cx="9071280" cy="1261800"/>
+            <a:ext cx="9072000" cy="1261800"/>
           </a:xfrm>
           <a:prstGeom prst="rect">
             <a:avLst/>
@@ -2284,8 +2284,8 @@
         </p:nvSpPr>
         <p:spPr>
           <a:xfrm>
-            <a:off x="504000" y="1769040"/>
-            <a:ext cx="4426560" cy="4384080"/>
+            <a:off x="504000" y="1768680"/>
+            <a:ext cx="4426920" cy="4384080"/>
           </a:xfrm>
           <a:prstGeom prst="rect">
             <a:avLst/>
@@ -2320,8 +2320,8 @@
         </p:nvSpPr>
         <p:spPr>
           <a:xfrm>
-            <a:off x="5152320" y="1769040"/>
-            <a:ext cx="4426560" cy="4384080"/>
+            <a:off x="5152680" y="1768680"/>
+            <a:ext cx="4426920" cy="4384080"/>
           </a:xfrm>
           <a:prstGeom prst="rect">
             <a:avLst/>
@@ -2379,7 +2379,7 @@
         <p:spPr>
           <a:xfrm>
             <a:off x="504000" y="301320"/>
-            <a:ext cx="9071280" cy="1261800"/>
+            <a:ext cx="9072000" cy="1261800"/>
           </a:xfrm>
           <a:prstGeom prst="rect">
             <a:avLst/>
@@ -2438,7 +2438,7 @@
         <p:spPr>
           <a:xfrm>
             <a:off x="504000" y="301320"/>
-            <a:ext cx="9071280" cy="5850360"/>
+            <a:ext cx="9072000" cy="5850360"/>
           </a:xfrm>
           <a:prstGeom prst="rect">
             <a:avLst/>
@@ -2497,7 +2497,7 @@
         <p:spPr>
           <a:xfrm>
             <a:off x="504000" y="301320"/>
-            <a:ext cx="9071280" cy="1261800"/>
+            <a:ext cx="9072000" cy="1261800"/>
           </a:xfrm>
           <a:prstGeom prst="rect">
             <a:avLst/>
@@ -2533,8 +2533,8 @@
         </p:nvSpPr>
         <p:spPr>
           <a:xfrm>
-            <a:off x="504000" y="1769040"/>
-            <a:ext cx="4426560" cy="2090880"/>
+            <a:off x="504000" y="1768680"/>
+            <a:ext cx="4426920" cy="2090880"/>
           </a:xfrm>
           <a:prstGeom prst="rect">
             <a:avLst/>
@@ -2569,8 +2569,8 @@
         </p:nvSpPr>
         <p:spPr>
           <a:xfrm>
-            <a:off x="504000" y="4059000"/>
-            <a:ext cx="4426560" cy="2090880"/>
+            <a:off x="504000" y="4058640"/>
+            <a:ext cx="4426920" cy="2090880"/>
           </a:xfrm>
           <a:prstGeom prst="rect">
             <a:avLst/>
@@ -2605,8 +2605,8 @@
         </p:nvSpPr>
         <p:spPr>
           <a:xfrm>
-            <a:off x="5152320" y="1769040"/>
-            <a:ext cx="4426560" cy="4384080"/>
+            <a:off x="5152680" y="1768680"/>
+            <a:ext cx="4426920" cy="4384080"/>
           </a:xfrm>
           <a:prstGeom prst="rect">
             <a:avLst/>
@@ -2664,7 +2664,7 @@
         <p:spPr>
           <a:xfrm>
             <a:off x="504000" y="301320"/>
-            <a:ext cx="9071280" cy="1261800"/>
+            <a:ext cx="9072000" cy="1261800"/>
           </a:xfrm>
           <a:prstGeom prst="rect">
             <a:avLst/>
@@ -2700,8 +2700,8 @@
         </p:nvSpPr>
         <p:spPr>
           <a:xfrm>
-            <a:off x="504000" y="1769040"/>
-            <a:ext cx="4426560" cy="4384080"/>
+            <a:off x="504000" y="1768680"/>
+            <a:ext cx="4426920" cy="4384080"/>
           </a:xfrm>
           <a:prstGeom prst="rect">
             <a:avLst/>
@@ -2736,8 +2736,8 @@
         </p:nvSpPr>
         <p:spPr>
           <a:xfrm>
-            <a:off x="5152320" y="1769040"/>
-            <a:ext cx="4426560" cy="2090880"/>
+            <a:off x="5152680" y="1768680"/>
+            <a:ext cx="4426920" cy="2090880"/>
           </a:xfrm>
           <a:prstGeom prst="rect">
             <a:avLst/>
@@ -2772,8 +2772,8 @@
         </p:nvSpPr>
         <p:spPr>
           <a:xfrm>
-            <a:off x="5152320" y="4059000"/>
-            <a:ext cx="4426560" cy="2090880"/>
+            <a:off x="5152680" y="4058640"/>
+            <a:ext cx="4426920" cy="2090880"/>
           </a:xfrm>
           <a:prstGeom prst="rect">
             <a:avLst/>
@@ -2831,7 +2831,7 @@
         <p:spPr>
           <a:xfrm>
             <a:off x="504000" y="301320"/>
-            <a:ext cx="9071280" cy="1261800"/>
+            <a:ext cx="9072000" cy="1261800"/>
           </a:xfrm>
           <a:prstGeom prst="rect">
             <a:avLst/>
@@ -2867,8 +2867,8 @@
         </p:nvSpPr>
         <p:spPr>
           <a:xfrm>
-            <a:off x="504000" y="1769040"/>
-            <a:ext cx="4426560" cy="2090880"/>
+            <a:off x="504000" y="1768680"/>
+            <a:ext cx="4426920" cy="2090880"/>
           </a:xfrm>
           <a:prstGeom prst="rect">
             <a:avLst/>
@@ -2903,8 +2903,8 @@
         </p:nvSpPr>
         <p:spPr>
           <a:xfrm>
-            <a:off x="5152320" y="1769040"/>
-            <a:ext cx="4426560" cy="2090880"/>
+            <a:off x="5152680" y="1768680"/>
+            <a:ext cx="4426920" cy="2090880"/>
           </a:xfrm>
           <a:prstGeom prst="rect">
             <a:avLst/>
@@ -2939,8 +2939,8 @@
         </p:nvSpPr>
         <p:spPr>
           <a:xfrm>
-            <a:off x="504000" y="4059000"/>
-            <a:ext cx="9071280" cy="2090880"/>
+            <a:off x="504000" y="4058640"/>
+            <a:ext cx="9072000" cy="2090880"/>
           </a:xfrm>
           <a:prstGeom prst="rect">
             <a:avLst/>
@@ -2998,7 +2998,7 @@
         <p:spPr>
           <a:xfrm>
             <a:off x="504000" y="301320"/>
-            <a:ext cx="9071280" cy="1261800"/>
+            <a:ext cx="9070920" cy="1261440"/>
           </a:xfrm>
           <a:prstGeom prst="rect">
             <a:avLst/>
@@ -3034,8 +3034,8 @@
         </p:nvSpPr>
         <p:spPr>
           <a:xfrm>
-            <a:off x="504000" y="1768680"/>
-            <a:ext cx="9072000" cy="4384080"/>
+            <a:off x="504000" y="1769040"/>
+            <a:ext cx="9070920" cy="4383720"/>
           </a:xfrm>
           <a:prstGeom prst="rect">
             <a:avLst/>
@@ -3053,7 +3053,7 @@
               <a:buChar char=""/>
             </a:pPr>
             <a:r>
-              <a:rPr b="0" lang="en-US" sz="3200" spc="-1" strike="noStrike">
+              <a:rPr b="0" lang="en-US" sz="1800" spc="-1" strike="noStrike">
                 <a:solidFill>
                   <a:srgbClr val="000000"/>
                 </a:solidFill>
@@ -3066,7 +3066,7 @@
               </a:rPr>
               <a:t>Click to edit the outline text format</a:t>
             </a:r>
-            <a:endParaRPr b="0" lang="en-US" sz="3200" spc="-1" strike="noStrike">
+            <a:endParaRPr b="0" lang="en-US" sz="1800" spc="-1" strike="noStrike">
               <a:solidFill>
                 <a:srgbClr val="000000"/>
               </a:solidFill>
@@ -3088,7 +3088,7 @@
               <a:buChar char=""/>
             </a:pPr>
             <a:r>
-              <a:rPr b="0" lang="en-US" sz="2800" spc="-1" strike="noStrike">
+              <a:rPr b="0" lang="en-US" sz="1800" spc="-1" strike="noStrike">
                 <a:solidFill>
                   <a:srgbClr val="000000"/>
                 </a:solidFill>
@@ -3101,7 +3101,7 @@
               </a:rPr>
               <a:t>Second Outline Level</a:t>
             </a:r>
-            <a:endParaRPr b="0" lang="en-US" sz="2800" spc="-1" strike="noStrike">
+            <a:endParaRPr b="0" lang="en-US" sz="1800" spc="-1" strike="noStrike">
               <a:solidFill>
                 <a:srgbClr val="000000"/>
               </a:solidFill>
@@ -3123,7 +3123,7 @@
               <a:buChar char=""/>
             </a:pPr>
             <a:r>
-              <a:rPr b="0" lang="en-US" sz="2400" spc="-1" strike="noStrike">
+              <a:rPr b="0" lang="en-US" sz="1800" spc="-1" strike="noStrike">
                 <a:solidFill>
                   <a:srgbClr val="000000"/>
                 </a:solidFill>
@@ -3136,7 +3136,7 @@
               </a:rPr>
               <a:t>Third Outline Level</a:t>
             </a:r>
-            <a:endParaRPr b="0" lang="en-US" sz="2400" spc="-1" strike="noStrike">
+            <a:endParaRPr b="0" lang="en-US" sz="1800" spc="-1" strike="noStrike">
               <a:solidFill>
                 <a:srgbClr val="000000"/>
               </a:solidFill>
@@ -3158,7 +3158,7 @@
               <a:buChar char=""/>
             </a:pPr>
             <a:r>
-              <a:rPr b="0" lang="en-US" sz="2000" spc="-1" strike="noStrike">
+              <a:rPr b="0" lang="en-US" sz="1800" spc="-1" strike="noStrike">
                 <a:solidFill>
                   <a:srgbClr val="000000"/>
                 </a:solidFill>
@@ -3171,7 +3171,7 @@
               </a:rPr>
               <a:t>Fourth Outline Level</a:t>
             </a:r>
-            <a:endParaRPr b="0" lang="en-US" sz="2000" spc="-1" strike="noStrike">
+            <a:endParaRPr b="0" lang="en-US" sz="1800" spc="-1" strike="noStrike">
               <a:solidFill>
                 <a:srgbClr val="000000"/>
               </a:solidFill>
@@ -3193,7 +3193,7 @@
               <a:buChar char=""/>
             </a:pPr>
             <a:r>
-              <a:rPr b="0" lang="en-US" sz="2000" spc="-1" strike="noStrike">
+              <a:rPr b="0" lang="en-US" sz="1800" spc="-1" strike="noStrike">
                 <a:solidFill>
                   <a:srgbClr val="000000"/>
                 </a:solidFill>
@@ -3206,7 +3206,7 @@
               </a:rPr>
               <a:t>Fifth Outline Level</a:t>
             </a:r>
-            <a:endParaRPr b="0" lang="en-US" sz="2000" spc="-1" strike="noStrike">
+            <a:endParaRPr b="0" lang="en-US" sz="1800" spc="-1" strike="noStrike">
               <a:solidFill>
                 <a:srgbClr val="000000"/>
               </a:solidFill>
@@ -3228,7 +3228,7 @@
               <a:buChar char=""/>
             </a:pPr>
             <a:r>
-              <a:rPr b="0" lang="en-US" sz="2000" spc="-1" strike="noStrike">
+              <a:rPr b="0" lang="en-US" sz="1800" spc="-1" strike="noStrike">
                 <a:solidFill>
                   <a:srgbClr val="000000"/>
                 </a:solidFill>
@@ -3241,7 +3241,7 @@
               </a:rPr>
               <a:t>Sixth Outline Level</a:t>
             </a:r>
-            <a:endParaRPr b="0" lang="en-US" sz="2000" spc="-1" strike="noStrike">
+            <a:endParaRPr b="0" lang="en-US" sz="1800" spc="-1" strike="noStrike">
               <a:solidFill>
                 <a:srgbClr val="000000"/>
               </a:solidFill>
@@ -3263,7 +3263,7 @@
               <a:buChar char=""/>
             </a:pPr>
             <a:r>
-              <a:rPr b="0" lang="en-US" sz="2000" spc="-1" strike="noStrike">
+              <a:rPr b="0" lang="en-US" sz="1800" spc="-1" strike="noStrike">
                 <a:solidFill>
                   <a:srgbClr val="000000"/>
                 </a:solidFill>
@@ -3276,7 +3276,7 @@
               </a:rPr>
               <a:t>Seventh Outline Level</a:t>
             </a:r>
-            <a:endParaRPr b="0" lang="en-US" sz="2000" spc="-1" strike="noStrike">
+            <a:endParaRPr b="0" lang="en-US" sz="1800" spc="-1" strike="noStrike">
               <a:solidFill>
                 <a:srgbClr val="000000"/>
               </a:solidFill>
@@ -3340,7 +3340,7 @@
         <p:spPr>
           <a:xfrm>
             <a:off x="504000" y="301320"/>
-            <a:ext cx="9071280" cy="1261800"/>
+            <a:ext cx="9072000" cy="1261800"/>
           </a:xfrm>
           <a:prstGeom prst="rect">
             <a:avLst/>
@@ -3350,6 +3350,20 @@
           <a:bodyPr lIns="0" rIns="0" tIns="0" bIns="0" anchor="ctr"/>
           <a:p>
             <a:pPr algn="ctr"/>
+            <a:r>
+              <a:rPr b="0" lang="en-US" sz="4400" spc="-1" strike="noStrike">
+                <a:solidFill>
+                  <a:srgbClr val="000000"/>
+                </a:solidFill>
+                <a:uFill>
+                  <a:solidFill>
+                    <a:srgbClr val="ffffff"/>
+                  </a:solidFill>
+                </a:uFill>
+                <a:latin typeface="Arial"/>
+              </a:rPr>
+              <a:t>Click to edit the title text format</a:t>
+            </a:r>
             <a:endParaRPr b="0" lang="en-US" sz="4400" spc="-1" strike="noStrike">
               <a:solidFill>
                 <a:srgbClr val="000000"/>
@@ -3376,8 +3390,8 @@
         </p:nvSpPr>
         <p:spPr>
           <a:xfrm>
-            <a:off x="504000" y="1769040"/>
-            <a:ext cx="9071280" cy="4384080"/>
+            <a:off x="504000" y="1768680"/>
+            <a:ext cx="9072000" cy="4384080"/>
           </a:xfrm>
           <a:prstGeom prst="rect">
             <a:avLst/>
@@ -3395,7 +3409,7 @@
               <a:buChar char=""/>
             </a:pPr>
             <a:r>
-              <a:rPr b="0" lang="en-US" sz="1800" spc="-1" strike="noStrike">
+              <a:rPr b="0" lang="en-US" sz="3200" spc="-1" strike="noStrike">
                 <a:solidFill>
                   <a:srgbClr val="000000"/>
                 </a:solidFill>
@@ -3408,7 +3422,7 @@
               </a:rPr>
               <a:t>Click to edit the outline text format</a:t>
             </a:r>
-            <a:endParaRPr b="0" lang="en-US" sz="1800" spc="-1" strike="noStrike">
+            <a:endParaRPr b="0" lang="en-US" sz="3200" spc="-1" strike="noStrike">
               <a:solidFill>
                 <a:srgbClr val="000000"/>
               </a:solidFill>
@@ -3430,7 +3444,7 @@
               <a:buChar char=""/>
             </a:pPr>
             <a:r>
-              <a:rPr b="0" lang="en-US" sz="1800" spc="-1" strike="noStrike">
+              <a:rPr b="0" lang="en-US" sz="2800" spc="-1" strike="noStrike">
                 <a:solidFill>
                   <a:srgbClr val="000000"/>
                 </a:solidFill>
@@ -3443,7 +3457,7 @@
               </a:rPr>
               <a:t>Second Outline Level</a:t>
             </a:r>
-            <a:endParaRPr b="0" lang="en-US" sz="1800" spc="-1" strike="noStrike">
+            <a:endParaRPr b="0" lang="en-US" sz="2800" spc="-1" strike="noStrike">
               <a:solidFill>
                 <a:srgbClr val="000000"/>
               </a:solidFill>
@@ -3465,7 +3479,7 @@
               <a:buChar char=""/>
             </a:pPr>
             <a:r>
-              <a:rPr b="0" lang="en-US" sz="1800" spc="-1" strike="noStrike">
+              <a:rPr b="0" lang="en-US" sz="2400" spc="-1" strike="noStrike">
                 <a:solidFill>
                   <a:srgbClr val="000000"/>
                 </a:solidFill>
@@ -3478,7 +3492,7 @@
               </a:rPr>
               <a:t>Third Outline Level</a:t>
             </a:r>
-            <a:endParaRPr b="0" lang="en-US" sz="1800" spc="-1" strike="noStrike">
+            <a:endParaRPr b="0" lang="en-US" sz="2400" spc="-1" strike="noStrike">
               <a:solidFill>
                 <a:srgbClr val="000000"/>
               </a:solidFill>
@@ -3500,7 +3514,7 @@
               <a:buChar char=""/>
             </a:pPr>
             <a:r>
-              <a:rPr b="0" lang="en-US" sz="1800" spc="-1" strike="noStrike">
+              <a:rPr b="0" lang="en-US" sz="2000" spc="-1" strike="noStrike">
                 <a:solidFill>
                   <a:srgbClr val="000000"/>
                 </a:solidFill>
@@ -3513,7 +3527,7 @@
               </a:rPr>
               <a:t>Fourth Outline Level</a:t>
             </a:r>
-            <a:endParaRPr b="0" lang="en-US" sz="1800" spc="-1" strike="noStrike">
+            <a:endParaRPr b="0" lang="en-US" sz="2000" spc="-1" strike="noStrike">
               <a:solidFill>
                 <a:srgbClr val="000000"/>
               </a:solidFill>
@@ -3535,7 +3549,7 @@
               <a:buChar char=""/>
             </a:pPr>
             <a:r>
-              <a:rPr b="0" lang="en-US" sz="1800" spc="-1" strike="noStrike">
+              <a:rPr b="0" lang="en-US" sz="2000" spc="-1" strike="noStrike">
                 <a:solidFill>
                   <a:srgbClr val="000000"/>
                 </a:solidFill>
@@ -3548,7 +3562,7 @@
               </a:rPr>
               <a:t>Fifth Outline Level</a:t>
             </a:r>
-            <a:endParaRPr b="0" lang="en-US" sz="1800" spc="-1" strike="noStrike">
+            <a:endParaRPr b="0" lang="en-US" sz="2000" spc="-1" strike="noStrike">
               <a:solidFill>
                 <a:srgbClr val="000000"/>
               </a:solidFill>
@@ -3570,7 +3584,7 @@
               <a:buChar char=""/>
             </a:pPr>
             <a:r>
-              <a:rPr b="0" lang="en-US" sz="1800" spc="-1" strike="noStrike">
+              <a:rPr b="0" lang="en-US" sz="2000" spc="-1" strike="noStrike">
                 <a:solidFill>
                   <a:srgbClr val="000000"/>
                 </a:solidFill>
@@ -3583,7 +3597,7 @@
               </a:rPr>
               <a:t>Sixth Outline Level</a:t>
             </a:r>
-            <a:endParaRPr b="0" lang="en-US" sz="1800" spc="-1" strike="noStrike">
+            <a:endParaRPr b="0" lang="en-US" sz="2000" spc="-1" strike="noStrike">
               <a:solidFill>
                 <a:srgbClr val="000000"/>
               </a:solidFill>
@@ -3605,7 +3619,7 @@
               <a:buChar char=""/>
             </a:pPr>
             <a:r>
-              <a:rPr b="0" lang="en-US" sz="1800" spc="-1" strike="noStrike">
+              <a:rPr b="0" lang="en-US" sz="2000" spc="-1" strike="noStrike">
                 <a:solidFill>
                   <a:srgbClr val="000000"/>
                 </a:solidFill>
@@ -3618,7 +3632,7 @@
               </a:rPr>
               <a:t>Seventh Outline Level</a:t>
             </a:r>
-            <a:endParaRPr b="0" lang="en-US" sz="1800" spc="-1" strike="noStrike">
+            <a:endParaRPr b="0" lang="en-US" sz="2000" spc="-1" strike="noStrike">
               <a:solidFill>
                 <a:srgbClr val="000000"/>
               </a:solidFill>
@@ -3678,7 +3692,7 @@
         <p:spPr>
           <a:xfrm>
             <a:off x="504000" y="301320"/>
-            <a:ext cx="9071280" cy="1261800"/>
+            <a:ext cx="9070920" cy="1261440"/>
           </a:xfrm>
           <a:prstGeom prst="rect">
             <a:avLst/>
@@ -3704,7 +3718,7 @@
         <p:spPr>
           <a:xfrm>
             <a:off x="504000" y="1769040"/>
-            <a:ext cx="9071280" cy="4384080"/>
+            <a:ext cx="9070920" cy="4383720"/>
           </a:xfrm>
           <a:prstGeom prst="rect">
             <a:avLst/>
@@ -3739,10 +3753,11 @@
                   </a:solidFill>
                 </a:uFill>
                 <a:latin typeface="Arial"/>
+                <a:ea typeface="DejaVu Sans"/>
               </a:rPr>
               <a:t>Javascript</a:t>
             </a:r>
-            <a:endParaRPr b="1" lang="en-US" sz="1800" spc="-1" strike="noStrike">
+            <a:endParaRPr b="0" lang="en-US" sz="1800" spc="-1" strike="noStrike">
               <a:solidFill>
                 <a:srgbClr val="000000"/>
               </a:solidFill>
@@ -3814,7 +3829,7 @@
         <p:spPr>
           <a:xfrm>
             <a:off x="504000" y="301320"/>
-            <a:ext cx="9071280" cy="1261800"/>
+            <a:ext cx="9070920" cy="1261440"/>
           </a:xfrm>
           <a:prstGeom prst="rect">
             <a:avLst/>
@@ -3833,7 +3848,7 @@
         <p:txBody>
           <a:bodyPr lIns="0" rIns="0" tIns="0" bIns="0" anchor="ctr"/>
           <a:p>
-            <a:pPr marL="216000" indent="-215640" algn="ctr">
+            <a:pPr marL="216000" indent="-215280" algn="ctr">
               <a:lnSpc>
                 <a:spcPct val="100000"/>
               </a:lnSpc>
@@ -3855,6 +3870,7 @@
                   </a:solidFill>
                 </a:uFill>
                 <a:latin typeface="Arial"/>
+                <a:ea typeface="DejaVu Sans"/>
               </a:rPr>
               <a:t>En bref</a:t>
             </a:r>
@@ -3881,7 +3897,7 @@
         <p:spPr>
           <a:xfrm>
             <a:off x="504000" y="1769040"/>
-            <a:ext cx="9071280" cy="4384080"/>
+            <a:ext cx="9070920" cy="4383720"/>
           </a:xfrm>
           <a:prstGeom prst="rect">
             <a:avLst/>
@@ -3900,7 +3916,7 @@
         <p:txBody>
           <a:bodyPr lIns="0" rIns="0" tIns="0" bIns="0"/>
           <a:p>
-            <a:pPr marL="432000" indent="-323640">
+            <a:pPr marL="432000" indent="-323280">
               <a:lnSpc>
                 <a:spcPct val="100000"/>
               </a:lnSpc>
@@ -3922,6 +3938,7 @@
                   </a:solidFill>
                 </a:uFill>
                 <a:latin typeface="Arial"/>
+                <a:ea typeface="DejaVu Sans"/>
               </a:rPr>
               <a:t>Weak/Dynamic typing</a:t>
             </a:r>
@@ -3938,7 +3955,7 @@
             </a:endParaRPr>
           </a:p>
           <a:p>
-            <a:pPr marL="432000" indent="-323640">
+            <a:pPr marL="432000" indent="-323280">
               <a:lnSpc>
                 <a:spcPct val="100000"/>
               </a:lnSpc>
@@ -3960,6 +3977,7 @@
                   </a:solidFill>
                 </a:uFill>
                 <a:latin typeface="Arial"/>
+                <a:ea typeface="DejaVu Sans"/>
               </a:rPr>
               <a:t>Langage de script</a:t>
             </a:r>
@@ -3976,7 +3994,7 @@
             </a:endParaRPr>
           </a:p>
           <a:p>
-            <a:pPr marL="432000" indent="-323640">
+            <a:pPr marL="432000" indent="-323280">
               <a:lnSpc>
                 <a:spcPct val="100000"/>
               </a:lnSpc>
@@ -3998,6 +4016,7 @@
                   </a:solidFill>
                 </a:uFill>
                 <a:latin typeface="Arial"/>
+                <a:ea typeface="DejaVu Sans"/>
               </a:rPr>
               <a:t>OO</a:t>
             </a:r>
@@ -4014,7 +4033,7 @@
             </a:endParaRPr>
           </a:p>
           <a:p>
-            <a:pPr marL="432000" indent="-323640">
+            <a:pPr marL="432000" indent="-323280">
               <a:lnSpc>
                 <a:spcPct val="100000"/>
               </a:lnSpc>
@@ -4036,6 +4055,7 @@
                   </a:solidFill>
                 </a:uFill>
                 <a:latin typeface="Arial"/>
+                <a:ea typeface="DejaVu Sans"/>
               </a:rPr>
               <a:t>Fonctionnel</a:t>
             </a:r>
@@ -4052,7 +4072,7 @@
             </a:endParaRPr>
           </a:p>
           <a:p>
-            <a:pPr marL="432000" indent="-323640">
+            <a:pPr marL="432000" indent="-323280">
               <a:lnSpc>
                 <a:spcPct val="100000"/>
               </a:lnSpc>
@@ -4074,6 +4094,7 @@
                   </a:solidFill>
                 </a:uFill>
                 <a:latin typeface="Arial"/>
+                <a:ea typeface="DejaVu Sans"/>
               </a:rPr>
               <a:t>Portable</a:t>
             </a:r>
@@ -4149,7 +4170,7 @@
         <p:spPr>
           <a:xfrm>
             <a:off x="504000" y="301320"/>
-            <a:ext cx="9071280" cy="1261800"/>
+            <a:ext cx="9070920" cy="1261440"/>
           </a:xfrm>
           <a:prstGeom prst="rect">
             <a:avLst/>
@@ -4168,7 +4189,7 @@
         <p:txBody>
           <a:bodyPr lIns="0" rIns="0" tIns="0" bIns="0" anchor="ctr"/>
           <a:p>
-            <a:pPr marL="216000" indent="-215640" algn="ctr">
+            <a:pPr marL="216000" indent="-215280" algn="ctr">
               <a:lnSpc>
                 <a:spcPct val="100000"/>
               </a:lnSpc>
@@ -4190,6 +4211,7 @@
                   </a:solidFill>
                 </a:uFill>
                 <a:latin typeface="Arial"/>
+                <a:ea typeface="DejaVu Sans"/>
               </a:rPr>
               <a:t>Engines</a:t>
             </a:r>
@@ -4216,7 +4238,7 @@
         <p:spPr>
           <a:xfrm>
             <a:off x="504000" y="1769040"/>
-            <a:ext cx="9071280" cy="4384080"/>
+            <a:ext cx="9070920" cy="4383720"/>
           </a:xfrm>
           <a:prstGeom prst="rect">
             <a:avLst/>
@@ -4235,7 +4257,7 @@
         <p:txBody>
           <a:bodyPr lIns="0" rIns="0" tIns="0" bIns="0"/>
           <a:p>
-            <a:pPr marL="432000" indent="-323640">
+            <a:pPr marL="432000" indent="-323280">
               <a:lnSpc>
                 <a:spcPct val="100000"/>
               </a:lnSpc>
@@ -4257,6 +4279,7 @@
                   </a:solidFill>
                 </a:uFill>
                 <a:latin typeface="Arial"/>
+                <a:ea typeface="DejaVu Sans"/>
               </a:rPr>
               <a:t>SpiderMonkey (netscape)</a:t>
             </a:r>
@@ -4273,7 +4296,7 @@
             </a:endParaRPr>
           </a:p>
           <a:p>
-            <a:pPr marL="432000" indent="-323640">
+            <a:pPr marL="432000" indent="-323280">
               <a:lnSpc>
                 <a:spcPct val="100000"/>
               </a:lnSpc>
@@ -4295,6 +4318,7 @@
                   </a:solidFill>
                 </a:uFill>
                 <a:latin typeface="Arial"/>
+                <a:ea typeface="DejaVu Sans"/>
               </a:rPr>
               <a:t>V8 (nodejs, chrome)</a:t>
             </a:r>
@@ -4311,7 +4335,7 @@
             </a:endParaRPr>
           </a:p>
           <a:p>
-            <a:pPr marL="432000" indent="-323640">
+            <a:pPr marL="432000" indent="-323280">
               <a:lnSpc>
                 <a:spcPct val="100000"/>
               </a:lnSpc>
@@ -4333,6 +4357,7 @@
                   </a:solidFill>
                 </a:uFill>
                 <a:latin typeface="Arial"/>
+                <a:ea typeface="DejaVu Sans"/>
               </a:rPr>
               <a:t>Chakra (IE et edge)</a:t>
             </a:r>
@@ -4349,7 +4374,7 @@
             </a:endParaRPr>
           </a:p>
           <a:p>
-            <a:pPr marL="432000" indent="-323640">
+            <a:pPr marL="432000" indent="-323280">
               <a:lnSpc>
                 <a:spcPct val="100000"/>
               </a:lnSpc>
@@ -4371,6 +4396,7 @@
                   </a:solidFill>
                 </a:uFill>
                 <a:latin typeface="Arial"/>
+                <a:ea typeface="DejaVu Sans"/>
               </a:rPr>
               <a:t>Nashorn (JVM)</a:t>
             </a:r>
@@ -4446,7 +4472,7 @@
         <p:spPr>
           <a:xfrm>
             <a:off x="504000" y="301320"/>
-            <a:ext cx="9071280" cy="1261800"/>
+            <a:ext cx="9070920" cy="1261440"/>
           </a:xfrm>
           <a:prstGeom prst="rect">
             <a:avLst/>
@@ -4465,7 +4491,7 @@
         <p:txBody>
           <a:bodyPr lIns="0" rIns="0" tIns="0" bIns="0" anchor="ctr"/>
           <a:p>
-            <a:pPr marL="216000" indent="-215640" algn="ctr">
+            <a:pPr marL="216000" indent="-215280" algn="ctr">
               <a:lnSpc>
                 <a:spcPct val="100000"/>
               </a:lnSpc>
@@ -4487,6 +4513,7 @@
                   </a:solidFill>
                 </a:uFill>
                 <a:latin typeface="Arial"/>
+                <a:ea typeface="DejaVu Sans"/>
               </a:rPr>
               <a:t>Runtime environments</a:t>
             </a:r>
@@ -4513,7 +4540,7 @@
         <p:spPr>
           <a:xfrm>
             <a:off x="504000" y="1769040"/>
-            <a:ext cx="9071280" cy="4384080"/>
+            <a:ext cx="9070920" cy="4383720"/>
           </a:xfrm>
           <a:prstGeom prst="rect">
             <a:avLst/>
@@ -4532,7 +4559,7 @@
         <p:txBody>
           <a:bodyPr lIns="0" rIns="0" tIns="0" bIns="0"/>
           <a:p>
-            <a:pPr marL="432000" indent="-323640">
+            <a:pPr marL="432000" indent="-323280">
               <a:lnSpc>
                 <a:spcPct val="100000"/>
               </a:lnSpc>
@@ -4554,6 +4581,7 @@
                   </a:solidFill>
                 </a:uFill>
                 <a:latin typeface="Arial"/>
+                <a:ea typeface="DejaVu Sans"/>
               </a:rPr>
               <a:t>Browser (document, window)</a:t>
             </a:r>
@@ -4570,7 +4598,7 @@
             </a:endParaRPr>
           </a:p>
           <a:p>
-            <a:pPr marL="432000" indent="-323640">
+            <a:pPr marL="432000" indent="-323280">
               <a:lnSpc>
                 <a:spcPct val="100000"/>
               </a:lnSpc>
@@ -4592,6 +4620,7 @@
                   </a:solidFill>
                 </a:uFill>
                 <a:latin typeface="Arial"/>
+                <a:ea typeface="DejaVu Sans"/>
               </a:rPr>
               <a:t>Nodejs (core modules)</a:t>
             </a:r>
@@ -4608,7 +4637,7 @@
             </a:endParaRPr>
           </a:p>
           <a:p>
-            <a:pPr marL="432000" indent="-323640">
+            <a:pPr marL="432000" indent="-323280">
               <a:lnSpc>
                 <a:spcPct val="100000"/>
               </a:lnSpc>
@@ -4630,6 +4659,7 @@
                   </a:solidFill>
                 </a:uFill>
                 <a:latin typeface="Arial"/>
+                <a:ea typeface="DejaVu Sans"/>
               </a:rPr>
               <a:t>JVM</a:t>
             </a:r>
@@ -4705,7 +4735,7 @@
         <p:spPr>
           <a:xfrm>
             <a:off x="504000" y="301320"/>
-            <a:ext cx="9071280" cy="1261800"/>
+            <a:ext cx="9070920" cy="1261440"/>
           </a:xfrm>
           <a:prstGeom prst="rect">
             <a:avLst/>
@@ -4724,7 +4754,7 @@
         <p:txBody>
           <a:bodyPr lIns="0" rIns="0" tIns="0" bIns="0" anchor="ctr"/>
           <a:p>
-            <a:pPr marL="216000" indent="-215640" algn="ctr">
+            <a:pPr marL="216000" indent="-215280" algn="ctr">
               <a:lnSpc>
                 <a:spcPct val="100000"/>
               </a:lnSpc>
@@ -4746,6 +4776,7 @@
                   </a:solidFill>
                 </a:uFill>
                 <a:latin typeface="Arial"/>
+                <a:ea typeface="DejaVu Sans"/>
               </a:rPr>
               <a:t>Histoire</a:t>
             </a:r>
@@ -4772,7 +4803,7 @@
         <p:spPr>
           <a:xfrm>
             <a:off x="504000" y="1769040"/>
-            <a:ext cx="9071280" cy="4384080"/>
+            <a:ext cx="9070920" cy="4383720"/>
           </a:xfrm>
           <a:prstGeom prst="rect">
             <a:avLst/>
@@ -4791,7 +4822,7 @@
         <p:txBody>
           <a:bodyPr lIns="0" rIns="0" tIns="0" bIns="0"/>
           <a:p>
-            <a:pPr marL="432000" indent="-323640">
+            <a:pPr marL="432000" indent="-323280">
               <a:lnSpc>
                 <a:spcPct val="100000"/>
               </a:lnSpc>
@@ -4813,6 +4844,7 @@
                   </a:solidFill>
                 </a:uFill>
                 <a:latin typeface="Arial"/>
+                <a:ea typeface="DejaVu Sans"/>
               </a:rPr>
               <a:t>1994 : Netscape (javascript)</a:t>
             </a:r>
@@ -4829,7 +4861,7 @@
             </a:endParaRPr>
           </a:p>
           <a:p>
-            <a:pPr marL="432000" indent="-323640">
+            <a:pPr marL="432000" indent="-323280">
               <a:lnSpc>
                 <a:spcPct val="100000"/>
               </a:lnSpc>
@@ -4851,6 +4883,7 @@
                   </a:solidFill>
                 </a:uFill>
                 <a:latin typeface="Arial"/>
+                <a:ea typeface="DejaVu Sans"/>
               </a:rPr>
               <a:t>1995 : Internet explorer (Jscript)</a:t>
             </a:r>
@@ -4867,7 +4900,7 @@
             </a:endParaRPr>
           </a:p>
           <a:p>
-            <a:pPr marL="432000" indent="-323640">
+            <a:pPr marL="432000" indent="-323280">
               <a:lnSpc>
                 <a:spcPct val="100000"/>
               </a:lnSpc>
@@ -4889,6 +4922,7 @@
                   </a:solidFill>
                 </a:uFill>
                 <a:latin typeface="Arial"/>
+                <a:ea typeface="DejaVu Sans"/>
               </a:rPr>
               <a:t>1997 : Ecmascript standardisé (javascript)</a:t>
             </a:r>
@@ -4905,7 +4939,7 @@
             </a:endParaRPr>
           </a:p>
           <a:p>
-            <a:pPr marL="432000" indent="-323640">
+            <a:pPr marL="432000" indent="-323280">
               <a:lnSpc>
                 <a:spcPct val="100000"/>
               </a:lnSpc>
@@ -4927,6 +4961,7 @@
                   </a:solidFill>
                 </a:uFill>
                 <a:latin typeface="Arial"/>
+                <a:ea typeface="DejaVu Sans"/>
               </a:rPr>
               <a:t>2008 : Google V8</a:t>
             </a:r>
@@ -4943,7 +4978,7 @@
             </a:endParaRPr>
           </a:p>
           <a:p>
-            <a:pPr marL="432000" indent="-323640">
+            <a:pPr marL="432000" indent="-323280">
               <a:lnSpc>
                 <a:spcPct val="100000"/>
               </a:lnSpc>
@@ -4965,6 +5000,7 @@
                   </a:solidFill>
                 </a:uFill>
                 <a:latin typeface="Arial"/>
+                <a:ea typeface="DejaVu Sans"/>
               </a:rPr>
               <a:t>2009 : Ecmascript 5 (part of HTML 5)</a:t>
             </a:r>
@@ -4981,7 +5017,7 @@
             </a:endParaRPr>
           </a:p>
           <a:p>
-            <a:pPr marL="432000" indent="-323640">
+            <a:pPr marL="432000" indent="-323280">
               <a:lnSpc>
                 <a:spcPct val="100000"/>
               </a:lnSpc>
@@ -5003,6 +5039,7 @@
                   </a:solidFill>
                 </a:uFill>
                 <a:latin typeface="Arial"/>
+                <a:ea typeface="DejaVu Sans"/>
               </a:rPr>
               <a:t>2015 : Ecmascript 2015 (6)</a:t>
             </a:r>
@@ -5078,7 +5115,7 @@
         <p:spPr>
           <a:xfrm>
             <a:off x="504000" y="301320"/>
-            <a:ext cx="9071280" cy="1261800"/>
+            <a:ext cx="9070920" cy="1261440"/>
           </a:xfrm>
           <a:prstGeom prst="rect">
             <a:avLst/>
@@ -5113,6 +5150,7 @@
                   </a:solidFill>
                 </a:uFill>
                 <a:latin typeface="Arial"/>
+                <a:ea typeface="DejaVu Sans"/>
               </a:rPr>
               <a:t>Execution modes</a:t>
             </a:r>
@@ -5139,7 +5177,7 @@
         <p:spPr>
           <a:xfrm>
             <a:off x="504000" y="1769040"/>
-            <a:ext cx="9071280" cy="4384080"/>
+            <a:ext cx="9070920" cy="4383720"/>
           </a:xfrm>
           <a:prstGeom prst="rect">
             <a:avLst/>
@@ -5158,7 +5196,7 @@
         <p:txBody>
           <a:bodyPr lIns="0" rIns="0" tIns="0" bIns="0"/>
           <a:p>
-            <a:pPr marL="432000" indent="-323640">
+            <a:pPr marL="432000" indent="-323280">
               <a:lnSpc>
                 <a:spcPct val="100000"/>
               </a:lnSpc>
@@ -5180,6 +5218,7 @@
                   </a:solidFill>
                 </a:uFill>
                 <a:latin typeface="Arial"/>
+                <a:ea typeface="DejaVu Sans"/>
               </a:rPr>
               <a:t>Interpreter (SpiderMonkey)</a:t>
             </a:r>
@@ -5196,7 +5235,7 @@
             </a:endParaRPr>
           </a:p>
           <a:p>
-            <a:pPr marL="432000" indent="-323640">
+            <a:pPr marL="432000" indent="-323280">
               <a:lnSpc>
                 <a:spcPct val="100000"/>
               </a:lnSpc>
@@ -5218,8 +5257,48 @@
                   </a:solidFill>
                 </a:uFill>
                 <a:latin typeface="Arial"/>
+                <a:ea typeface="DejaVu Sans"/>
               </a:rPr>
               <a:t>JIT : Script =&gt; Bytecode =&gt; Machine code</a:t>
+            </a:r>
+            <a:endParaRPr b="0" lang="en-US" sz="1800" spc="-1" strike="noStrike">
+              <a:solidFill>
+                <a:srgbClr val="000000"/>
+              </a:solidFill>
+              <a:uFill>
+                <a:solidFill>
+                  <a:srgbClr val="ffffff"/>
+                </a:solidFill>
+              </a:uFill>
+              <a:latin typeface="Arial"/>
+            </a:endParaRPr>
+          </a:p>
+          <a:p>
+            <a:pPr marL="432000" indent="-323280">
+              <a:lnSpc>
+                <a:spcPct val="100000"/>
+              </a:lnSpc>
+              <a:buClr>
+                <a:srgbClr val="000000"/>
+              </a:buClr>
+              <a:buSzPct val="45000"/>
+              <a:buFont typeface="Wingdings" charset="2"/>
+              <a:buChar char=""/>
+            </a:pPr>
+            <a:r>
+              <a:rPr b="0" lang="en-US" sz="3200" spc="-1" strike="noStrike">
+                <a:solidFill>
+                  <a:srgbClr val="000000"/>
+                </a:solidFill>
+                <a:uFill>
+                  <a:solidFill>
+                    <a:srgbClr val="ffffff"/>
+                  </a:solidFill>
+                </a:uFill>
+                <a:latin typeface="Arial"/>
+                <a:ea typeface="DejaVu Sans"/>
+              </a:rPr>
+              <a:t>JIT : Script =&gt; Machine code</a:t>
             </a:r>
             <a:endParaRPr b="0" lang="en-US" sz="1800" spc="-1" strike="noStrike">
               <a:solidFill>
@@ -5293,7 +5372,7 @@
         <p:spPr>
           <a:xfrm>
             <a:off x="504000" y="301320"/>
-            <a:ext cx="9071280" cy="1261800"/>
+            <a:ext cx="9070920" cy="1261440"/>
           </a:xfrm>
           <a:prstGeom prst="rect">
             <a:avLst/>
@@ -5328,6 +5407,7 @@
                   </a:solidFill>
                 </a:uFill>
                 <a:latin typeface="Arial"/>
+                <a:ea typeface="DejaVu Sans"/>
               </a:rPr>
               <a:t>Controverse</a:t>
             </a:r>
@@ -5354,7 +5434,7 @@
         <p:spPr>
           <a:xfrm>
             <a:off x="504000" y="1769040"/>
-            <a:ext cx="9071280" cy="4384080"/>
+            <a:ext cx="9070920" cy="4383720"/>
           </a:xfrm>
           <a:prstGeom prst="rect">
             <a:avLst/>
@@ -5373,7 +5453,7 @@
         <p:txBody>
           <a:bodyPr lIns="0" rIns="0" tIns="0" bIns="0"/>
           <a:p>
-            <a:pPr marL="432000" indent="-323640">
+            <a:pPr marL="432000" indent="-323280">
               <a:lnSpc>
                 <a:spcPct val="100000"/>
               </a:lnSpc>
@@ -5395,6 +5475,7 @@
                   </a:solidFill>
                 </a:uFill>
                 <a:latin typeface="Arial"/>
+                <a:ea typeface="DejaVu Sans"/>
               </a:rPr>
               <a:t>Trop permissif</a:t>
             </a:r>
@@ -5411,7 +5492,7 @@
             </a:endParaRPr>
           </a:p>
           <a:p>
-            <a:pPr marL="432000" indent="-323640">
+            <a:pPr marL="432000" indent="-323280">
               <a:lnSpc>
                 <a:spcPct val="100000"/>
               </a:lnSpc>
@@ -5433,6 +5514,7 @@
                   </a:solidFill>
                 </a:uFill>
                 <a:latin typeface="Arial"/>
+                <a:ea typeface="DejaVu Sans"/>
               </a:rPr>
               <a:t>Browsers ne respectaient pas les standards</a:t>
             </a:r>
@@ -5449,7 +5531,7 @@
             </a:endParaRPr>
           </a:p>
           <a:p>
-            <a:pPr marL="432000" indent="-323640">
+            <a:pPr marL="432000" indent="-323280">
               <a:lnSpc>
                 <a:spcPct val="100000"/>
               </a:lnSpc>
@@ -5471,6 +5553,7 @@
                   </a:solidFill>
                 </a:uFill>
                 <a:latin typeface="Arial"/>
+                <a:ea typeface="DejaVu Sans"/>
               </a:rPr>
               <a:t>Backward compatibility</a:t>
             </a:r>
@@ -5487,7 +5570,7 @@
             </a:endParaRPr>
           </a:p>
           <a:p>
-            <a:pPr marL="432000" indent="-323640">
+            <a:pPr marL="432000" indent="-323280">
               <a:lnSpc>
                 <a:spcPct val="100000"/>
               </a:lnSpc>
@@ -5509,6 +5592,7 @@
                   </a:solidFill>
                 </a:uFill>
                 <a:latin typeface="Arial"/>
+                <a:ea typeface="DejaVu Sans"/>
               </a:rPr>
               <a:t>Framework arrivés tard =&gt; pas de patterns</a:t>
             </a:r>
@@ -5525,7 +5609,7 @@
             </a:endParaRPr>
           </a:p>
           <a:p>
-            <a:pPr marL="432000" indent="-323640">
+            <a:pPr marL="432000" indent="-323280">
               <a:lnSpc>
                 <a:spcPct val="100000"/>
               </a:lnSpc>
@@ -5547,6 +5631,7 @@
                   </a:solidFill>
                 </a:uFill>
                 <a:latin typeface="Arial"/>
+                <a:ea typeface="DejaVu Sans"/>
               </a:rPr>
               <a:t>Prototypes</a:t>
             </a:r>
@@ -5563,7 +5648,7 @@
             </a:endParaRPr>
           </a:p>
           <a:p>
-            <a:pPr marL="432000" indent="-323640">
+            <a:pPr marL="432000" indent="-323280">
               <a:lnSpc>
                 <a:spcPct val="100000"/>
               </a:lnSpc>
@@ -5585,6 +5670,7 @@
                   </a:solidFill>
                 </a:uFill>
                 <a:latin typeface="Arial"/>
+                <a:ea typeface="DejaVu Sans"/>
               </a:rPr>
               <a:t>Weakly typed</a:t>
             </a:r>
@@ -5660,7 +5746,7 @@
         <p:spPr>
           <a:xfrm>
             <a:off x="504000" y="301320"/>
-            <a:ext cx="9071280" cy="1261800"/>
+            <a:ext cx="9070920" cy="1261440"/>
           </a:xfrm>
           <a:prstGeom prst="rect">
             <a:avLst/>
@@ -5695,6 +5781,7 @@
                   </a:solidFill>
                 </a:uFill>
                 <a:latin typeface="Arial"/>
+                <a:ea typeface="DejaVu Sans"/>
               </a:rPr>
               <a:t>Du code</a:t>
             </a:r>
@@ -5721,7 +5808,7 @@
         <p:spPr>
           <a:xfrm>
             <a:off x="504000" y="1769040"/>
-            <a:ext cx="9071280" cy="4384080"/>
+            <a:ext cx="9070920" cy="4383720"/>
           </a:xfrm>
           <a:prstGeom prst="rect">
             <a:avLst/>
@@ -5740,7 +5827,7 @@
         <p:txBody>
           <a:bodyPr lIns="0" rIns="0" tIns="0" bIns="0"/>
           <a:p>
-            <a:pPr marL="432000" indent="-323640">
+            <a:pPr marL="432000" indent="-323280">
               <a:lnSpc>
                 <a:spcPct val="100000"/>
               </a:lnSpc>
@@ -5762,6 +5849,7 @@
                   </a:solidFill>
                 </a:uFill>
                 <a:latin typeface="Arial"/>
+                <a:ea typeface="DejaVu Sans"/>
               </a:rPr>
               <a:t>var</a:t>
             </a:r>
@@ -5778,7 +5866,7 @@
             </a:endParaRPr>
           </a:p>
           <a:p>
-            <a:pPr marL="432000" indent="-323640">
+            <a:pPr marL="432000" indent="-323280">
               <a:lnSpc>
                 <a:spcPct val="100000"/>
               </a:lnSpc>
@@ -5800,6 +5888,7 @@
                   </a:solidFill>
                 </a:uFill>
                 <a:latin typeface="Arial"/>
+                <a:ea typeface="DejaVu Sans"/>
               </a:rPr>
               <a:t>While for</a:t>
             </a:r>
@@ -5816,7 +5905,7 @@
             </a:endParaRPr>
           </a:p>
           <a:p>
-            <a:pPr marL="432000" indent="-323640">
+            <a:pPr marL="432000" indent="-323280">
               <a:lnSpc>
                 <a:spcPct val="100000"/>
               </a:lnSpc>
@@ -5838,6 +5927,7 @@
                   </a:solidFill>
                 </a:uFill>
                 <a:latin typeface="Arial"/>
+                <a:ea typeface="DejaVu Sans"/>
               </a:rPr>
               <a:t>Arrays</a:t>
             </a:r>
@@ -5854,7 +5944,7 @@
             </a:endParaRPr>
           </a:p>
           <a:p>
-            <a:pPr marL="432000" indent="-323640">
+            <a:pPr marL="432000" indent="-323280">
               <a:lnSpc>
                 <a:spcPct val="100000"/>
               </a:lnSpc>
@@ -5876,6 +5966,7 @@
                   </a:solidFill>
                 </a:uFill>
                 <a:latin typeface="Arial"/>
+                <a:ea typeface="DejaVu Sans"/>
               </a:rPr>
               <a:t>Objects</a:t>
             </a:r>
@@ -5892,7 +5983,7 @@
             </a:endParaRPr>
           </a:p>
           <a:p>
-            <a:pPr marL="432000" indent="-323640">
+            <a:pPr marL="432000" indent="-323280">
               <a:lnSpc>
                 <a:spcPct val="100000"/>
               </a:lnSpc>
@@ -5914,6 +6005,7 @@
                   </a:solidFill>
                 </a:uFill>
                 <a:latin typeface="Arial"/>
+                <a:ea typeface="DejaVu Sans"/>
               </a:rPr>
               <a:t>Functions</a:t>
             </a:r>
